--- a/造酒翔・三瓶眞.pptx
+++ b/造酒翔・三瓶眞.pptx
@@ -8,13 +8,12 @@
     <p:sldId id="256" r:id="rId5"/>
     <p:sldId id="265" r:id="rId6"/>
     <p:sldId id="257" r:id="rId7"/>
-    <p:sldId id="264" r:id="rId8"/>
-    <p:sldId id="269" r:id="rId9"/>
-    <p:sldId id="268" r:id="rId10"/>
-    <p:sldId id="263" r:id="rId11"/>
-    <p:sldId id="270" r:id="rId12"/>
-    <p:sldId id="266" r:id="rId13"/>
-    <p:sldId id="267" r:id="rId14"/>
+    <p:sldId id="269" r:id="rId8"/>
+    <p:sldId id="264" r:id="rId9"/>
+    <p:sldId id="263" r:id="rId10"/>
+    <p:sldId id="270" r:id="rId11"/>
+    <p:sldId id="266" r:id="rId12"/>
+    <p:sldId id="267" r:id="rId13"/>
   </p:sldIdLst>
   <p:sldSz cx="12192000" cy="6858000"/>
   <p:notesSz cx="6858000" cy="9144000"/>
@@ -4133,7 +4132,7 @@
         <a:lstStyle/>
         <a:p>
           <a:r>
-            <a:rPr kumimoji="1" lang="ja-JP" sz="2000" b="1">
+            <a:rPr kumimoji="1" lang="ja-JP" sz="3600" b="1" dirty="0">
               <a:effectLst>
                 <a:outerShdw blurRad="50800" dist="38100" dir="2700000" algn="tl" rotWithShape="0">
                   <a:prstClr val="black">
@@ -4145,7 +4144,7 @@
             <a:t>データベース</a:t>
           </a:r>
           <a:r>
-            <a:rPr kumimoji="1" lang="ja-JP" altLang="en-US" sz="2000" b="1">
+            <a:rPr kumimoji="1" lang="ja-JP" altLang="en-US" sz="3600" b="1" dirty="0">
               <a:effectLst>
                 <a:outerShdw blurRad="50800" dist="38100" dir="2700000" algn="tl" rotWithShape="0">
                   <a:prstClr val="black">
@@ -4157,7 +4156,7 @@
             <a:t>の操作（</a:t>
           </a:r>
           <a:r>
-            <a:rPr kumimoji="1" lang="en-US" altLang="ja-JP" sz="2000" b="1" dirty="0">
+            <a:rPr kumimoji="1" lang="en-US" altLang="ja-JP" sz="3600" b="1" dirty="0">
               <a:effectLst>
                 <a:outerShdw blurRad="50800" dist="38100" dir="2700000" algn="tl" rotWithShape="0">
                   <a:prstClr val="black">
@@ -4169,7 +4168,7 @@
             <a:t>CRUD</a:t>
           </a:r>
           <a:r>
-            <a:rPr kumimoji="1" lang="ja-JP" altLang="en-US" sz="2000" b="1">
+            <a:rPr kumimoji="1" lang="ja-JP" altLang="en-US" sz="3600" b="1" dirty="0">
               <a:effectLst>
                 <a:outerShdw blurRad="50800" dist="38100" dir="2700000" algn="tl" rotWithShape="0">
                   <a:prstClr val="black">
@@ -4181,7 +4180,7 @@
             <a:t>）ができるアプリ</a:t>
           </a:r>
           <a:r>
-            <a:rPr kumimoji="1" lang="ja-JP" sz="2000" b="1">
+            <a:rPr kumimoji="1" lang="ja-JP" sz="3600" b="1" dirty="0">
               <a:effectLst>
                 <a:outerShdw blurRad="50800" dist="38100" dir="2700000" algn="tl" rotWithShape="0">
                   <a:prstClr val="black">
@@ -4193,7 +4192,7 @@
             <a:t>（</a:t>
           </a:r>
           <a:r>
-            <a:rPr kumimoji="1" lang="en-US" sz="2000" b="1" dirty="0">
+            <a:rPr kumimoji="1" lang="en-US" sz="3600" b="1" dirty="0">
               <a:effectLst>
                 <a:outerShdw blurRad="50800" dist="38100" dir="2700000" algn="tl" rotWithShape="0">
                   <a:prstClr val="black">
@@ -4204,7 +4203,7 @@
             </a:rPr>
             <a:t>SQLite）</a:t>
           </a:r>
-          <a:endParaRPr lang="ja-JP" sz="2000" b="1" dirty="0">
+          <a:endParaRPr lang="ja-JP" sz="3600" b="1" dirty="0">
             <a:effectLst>
               <a:outerShdw blurRad="50800" dist="38100" dir="2700000" algn="tl" rotWithShape="0">
                 <a:prstClr val="black">
@@ -4248,7 +4247,7 @@
       <dgm:spPr/>
     </dgm:pt>
     <dgm:pt modelId="{D3B335C5-E70E-4621-BE56-DFC7F7219220}" type="pres">
-      <dgm:prSet presAssocID="{230FAC1F-EC80-400A-A4B7-BF36EDF268BD}" presName="parentText" presStyleLbl="node1" presStyleIdx="0" presStyleCnt="1" custLinFactNeighborX="-3692" custLinFactNeighborY="505">
+      <dgm:prSet presAssocID="{230FAC1F-EC80-400A-A4B7-BF36EDF268BD}" presName="parentText" presStyleLbl="node1" presStyleIdx="0" presStyleCnt="1" custLinFactNeighborX="13280" custLinFactNeighborY="-47712">
         <dgm:presLayoutVars>
           <dgm:chMax val="0"/>
           <dgm:bulletEnabled val="1"/>
@@ -4620,11 +4619,11 @@
     <dgm:cxn modelId="{7F69D11C-B94A-451C-966F-617F42173B42}" type="presOf" srcId="{0130E78B-1980-4B29-A436-9DF827AF66A2}" destId="{72DF6148-C7D3-40F0-B5F5-7BEEB641A55F}" srcOrd="0" destOrd="0" presId="urn:microsoft.com/office/officeart/2005/8/layout/vProcess5"/>
     <dgm:cxn modelId="{45F27E2F-17D5-45F8-B521-D207BA49D4B8}" type="presOf" srcId="{2548F53F-37C9-4C93-9D87-87F652340CCA}" destId="{B9B28C50-522A-4CAE-B9B8-156785233FF6}" srcOrd="0" destOrd="0" presId="urn:microsoft.com/office/officeart/2005/8/layout/vProcess5"/>
     <dgm:cxn modelId="{01C05539-D139-497C-800E-74AE39BEFF95}" srcId="{3BAB6759-CD5A-4028-A28C-7727DFC2FECC}" destId="{F5EF5098-35A9-4737-BC7B-CF81B73EF82C}" srcOrd="2" destOrd="0" parTransId="{FAC01007-6E63-428C-9C80-BFEB19779C64}" sibTransId="{4685C3DA-000C-46B3-8215-877D0EDE3889}"/>
+    <dgm:cxn modelId="{736B6161-FFF8-4C12-B5C0-2684288EEFC5}" type="presOf" srcId="{0130E78B-1980-4B29-A436-9DF827AF66A2}" destId="{C5AFAF22-F949-4452-AE02-26CF76934A5E}" srcOrd="1" destOrd="0" presId="urn:microsoft.com/office/officeart/2005/8/layout/vProcess5"/>
     <dgm:cxn modelId="{B2C21A4E-B01F-46C4-8CC0-864781DCA45A}" type="presOf" srcId="{3BAB6759-CD5A-4028-A28C-7727DFC2FECC}" destId="{6265A4F4-A1EC-47F8-87E8-3275F9049075}" srcOrd="0" destOrd="0" presId="urn:microsoft.com/office/officeart/2005/8/layout/vProcess5"/>
     <dgm:cxn modelId="{E7395B57-1437-4E81-AF63-2799E154B018}" type="presOf" srcId="{D82E6415-682F-498D-A96D-AD5BEBFA997B}" destId="{C4B1B0FF-0D93-4108-AEA6-A4BA88B30F47}" srcOrd="0" destOrd="0" presId="urn:microsoft.com/office/officeart/2005/8/layout/vProcess5"/>
     <dgm:cxn modelId="{87B29D58-32DA-4BC3-AA0E-DD3DE07E2508}" type="presOf" srcId="{F5EF5098-35A9-4737-BC7B-CF81B73EF82C}" destId="{3CEEC37C-B18F-4BFD-8A70-64F26AD13659}" srcOrd="1" destOrd="0" presId="urn:microsoft.com/office/officeart/2005/8/layout/vProcess5"/>
     <dgm:cxn modelId="{1CBFA35A-7879-4C4B-B607-E50621EC3D77}" srcId="{3BAB6759-CD5A-4028-A28C-7727DFC2FECC}" destId="{0130E78B-1980-4B29-A436-9DF827AF66A2}" srcOrd="1" destOrd="0" parTransId="{58690C56-3B50-490D-8D2A-B0994CE6B28C}" sibTransId="{8A99A4E5-7494-4CFF-AD01-83F26D2A0372}"/>
-    <dgm:cxn modelId="{736B6161-FFF8-4C12-B5C0-2684288EEFC5}" type="presOf" srcId="{0130E78B-1980-4B29-A436-9DF827AF66A2}" destId="{C5AFAF22-F949-4452-AE02-26CF76934A5E}" srcOrd="1" destOrd="0" presId="urn:microsoft.com/office/officeart/2005/8/layout/vProcess5"/>
     <dgm:cxn modelId="{9501F67B-E55B-402C-9C68-574A337AC5A4}" type="presOf" srcId="{8A99A4E5-7494-4CFF-AD01-83F26D2A0372}" destId="{45B54F60-9FA9-4A68-B53D-35DB5A536C1F}" srcOrd="0" destOrd="0" presId="urn:microsoft.com/office/officeart/2005/8/layout/vProcess5"/>
     <dgm:cxn modelId="{D47BA09E-DF79-4988-8E7C-89F1AE1FCCF6}" type="presOf" srcId="{F5EF5098-35A9-4737-BC7B-CF81B73EF82C}" destId="{6F0B94A0-D7F8-4E12-A3A9-7875AB1712DC}" srcOrd="0" destOrd="0" presId="urn:microsoft.com/office/officeart/2005/8/layout/vProcess5"/>
     <dgm:cxn modelId="{252E0DC1-4D03-474B-A369-1A8D1506AC9E}" srcId="{3BAB6759-CD5A-4028-A28C-7727DFC2FECC}" destId="{D82E6415-682F-498D-A96D-AD5BEBFA997B}" srcOrd="0" destOrd="0" parTransId="{58182C00-9A05-48A2-A3AB-A3B55519E24C}" sibTransId="{2548F53F-37C9-4C93-9D87-87F652340CCA}"/>
@@ -4665,16 +4664,34 @@
     </dgm:pt>
     <dgm:pt modelId="{D3F99C84-BC6A-4827-8AD8-40FF25DF4947}">
       <dgm:prSet/>
-      <dgm:spPr/>
+      <dgm:spPr>
+        <a:ln>
+          <a:noFill/>
+        </a:ln>
+      </dgm:spPr>
       <dgm:t>
         <a:bodyPr/>
         <a:lstStyle/>
         <a:p>
           <a:r>
-            <a:rPr lang="ja-JP"/>
+            <a:rPr lang="ja-JP" b="1" dirty="0">
+              <a:solidFill>
+                <a:schemeClr val="tx1">
+                  <a:lumMod val="50000"/>
+                  <a:lumOff val="50000"/>
+                </a:schemeClr>
+              </a:solidFill>
+            </a:rPr>
             <a:t>初めはまずページのみを作る予定だったのですが、機能重視の制作になってしまっため結果、進捗状況としてはあまり良い結果にはならなかったと思いました。途中でページの作成をまずはやっておけば良かったと反省しています。</a:t>
           </a:r>
-          <a:endParaRPr lang="en-US" dirty="0"/>
+          <a:endParaRPr lang="en-US" b="1" dirty="0">
+            <a:solidFill>
+              <a:schemeClr val="tx1">
+                <a:lumMod val="50000"/>
+                <a:lumOff val="50000"/>
+              </a:schemeClr>
+            </a:solidFill>
+          </a:endParaRPr>
         </a:p>
       </dgm:t>
     </dgm:pt>
@@ -4702,36 +4719,89 @@
     </dgm:pt>
     <dgm:pt modelId="{363FE5E9-6DDA-483A-AF82-DBA10EA59B4A}">
       <dgm:prSet/>
-      <dgm:spPr/>
+      <dgm:spPr>
+        <a:ln>
+          <a:noFill/>
+        </a:ln>
+      </dgm:spPr>
       <dgm:t>
         <a:bodyPr/>
         <a:lstStyle/>
         <a:p>
           <a:r>
-            <a:rPr lang="en-US" dirty="0"/>
+            <a:rPr lang="en-US" b="1" dirty="0">
+              <a:solidFill>
+                <a:schemeClr val="tx1">
+                  <a:lumMod val="50000"/>
+                  <a:lumOff val="50000"/>
+                </a:schemeClr>
+              </a:solidFill>
+            </a:rPr>
             <a:t>dart</a:t>
           </a:r>
           <a:r>
-            <a:rPr lang="ja-JP"/>
+            <a:rPr lang="ja-JP" b="1" dirty="0">
+              <a:solidFill>
+                <a:schemeClr val="tx1">
+                  <a:lumMod val="50000"/>
+                  <a:lumOff val="50000"/>
+                </a:schemeClr>
+              </a:solidFill>
+            </a:rPr>
             <a:t>は初めて触る言語であったので、勉強をするのが大変で、ある程度理解をするのに時間がかかってしまい</a:t>
           </a:r>
           <a:r>
-            <a:rPr lang="ja-JP" altLang="en-US"/>
+            <a:rPr lang="ja-JP" altLang="en-US" b="1" dirty="0">
+              <a:solidFill>
+                <a:schemeClr val="tx1">
+                  <a:lumMod val="50000"/>
+                  <a:lumOff val="50000"/>
+                </a:schemeClr>
+              </a:solidFill>
+            </a:rPr>
             <a:t>、</a:t>
           </a:r>
           <a:r>
-            <a:rPr lang="ja-JP"/>
+            <a:rPr lang="ja-JP" b="1" dirty="0">
+              <a:solidFill>
+                <a:schemeClr val="tx1">
+                  <a:lumMod val="50000"/>
+                  <a:lumOff val="50000"/>
+                </a:schemeClr>
+              </a:solidFill>
+            </a:rPr>
             <a:t>わからないことが</a:t>
           </a:r>
           <a:r>
-            <a:rPr lang="ja-JP" altLang="en-US"/>
+            <a:rPr lang="ja-JP" altLang="en-US" b="1" dirty="0">
+              <a:solidFill>
+                <a:schemeClr val="tx1">
+                  <a:lumMod val="50000"/>
+                  <a:lumOff val="50000"/>
+                </a:schemeClr>
+              </a:solidFill>
+            </a:rPr>
             <a:t>ほとんどの中の制作でした。</a:t>
           </a:r>
           <a:r>
-            <a:rPr lang="ja-JP"/>
+            <a:rPr lang="ja-JP" b="1" dirty="0">
+              <a:solidFill>
+                <a:schemeClr val="tx1">
+                  <a:lumMod val="50000"/>
+                  <a:lumOff val="50000"/>
+                </a:schemeClr>
+              </a:solidFill>
+            </a:rPr>
             <a:t>目標を高くし過ぎていたため、満足のいく結果にはなりませんでした。</a:t>
           </a:r>
-          <a:endParaRPr lang="en-US" dirty="0"/>
+          <a:endParaRPr lang="en-US" b="1" dirty="0">
+            <a:solidFill>
+              <a:schemeClr val="tx1">
+                <a:lumMod val="50000"/>
+                <a:lumOff val="50000"/>
+              </a:schemeClr>
+            </a:solidFill>
+          </a:endParaRPr>
         </a:p>
       </dgm:t>
     </dgm:pt>
@@ -4779,7 +4849,16 @@
     </dgm:pt>
     <dgm:pt modelId="{68E05911-1396-AF4E-A9B1-76F8827B3CB1}" type="pres">
       <dgm:prSet presAssocID="{D3F99C84-BC6A-4827-8AD8-40FF25DF4947}" presName="background" presStyleLbl="node0" presStyleIdx="0" presStyleCnt="2"/>
-      <dgm:spPr/>
+      <dgm:spPr>
+        <a:solidFill>
+          <a:schemeClr val="accent1"/>
+        </a:solidFill>
+        <a:ln w="38100">
+          <a:solidFill>
+            <a:schemeClr val="bg1"/>
+          </a:solidFill>
+        </a:ln>
+      </dgm:spPr>
     </dgm:pt>
     <dgm:pt modelId="{C861B322-82BA-D04E-8D20-5EA4F36A23F3}" type="pres">
       <dgm:prSet presAssocID="{D3F99C84-BC6A-4827-8AD8-40FF25DF4947}" presName="text" presStyleLbl="fgAcc0" presStyleIdx="0" presStyleCnt="2">
@@ -4803,7 +4882,19 @@
     </dgm:pt>
     <dgm:pt modelId="{60773E2C-0D8C-7D44-8DDE-36A39032CB8A}" type="pres">
       <dgm:prSet presAssocID="{363FE5E9-6DDA-483A-AF82-DBA10EA59B4A}" presName="background" presStyleLbl="node0" presStyleIdx="1" presStyleCnt="2"/>
-      <dgm:spPr/>
+      <dgm:spPr>
+        <a:solidFill>
+          <a:schemeClr val="accent1">
+            <a:lumMod val="40000"/>
+            <a:lumOff val="60000"/>
+          </a:schemeClr>
+        </a:solidFill>
+        <a:ln w="38100">
+          <a:solidFill>
+            <a:schemeClr val="bg1"/>
+          </a:solidFill>
+        </a:ln>
+      </dgm:spPr>
     </dgm:pt>
     <dgm:pt modelId="{788A5FA6-0E45-7C4C-935E-F550FB5E2F35}" type="pres">
       <dgm:prSet presAssocID="{363FE5E9-6DDA-483A-AF82-DBA10EA59B4A}" presName="text" presStyleLbl="fgAcc0" presStyleIdx="1" presStyleCnt="2">
@@ -4861,28 +4952,67 @@
     </dgm:pt>
     <dgm:pt modelId="{54E9DB18-5838-456E-89A3-BE59A509698D}">
       <dgm:prSet/>
-      <dgm:spPr/>
+      <dgm:spPr>
+        <a:ln>
+          <a:noFill/>
+        </a:ln>
+      </dgm:spPr>
       <dgm:t>
         <a:bodyPr/>
         <a:lstStyle/>
         <a:p>
           <a:r>
-            <a:rPr lang="en-US"/>
+            <a:rPr lang="en-US" b="1" dirty="0">
+              <a:solidFill>
+                <a:schemeClr val="tx1">
+                  <a:lumMod val="50000"/>
+                  <a:lumOff val="50000"/>
+                </a:schemeClr>
+              </a:solidFill>
+            </a:rPr>
             <a:t>Flutter</a:t>
           </a:r>
           <a:r>
-            <a:rPr lang="ja-JP"/>
+            <a:rPr lang="ja-JP" b="1" dirty="0">
+              <a:solidFill>
+                <a:schemeClr val="tx1">
+                  <a:lumMod val="50000"/>
+                  <a:lumOff val="50000"/>
+                </a:schemeClr>
+              </a:solidFill>
+            </a:rPr>
             <a:t>での開発は今後主流になってくることを知り、強い好奇心と共に楽しく行うことが出来ました。まだまだ新しいモノなのでドキュメントがとても少なく開発に停滞したりしたのですが、初めて</a:t>
           </a:r>
           <a:r>
-            <a:rPr lang="en-US"/>
+            <a:rPr lang="en-US" b="1" dirty="0">
+              <a:solidFill>
+                <a:schemeClr val="tx1">
+                  <a:lumMod val="50000"/>
+                  <a:lumOff val="50000"/>
+                </a:schemeClr>
+              </a:solidFill>
+            </a:rPr>
             <a:t>chatGPT</a:t>
           </a:r>
           <a:r>
-            <a:rPr lang="ja-JP"/>
+            <a:rPr lang="ja-JP" b="1" dirty="0">
+              <a:solidFill>
+                <a:schemeClr val="tx1">
+                  <a:lumMod val="50000"/>
+                  <a:lumOff val="50000"/>
+                </a:schemeClr>
+              </a:solidFill>
+            </a:rPr>
             <a:t>を使用し開発するなど、とても為になる経験ができ本当に良かったです。</a:t>
           </a:r>
-          <a:endParaRPr lang="en-US"/>
+          <a:endParaRPr lang="en-US" b="1" dirty="0">
+            <a:solidFill>
+              <a:schemeClr val="tx1">
+                <a:lumMod val="50000"/>
+                <a:lumOff val="50000"/>
+              </a:schemeClr>
+            </a:solidFill>
+          </a:endParaRPr>
         </a:p>
       </dgm:t>
     </dgm:pt>
@@ -4910,40 +5040,100 @@
     </dgm:pt>
     <dgm:pt modelId="{93C966A5-591F-4C85-8989-C02CC0C41FDE}">
       <dgm:prSet/>
-      <dgm:spPr/>
+      <dgm:spPr>
+        <a:ln>
+          <a:noFill/>
+        </a:ln>
+      </dgm:spPr>
       <dgm:t>
         <a:bodyPr/>
         <a:lstStyle/>
         <a:p>
           <a:r>
-            <a:rPr lang="ja-JP"/>
+            <a:rPr lang="ja-JP" b="1" dirty="0">
+              <a:solidFill>
+                <a:schemeClr val="tx1">
+                  <a:lumMod val="50000"/>
+                  <a:lumOff val="50000"/>
+                </a:schemeClr>
+              </a:solidFill>
+            </a:rPr>
             <a:t>卒業制作と同じ環境と言う事もあり、二人で進めるので円滑に開発を進められると思いました。が、タスク管理や変数名などの共通認識が足りてなかったり、始めの方から</a:t>
           </a:r>
           <a:r>
-            <a:rPr lang="en-US" dirty="0" err="1"/>
+            <a:rPr lang="en-US" b="1" dirty="0">
+              <a:solidFill>
+                <a:schemeClr val="tx1">
+                  <a:lumMod val="50000"/>
+                  <a:lumOff val="50000"/>
+                </a:schemeClr>
+              </a:solidFill>
+            </a:rPr>
             <a:t>chatGPT</a:t>
           </a:r>
           <a:r>
-            <a:rPr lang="ja-JP"/>
+            <a:rPr lang="ja-JP" b="1" dirty="0">
+              <a:solidFill>
+                <a:schemeClr val="tx1">
+                  <a:lumMod val="50000"/>
+                  <a:lumOff val="50000"/>
+                </a:schemeClr>
+              </a:solidFill>
+            </a:rPr>
             <a:t>を使用した為、自分達の</a:t>
           </a:r>
           <a:r>
-            <a:rPr lang="en-US" dirty="0"/>
+            <a:rPr lang="en-US" b="1" dirty="0">
+              <a:solidFill>
+                <a:schemeClr val="tx1">
+                  <a:lumMod val="50000"/>
+                  <a:lumOff val="50000"/>
+                </a:schemeClr>
+              </a:solidFill>
+            </a:rPr>
             <a:t>Flutter</a:t>
           </a:r>
           <a:r>
-            <a:rPr lang="ja-JP"/>
+            <a:rPr lang="ja-JP" b="1" dirty="0">
+              <a:solidFill>
+                <a:schemeClr val="tx1">
+                  <a:lumMod val="50000"/>
+                  <a:lumOff val="50000"/>
+                </a:schemeClr>
+              </a:solidFill>
+            </a:rPr>
             <a:t>への理解を超えてしまい、事前に理解した上で使用し、</a:t>
           </a:r>
           <a:r>
-            <a:rPr lang="en-US" dirty="0" err="1"/>
+            <a:rPr lang="en-US" b="1" dirty="0">
+              <a:solidFill>
+                <a:schemeClr val="tx1">
+                  <a:lumMod val="50000"/>
+                  <a:lumOff val="50000"/>
+                </a:schemeClr>
+              </a:solidFill>
+            </a:rPr>
             <a:t>Github</a:t>
           </a:r>
           <a:r>
-            <a:rPr lang="ja-JP"/>
+            <a:rPr lang="ja-JP" b="1" dirty="0">
+              <a:solidFill>
+                <a:schemeClr val="tx1">
+                  <a:lumMod val="50000"/>
+                  <a:lumOff val="50000"/>
+                </a:schemeClr>
+              </a:solidFill>
+            </a:rPr>
             <a:t>をもっと上手く利用してタスク管理なども怠らないようにすれば良かったと強く思う開発になりました。</a:t>
           </a:r>
-          <a:endParaRPr lang="en-US" dirty="0"/>
+          <a:endParaRPr lang="en-US" b="1" dirty="0">
+            <a:solidFill>
+              <a:schemeClr val="tx1">
+                <a:lumMod val="50000"/>
+                <a:lumOff val="50000"/>
+              </a:schemeClr>
+            </a:solidFill>
+          </a:endParaRPr>
         </a:p>
       </dgm:t>
     </dgm:pt>
@@ -4991,10 +5181,19 @@
     </dgm:pt>
     <dgm:pt modelId="{DD82221E-BE07-EF42-B50A-2D43BC2E910F}" type="pres">
       <dgm:prSet presAssocID="{93C966A5-591F-4C85-8989-C02CC0C41FDE}" presName="background" presStyleLbl="node0" presStyleIdx="0" presStyleCnt="2"/>
-      <dgm:spPr/>
+      <dgm:spPr>
+        <a:solidFill>
+          <a:schemeClr val="accent3"/>
+        </a:solidFill>
+        <a:ln w="38100">
+          <a:solidFill>
+            <a:schemeClr val="bg1"/>
+          </a:solidFill>
+        </a:ln>
+      </dgm:spPr>
     </dgm:pt>
     <dgm:pt modelId="{14FA62FD-31D4-C542-A2B2-4D30560503D6}" type="pres">
-      <dgm:prSet presAssocID="{93C966A5-591F-4C85-8989-C02CC0C41FDE}" presName="text" presStyleLbl="fgAcc0" presStyleIdx="0" presStyleCnt="2">
+      <dgm:prSet presAssocID="{93C966A5-591F-4C85-8989-C02CC0C41FDE}" presName="text" presStyleLbl="fgAcc0" presStyleIdx="0" presStyleCnt="2" custLinFactNeighborX="-441" custLinFactNeighborY="232">
         <dgm:presLayoutVars>
           <dgm:chPref val="3"/>
         </dgm:presLayoutVars>
@@ -5015,7 +5214,19 @@
     </dgm:pt>
     <dgm:pt modelId="{93393D2E-2728-FF4F-BC2F-51CCAC15BB56}" type="pres">
       <dgm:prSet presAssocID="{54E9DB18-5838-456E-89A3-BE59A509698D}" presName="background" presStyleLbl="node0" presStyleIdx="1" presStyleCnt="2"/>
-      <dgm:spPr/>
+      <dgm:spPr>
+        <a:solidFill>
+          <a:schemeClr val="accent3">
+            <a:lumMod val="60000"/>
+            <a:lumOff val="40000"/>
+          </a:schemeClr>
+        </a:solidFill>
+        <a:ln w="38100">
+          <a:solidFill>
+            <a:schemeClr val="bg1"/>
+          </a:solidFill>
+        </a:ln>
+      </dgm:spPr>
     </dgm:pt>
     <dgm:pt modelId="{085407D7-110B-B349-9BFC-A6E8CFF7E759}" type="pres">
       <dgm:prSet presAssocID="{54E9DB18-5838-456E-89A3-BE59A509698D}" presName="text" presStyleLbl="fgAcc0" presStyleIdx="1" presStyleCnt="2">
@@ -5072,8 +5283,8 @@
       </dsp:nvSpPr>
       <dsp:spPr>
         <a:xfrm>
-          <a:off x="0" y="1145807"/>
-          <a:ext cx="8290297" cy="1216800"/>
+          <a:off x="0" y="689808"/>
+          <a:ext cx="7434472" cy="2129400"/>
         </a:xfrm>
         <a:prstGeom prst="roundRect">
           <a:avLst/>
@@ -5118,12 +5329,12 @@
         </a:fontRef>
       </dsp:style>
       <dsp:txBody>
-        <a:bodyPr spcFirstLastPara="0" vert="horz" wrap="square" lIns="76200" tIns="76200" rIns="76200" bIns="76200" numCol="1" spcCol="1270" anchor="ctr" anchorCtr="0">
+        <a:bodyPr spcFirstLastPara="0" vert="horz" wrap="square" lIns="137160" tIns="137160" rIns="137160" bIns="137160" numCol="1" spcCol="1270" anchor="ctr" anchorCtr="0">
           <a:noAutofit/>
         </a:bodyPr>
         <a:lstStyle/>
         <a:p>
-          <a:pPr marL="0" lvl="0" indent="0" algn="l" defTabSz="889000">
+          <a:pPr marL="0" lvl="0" indent="0" algn="l" defTabSz="1600200">
             <a:lnSpc>
               <a:spcPct val="90000"/>
             </a:lnSpc>
@@ -5136,7 +5347,7 @@
             <a:buNone/>
           </a:pPr>
           <a:r>
-            <a:rPr kumimoji="1" lang="ja-JP" sz="2000" b="1" kern="1200">
+            <a:rPr kumimoji="1" lang="ja-JP" sz="3600" b="1" kern="1200" dirty="0">
               <a:effectLst>
                 <a:outerShdw blurRad="50800" dist="38100" dir="2700000" algn="tl" rotWithShape="0">
                   <a:prstClr val="black">
@@ -5148,7 +5359,7 @@
             <a:t>データベース</a:t>
           </a:r>
           <a:r>
-            <a:rPr kumimoji="1" lang="ja-JP" altLang="en-US" sz="2000" b="1" kern="1200">
+            <a:rPr kumimoji="1" lang="ja-JP" altLang="en-US" sz="3600" b="1" kern="1200" dirty="0">
               <a:effectLst>
                 <a:outerShdw blurRad="50800" dist="38100" dir="2700000" algn="tl" rotWithShape="0">
                   <a:prstClr val="black">
@@ -5160,7 +5371,7 @@
             <a:t>の操作（</a:t>
           </a:r>
           <a:r>
-            <a:rPr kumimoji="1" lang="en-US" altLang="ja-JP" sz="2000" b="1" kern="1200" dirty="0">
+            <a:rPr kumimoji="1" lang="en-US" altLang="ja-JP" sz="3600" b="1" kern="1200" dirty="0">
               <a:effectLst>
                 <a:outerShdw blurRad="50800" dist="38100" dir="2700000" algn="tl" rotWithShape="0">
                   <a:prstClr val="black">
@@ -5172,7 +5383,7 @@
             <a:t>CRUD</a:t>
           </a:r>
           <a:r>
-            <a:rPr kumimoji="1" lang="ja-JP" altLang="en-US" sz="2000" b="1" kern="1200">
+            <a:rPr kumimoji="1" lang="ja-JP" altLang="en-US" sz="3600" b="1" kern="1200" dirty="0">
               <a:effectLst>
                 <a:outerShdw blurRad="50800" dist="38100" dir="2700000" algn="tl" rotWithShape="0">
                   <a:prstClr val="black">
@@ -5184,7 +5395,7 @@
             <a:t>）ができるアプリ</a:t>
           </a:r>
           <a:r>
-            <a:rPr kumimoji="1" lang="ja-JP" sz="2000" b="1" kern="1200">
+            <a:rPr kumimoji="1" lang="ja-JP" sz="3600" b="1" kern="1200" dirty="0">
               <a:effectLst>
                 <a:outerShdw blurRad="50800" dist="38100" dir="2700000" algn="tl" rotWithShape="0">
                   <a:prstClr val="black">
@@ -5196,7 +5407,7 @@
             <a:t>（</a:t>
           </a:r>
           <a:r>
-            <a:rPr kumimoji="1" lang="en-US" sz="2000" b="1" kern="1200" dirty="0">
+            <a:rPr kumimoji="1" lang="en-US" sz="3600" b="1" kern="1200" dirty="0">
               <a:effectLst>
                 <a:outerShdw blurRad="50800" dist="38100" dir="2700000" algn="tl" rotWithShape="0">
                   <a:prstClr val="black">
@@ -5207,7 +5418,7 @@
             </a:rPr>
             <a:t>SQLite）</a:t>
           </a:r>
-          <a:endParaRPr lang="ja-JP" sz="2000" b="1" kern="1200" dirty="0">
+          <a:endParaRPr lang="ja-JP" sz="3600" b="1" kern="1200" dirty="0">
             <a:effectLst>
               <a:outerShdw blurRad="50800" dist="38100" dir="2700000" algn="tl" rotWithShape="0">
                 <a:prstClr val="black">
@@ -5219,8 +5430,8 @@
         </a:p>
       </dsp:txBody>
       <dsp:txXfrm>
-        <a:off x="59399" y="1205206"/>
-        <a:ext cx="8171499" cy="1098002"/>
+        <a:off x="103949" y="793757"/>
+        <a:ext cx="7226574" cy="1921502"/>
       </dsp:txXfrm>
     </dsp:sp>
   </dsp:spTree>
@@ -5727,21 +5938,11 @@
           </a:avLst>
         </a:prstGeom>
         <a:solidFill>
-          <a:schemeClr val="accent5">
-            <a:hueOff val="0"/>
-            <a:satOff val="0"/>
-            <a:lumOff val="0"/>
-            <a:alphaOff val="0"/>
-          </a:schemeClr>
+          <a:schemeClr val="accent1"/>
         </a:solidFill>
-        <a:ln w="12700" cap="flat" cmpd="sng" algn="ctr">
+        <a:ln w="38100" cap="flat" cmpd="sng" algn="ctr">
           <a:solidFill>
-            <a:schemeClr val="lt1">
-              <a:hueOff val="0"/>
-              <a:satOff val="0"/>
-              <a:lumOff val="0"/>
-              <a:alphaOff val="0"/>
-            </a:schemeClr>
+            <a:schemeClr val="bg1"/>
           </a:solidFill>
           <a:prstDash val="solid"/>
           <a:miter lim="800000"/>
@@ -5788,14 +5989,7 @@
           </a:schemeClr>
         </a:solidFill>
         <a:ln w="12700" cap="flat" cmpd="sng" algn="ctr">
-          <a:solidFill>
-            <a:schemeClr val="accent5">
-              <a:hueOff val="0"/>
-              <a:satOff val="0"/>
-              <a:lumOff val="0"/>
-              <a:alphaOff val="0"/>
-            </a:schemeClr>
-          </a:solidFill>
+          <a:noFill/>
           <a:prstDash val="solid"/>
           <a:miter lim="800000"/>
         </a:ln>
@@ -5832,10 +6026,24 @@
             <a:buNone/>
           </a:pPr>
           <a:r>
-            <a:rPr lang="ja-JP" sz="1800" kern="1200"/>
+            <a:rPr lang="ja-JP" sz="1800" b="1" kern="1200" dirty="0">
+              <a:solidFill>
+                <a:schemeClr val="tx1">
+                  <a:lumMod val="50000"/>
+                  <a:lumOff val="50000"/>
+                </a:schemeClr>
+              </a:solidFill>
+            </a:rPr>
             <a:t>初めはまずページのみを作る予定だったのですが、機能重視の制作になってしまっため結果、進捗状況としてはあまり良い結果にはならなかったと思いました。途中でページの作成をまずはやっておけば良かったと反省しています。</a:t>
           </a:r>
-          <a:endParaRPr lang="en-US" sz="1800" kern="1200" dirty="0"/>
+          <a:endParaRPr lang="en-US" sz="1800" b="1" kern="1200" dirty="0">
+            <a:solidFill>
+              <a:schemeClr val="tx1">
+                <a:lumMod val="50000"/>
+                <a:lumOff val="50000"/>
+              </a:schemeClr>
+            </a:solidFill>
+          </a:endParaRPr>
         </a:p>
       </dsp:txBody>
       <dsp:txXfrm>
@@ -5859,21 +6067,14 @@
           </a:avLst>
         </a:prstGeom>
         <a:solidFill>
-          <a:schemeClr val="accent5">
-            <a:hueOff val="0"/>
-            <a:satOff val="0"/>
-            <a:lumOff val="0"/>
-            <a:alphaOff val="0"/>
+          <a:schemeClr val="accent1">
+            <a:lumMod val="40000"/>
+            <a:lumOff val="60000"/>
           </a:schemeClr>
         </a:solidFill>
-        <a:ln w="12700" cap="flat" cmpd="sng" algn="ctr">
+        <a:ln w="38100" cap="flat" cmpd="sng" algn="ctr">
           <a:solidFill>
-            <a:schemeClr val="lt1">
-              <a:hueOff val="0"/>
-              <a:satOff val="0"/>
-              <a:lumOff val="0"/>
-              <a:alphaOff val="0"/>
-            </a:schemeClr>
+            <a:schemeClr val="bg1"/>
           </a:solidFill>
           <a:prstDash val="solid"/>
           <a:miter lim="800000"/>
@@ -5920,14 +6121,7 @@
           </a:schemeClr>
         </a:solidFill>
         <a:ln w="12700" cap="flat" cmpd="sng" algn="ctr">
-          <a:solidFill>
-            <a:schemeClr val="accent5">
-              <a:hueOff val="0"/>
-              <a:satOff val="0"/>
-              <a:lumOff val="0"/>
-              <a:alphaOff val="0"/>
-            </a:schemeClr>
-          </a:solidFill>
+          <a:noFill/>
           <a:prstDash val="solid"/>
           <a:miter lim="800000"/>
         </a:ln>
@@ -5964,30 +6158,79 @@
             <a:buNone/>
           </a:pPr>
           <a:r>
-            <a:rPr lang="en-US" sz="1800" kern="1200" dirty="0"/>
+            <a:rPr lang="en-US" sz="1800" b="1" kern="1200" dirty="0">
+              <a:solidFill>
+                <a:schemeClr val="tx1">
+                  <a:lumMod val="50000"/>
+                  <a:lumOff val="50000"/>
+                </a:schemeClr>
+              </a:solidFill>
+            </a:rPr>
             <a:t>dart</a:t>
           </a:r>
           <a:r>
-            <a:rPr lang="ja-JP" sz="1800" kern="1200"/>
+            <a:rPr lang="ja-JP" sz="1800" b="1" kern="1200" dirty="0">
+              <a:solidFill>
+                <a:schemeClr val="tx1">
+                  <a:lumMod val="50000"/>
+                  <a:lumOff val="50000"/>
+                </a:schemeClr>
+              </a:solidFill>
+            </a:rPr>
             <a:t>は初めて触る言語であったので、勉強をするのが大変で、ある程度理解をするのに時間がかかってしまい</a:t>
           </a:r>
           <a:r>
-            <a:rPr lang="ja-JP" altLang="en-US" sz="1800" kern="1200"/>
+            <a:rPr lang="ja-JP" altLang="en-US" sz="1800" b="1" kern="1200" dirty="0">
+              <a:solidFill>
+                <a:schemeClr val="tx1">
+                  <a:lumMod val="50000"/>
+                  <a:lumOff val="50000"/>
+                </a:schemeClr>
+              </a:solidFill>
+            </a:rPr>
             <a:t>、</a:t>
           </a:r>
           <a:r>
-            <a:rPr lang="ja-JP" sz="1800" kern="1200"/>
+            <a:rPr lang="ja-JP" sz="1800" b="1" kern="1200" dirty="0">
+              <a:solidFill>
+                <a:schemeClr val="tx1">
+                  <a:lumMod val="50000"/>
+                  <a:lumOff val="50000"/>
+                </a:schemeClr>
+              </a:solidFill>
+            </a:rPr>
             <a:t>わからないことが</a:t>
           </a:r>
           <a:r>
-            <a:rPr lang="ja-JP" altLang="en-US" sz="1800" kern="1200"/>
+            <a:rPr lang="ja-JP" altLang="en-US" sz="1800" b="1" kern="1200" dirty="0">
+              <a:solidFill>
+                <a:schemeClr val="tx1">
+                  <a:lumMod val="50000"/>
+                  <a:lumOff val="50000"/>
+                </a:schemeClr>
+              </a:solidFill>
+            </a:rPr>
             <a:t>ほとんどの中の制作でした。</a:t>
           </a:r>
           <a:r>
-            <a:rPr lang="ja-JP" sz="1800" kern="1200"/>
+            <a:rPr lang="ja-JP" sz="1800" b="1" kern="1200" dirty="0">
+              <a:solidFill>
+                <a:schemeClr val="tx1">
+                  <a:lumMod val="50000"/>
+                  <a:lumOff val="50000"/>
+                </a:schemeClr>
+              </a:solidFill>
+            </a:rPr>
             <a:t>目標を高くし過ぎていたため、満足のいく結果にはなりませんでした。</a:t>
           </a:r>
-          <a:endParaRPr lang="en-US" sz="1800" kern="1200" dirty="0"/>
+          <a:endParaRPr lang="en-US" sz="1800" b="1" kern="1200" dirty="0">
+            <a:solidFill>
+              <a:schemeClr val="tx1">
+                <a:lumMod val="50000"/>
+                <a:lumOff val="50000"/>
+              </a:schemeClr>
+            </a:solidFill>
+          </a:endParaRPr>
         </a:p>
       </dsp:txBody>
       <dsp:txXfrm>
@@ -6014,7 +6257,7 @@
       </dsp:nvSpPr>
       <dsp:spPr>
         <a:xfrm>
-          <a:off x="1283" y="162863"/>
+          <a:off x="-18585" y="169500"/>
           <a:ext cx="4505585" cy="2861046"/>
         </a:xfrm>
         <a:prstGeom prst="roundRect">
@@ -6023,21 +6266,11 @@
           </a:avLst>
         </a:prstGeom>
         <a:solidFill>
-          <a:schemeClr val="accent4">
-            <a:hueOff val="0"/>
-            <a:satOff val="0"/>
-            <a:lumOff val="0"/>
-            <a:alphaOff val="0"/>
-          </a:schemeClr>
+          <a:schemeClr val="accent3"/>
         </a:solidFill>
-        <a:ln w="12700" cap="flat" cmpd="sng" algn="ctr">
+        <a:ln w="38100" cap="flat" cmpd="sng" algn="ctr">
           <a:solidFill>
-            <a:schemeClr val="lt1">
-              <a:hueOff val="0"/>
-              <a:satOff val="0"/>
-              <a:lumOff val="0"/>
-              <a:alphaOff val="0"/>
-            </a:schemeClr>
+            <a:schemeClr val="bg1"/>
           </a:solidFill>
           <a:prstDash val="solid"/>
           <a:miter lim="800000"/>
@@ -6066,7 +6299,7 @@
       </dsp:nvSpPr>
       <dsp:spPr>
         <a:xfrm>
-          <a:off x="501904" y="638452"/>
+          <a:off x="482034" y="645090"/>
           <a:ext cx="4505585" cy="2861046"/>
         </a:xfrm>
         <a:prstGeom prst="roundRect">
@@ -6084,14 +6317,7 @@
           </a:schemeClr>
         </a:solidFill>
         <a:ln w="12700" cap="flat" cmpd="sng" algn="ctr">
-          <a:solidFill>
-            <a:schemeClr val="accent4">
-              <a:hueOff val="0"/>
-              <a:satOff val="0"/>
-              <a:lumOff val="0"/>
-              <a:alphaOff val="0"/>
-            </a:schemeClr>
-          </a:solidFill>
+          <a:noFill/>
           <a:prstDash val="solid"/>
           <a:miter lim="800000"/>
         </a:ln>
@@ -6128,38 +6354,94 @@
             <a:buNone/>
           </a:pPr>
           <a:r>
-            <a:rPr lang="ja-JP" sz="1400" kern="1200"/>
+            <a:rPr lang="ja-JP" sz="1400" b="1" kern="1200" dirty="0">
+              <a:solidFill>
+                <a:schemeClr val="tx1">
+                  <a:lumMod val="50000"/>
+                  <a:lumOff val="50000"/>
+                </a:schemeClr>
+              </a:solidFill>
+            </a:rPr>
             <a:t>卒業制作と同じ環境と言う事もあり、二人で進めるので円滑に開発を進められると思いました。が、タスク管理や変数名などの共通認識が足りてなかったり、始めの方から</a:t>
           </a:r>
           <a:r>
-            <a:rPr lang="en-US" sz="1400" kern="1200" dirty="0" err="1"/>
+            <a:rPr lang="en-US" sz="1400" b="1" kern="1200" dirty="0">
+              <a:solidFill>
+                <a:schemeClr val="tx1">
+                  <a:lumMod val="50000"/>
+                  <a:lumOff val="50000"/>
+                </a:schemeClr>
+              </a:solidFill>
+            </a:rPr>
             <a:t>chatGPT</a:t>
           </a:r>
           <a:r>
-            <a:rPr lang="ja-JP" sz="1400" kern="1200"/>
+            <a:rPr lang="ja-JP" sz="1400" b="1" kern="1200" dirty="0">
+              <a:solidFill>
+                <a:schemeClr val="tx1">
+                  <a:lumMod val="50000"/>
+                  <a:lumOff val="50000"/>
+                </a:schemeClr>
+              </a:solidFill>
+            </a:rPr>
             <a:t>を使用した為、自分達の</a:t>
           </a:r>
           <a:r>
-            <a:rPr lang="en-US" sz="1400" kern="1200" dirty="0"/>
+            <a:rPr lang="en-US" sz="1400" b="1" kern="1200" dirty="0">
+              <a:solidFill>
+                <a:schemeClr val="tx1">
+                  <a:lumMod val="50000"/>
+                  <a:lumOff val="50000"/>
+                </a:schemeClr>
+              </a:solidFill>
+            </a:rPr>
             <a:t>Flutter</a:t>
           </a:r>
           <a:r>
-            <a:rPr lang="ja-JP" sz="1400" kern="1200"/>
+            <a:rPr lang="ja-JP" sz="1400" b="1" kern="1200" dirty="0">
+              <a:solidFill>
+                <a:schemeClr val="tx1">
+                  <a:lumMod val="50000"/>
+                  <a:lumOff val="50000"/>
+                </a:schemeClr>
+              </a:solidFill>
+            </a:rPr>
             <a:t>への理解を超えてしまい、事前に理解した上で使用し、</a:t>
           </a:r>
           <a:r>
-            <a:rPr lang="en-US" sz="1400" kern="1200" dirty="0" err="1"/>
+            <a:rPr lang="en-US" sz="1400" b="1" kern="1200" dirty="0">
+              <a:solidFill>
+                <a:schemeClr val="tx1">
+                  <a:lumMod val="50000"/>
+                  <a:lumOff val="50000"/>
+                </a:schemeClr>
+              </a:solidFill>
+            </a:rPr>
             <a:t>Github</a:t>
           </a:r>
           <a:r>
-            <a:rPr lang="ja-JP" sz="1400" kern="1200"/>
+            <a:rPr lang="ja-JP" sz="1400" b="1" kern="1200" dirty="0">
+              <a:solidFill>
+                <a:schemeClr val="tx1">
+                  <a:lumMod val="50000"/>
+                  <a:lumOff val="50000"/>
+                </a:schemeClr>
+              </a:solidFill>
+            </a:rPr>
             <a:t>をもっと上手く利用してタスク管理なども怠らないようにすれば良かったと強く思う開発になりました。</a:t>
           </a:r>
-          <a:endParaRPr lang="en-US" sz="1400" kern="1200" dirty="0"/>
+          <a:endParaRPr lang="en-US" sz="1400" b="1" kern="1200" dirty="0">
+            <a:solidFill>
+              <a:schemeClr val="tx1">
+                <a:lumMod val="50000"/>
+                <a:lumOff val="50000"/>
+              </a:schemeClr>
+            </a:solidFill>
+          </a:endParaRPr>
         </a:p>
       </dsp:txBody>
       <dsp:txXfrm>
-        <a:off x="585701" y="722249"/>
+        <a:off x="565831" y="728887"/>
         <a:ext cx="4337991" cy="2693452"/>
       </dsp:txXfrm>
     </dsp:sp>
@@ -6179,21 +6461,14 @@
           </a:avLst>
         </a:prstGeom>
         <a:solidFill>
-          <a:schemeClr val="accent4">
-            <a:hueOff val="0"/>
-            <a:satOff val="0"/>
-            <a:lumOff val="0"/>
-            <a:alphaOff val="0"/>
+          <a:schemeClr val="accent3">
+            <a:lumMod val="60000"/>
+            <a:lumOff val="40000"/>
           </a:schemeClr>
         </a:solidFill>
-        <a:ln w="12700" cap="flat" cmpd="sng" algn="ctr">
+        <a:ln w="38100" cap="flat" cmpd="sng" algn="ctr">
           <a:solidFill>
-            <a:schemeClr val="lt1">
-              <a:hueOff val="0"/>
-              <a:satOff val="0"/>
-              <a:lumOff val="0"/>
-              <a:alphaOff val="0"/>
-            </a:schemeClr>
+            <a:schemeClr val="bg1"/>
           </a:solidFill>
           <a:prstDash val="solid"/>
           <a:miter lim="800000"/>
@@ -6240,14 +6515,7 @@
           </a:schemeClr>
         </a:solidFill>
         <a:ln w="12700" cap="flat" cmpd="sng" algn="ctr">
-          <a:solidFill>
-            <a:schemeClr val="accent4">
-              <a:hueOff val="0"/>
-              <a:satOff val="0"/>
-              <a:lumOff val="0"/>
-              <a:alphaOff val="0"/>
-            </a:schemeClr>
-          </a:solidFill>
+          <a:noFill/>
           <a:prstDash val="solid"/>
           <a:miter lim="800000"/>
         </a:ln>
@@ -6284,22 +6552,57 @@
             <a:buNone/>
           </a:pPr>
           <a:r>
-            <a:rPr lang="en-US" sz="1400" kern="1200"/>
+            <a:rPr lang="en-US" sz="1400" b="1" kern="1200" dirty="0">
+              <a:solidFill>
+                <a:schemeClr val="tx1">
+                  <a:lumMod val="50000"/>
+                  <a:lumOff val="50000"/>
+                </a:schemeClr>
+              </a:solidFill>
+            </a:rPr>
             <a:t>Flutter</a:t>
           </a:r>
           <a:r>
-            <a:rPr lang="ja-JP" sz="1400" kern="1200"/>
+            <a:rPr lang="ja-JP" sz="1400" b="1" kern="1200" dirty="0">
+              <a:solidFill>
+                <a:schemeClr val="tx1">
+                  <a:lumMod val="50000"/>
+                  <a:lumOff val="50000"/>
+                </a:schemeClr>
+              </a:solidFill>
+            </a:rPr>
             <a:t>での開発は今後主流になってくることを知り、強い好奇心と共に楽しく行うことが出来ました。まだまだ新しいモノなのでドキュメントがとても少なく開発に停滞したりしたのですが、初めて</a:t>
           </a:r>
           <a:r>
-            <a:rPr lang="en-US" sz="1400" kern="1200"/>
+            <a:rPr lang="en-US" sz="1400" b="1" kern="1200" dirty="0">
+              <a:solidFill>
+                <a:schemeClr val="tx1">
+                  <a:lumMod val="50000"/>
+                  <a:lumOff val="50000"/>
+                </a:schemeClr>
+              </a:solidFill>
+            </a:rPr>
             <a:t>chatGPT</a:t>
           </a:r>
           <a:r>
-            <a:rPr lang="ja-JP" sz="1400" kern="1200"/>
+            <a:rPr lang="ja-JP" sz="1400" b="1" kern="1200" dirty="0">
+              <a:solidFill>
+                <a:schemeClr val="tx1">
+                  <a:lumMod val="50000"/>
+                  <a:lumOff val="50000"/>
+                </a:schemeClr>
+              </a:solidFill>
+            </a:rPr>
             <a:t>を使用し開発するなど、とても為になる経験ができ本当に良かったです。</a:t>
           </a:r>
-          <a:endParaRPr lang="en-US" sz="1400" kern="1200"/>
+          <a:endParaRPr lang="en-US" sz="1400" b="1" kern="1200" dirty="0">
+            <a:solidFill>
+              <a:schemeClr val="tx1">
+                <a:lumMod val="50000"/>
+                <a:lumOff val="50000"/>
+              </a:schemeClr>
+            </a:solidFill>
+          </a:endParaRPr>
         </a:p>
       </dsp:txBody>
       <dsp:txXfrm>
@@ -13127,7 +13430,7 @@
             <a:fld id="{11A6662E-FAF4-44BC-88B5-85A7CBFB6D30}" type="datetime1">
               <a:rPr lang="en-US" smtClean="0"/>
               <a:pPr/>
-              <a:t>7/10/23</a:t>
+              <a:t>7/11/2023</a:t>
             </a:fld>
             <a:endParaRPr lang="en-US"/>
           </a:p>
@@ -13354,7 +13657,7 @@
           <a:p>
             <a:fld id="{4C559632-1575-4E14-B53B-3DC3D5ED3947}" type="datetime1">
               <a:rPr lang="en-US" smtClean="0"/>
-              <a:t>7/10/23</a:t>
+              <a:t>7/11/2023</a:t>
             </a:fld>
             <a:endParaRPr lang="en-US"/>
           </a:p>
@@ -13562,7 +13865,7 @@
           <a:p>
             <a:fld id="{CC4A6868-2568-4CC9-B302-F37117B01A6E}" type="datetime1">
               <a:rPr lang="en-US" smtClean="0"/>
-              <a:t>7/10/23</a:t>
+              <a:t>7/11/2023</a:t>
             </a:fld>
             <a:endParaRPr lang="en-US"/>
           </a:p>
@@ -13765,7 +14068,7 @@
           <a:p>
             <a:fld id="{0055F08A-1E71-4B2B-BB49-E743F2903911}" type="datetime1">
               <a:rPr lang="en-US" smtClean="0"/>
-              <a:t>7/10/23</a:t>
+              <a:t>7/11/2023</a:t>
             </a:fld>
             <a:endParaRPr lang="en-US"/>
           </a:p>
@@ -14038,7 +14341,7 @@
           <a:p>
             <a:fld id="{15417D9E-721A-44BB-8863-9873FE64DA75}" type="datetime1">
               <a:rPr lang="en-US" smtClean="0"/>
-              <a:t>7/10/23</a:t>
+              <a:t>7/11/2023</a:t>
             </a:fld>
             <a:endParaRPr lang="en-US"/>
           </a:p>
@@ -14308,7 +14611,7 @@
           <a:p>
             <a:fld id="{5F31DA2F-80B8-49CF-99FB-5ABCA53A607A}" type="datetime1">
               <a:rPr lang="en-US" smtClean="0"/>
-              <a:t>7/10/23</a:t>
+              <a:t>7/11/2023</a:t>
             </a:fld>
             <a:endParaRPr lang="en-US"/>
           </a:p>
@@ -14720,7 +15023,7 @@
           <a:p>
             <a:fld id="{28852172-E6C9-4B6C-929A-A9DE3837BBF1}" type="datetime1">
               <a:rPr lang="en-US" smtClean="0"/>
-              <a:t>7/10/23</a:t>
+              <a:t>7/11/2023</a:t>
             </a:fld>
             <a:endParaRPr lang="en-US"/>
           </a:p>
@@ -14871,7 +15174,7 @@
           <a:p>
             <a:fld id="{3AB41CFF-90C9-47B3-9DA1-F2BF8D839F7E}" type="datetime1">
               <a:rPr lang="en-US" smtClean="0"/>
-              <a:t>7/10/23</a:t>
+              <a:t>7/11/2023</a:t>
             </a:fld>
             <a:endParaRPr lang="en-US"/>
           </a:p>
@@ -14984,7 +15287,7 @@
           <a:p>
             <a:fld id="{F06048FA-06AB-4884-A69B-986B96E68A24}" type="datetime1">
               <a:rPr lang="en-US" smtClean="0"/>
-              <a:t>7/10/23</a:t>
+              <a:t>7/11/2023</a:t>
             </a:fld>
             <a:endParaRPr lang="en-US"/>
           </a:p>
@@ -15295,7 +15598,7 @@
           <a:p>
             <a:fld id="{50DB7ABA-0172-4F9C-889D-567164F66BCD}" type="datetime1">
               <a:rPr lang="en-US" smtClean="0"/>
-              <a:t>7/10/23</a:t>
+              <a:t>7/11/2023</a:t>
             </a:fld>
             <a:endParaRPr lang="en-US"/>
           </a:p>
@@ -15586,7 +15889,7 @@
           <a:p>
             <a:fld id="{78AC6A5B-8AE7-4A41-B5A7-9ADC6686DC18}" type="datetime1">
               <a:rPr lang="en-US" smtClean="0"/>
-              <a:t>7/10/23</a:t>
+              <a:t>7/11/2023</a:t>
             </a:fld>
             <a:endParaRPr lang="en-US"/>
           </a:p>
@@ -15891,7 +16194,7 @@
             <a:fld id="{57E0CF6C-748E-4B7A-BC8B-3011EF78ED13}" type="datetime1">
               <a:rPr lang="en-US" smtClean="0"/>
               <a:pPr/>
-              <a:t>7/10/23</a:t>
+              <a:t>7/11/2023</a:t>
             </a:fld>
             <a:endParaRPr lang="en-US"/>
           </a:p>
@@ -16622,7 +16925,7 @@
               </a:lnSpc>
             </a:pPr>
             <a:r>
-              <a:rPr kumimoji="1" lang="ja-JP" altLang="en-US" sz="2800" b="1">
+              <a:rPr kumimoji="1" lang="ja-JP" altLang="en-US" sz="2800" b="1" dirty="0">
                 <a:solidFill>
                   <a:srgbClr val="FFFFFF"/>
                 </a:solidFill>
@@ -16630,7 +16933,7 @@
               <a:t>三瓶</a:t>
             </a:r>
             <a:r>
-              <a:rPr kumimoji="1" lang="en-US" altLang="ja-JP" sz="2800" b="1">
+              <a:rPr kumimoji="1" lang="en-US" altLang="ja-JP" sz="2800" b="1" dirty="0">
                 <a:solidFill>
                   <a:srgbClr val="FFFFFF"/>
                 </a:solidFill>
@@ -16638,14 +16941,14 @@
               <a:t> </a:t>
             </a:r>
             <a:r>
-              <a:rPr kumimoji="1" lang="ja-JP" altLang="en-US" sz="2800" b="1">
+              <a:rPr kumimoji="1" lang="ja-JP" altLang="en-US" sz="2800" b="1" dirty="0">
                 <a:solidFill>
                   <a:srgbClr val="FFFFFF"/>
                 </a:solidFill>
               </a:rPr>
               <a:t>眞</a:t>
             </a:r>
-            <a:endParaRPr kumimoji="1" lang="en-US" altLang="ja-JP" sz="2800" b="1">
+            <a:endParaRPr kumimoji="1" lang="en-US" altLang="ja-JP" sz="2800" b="1" dirty="0">
               <a:solidFill>
                 <a:srgbClr val="FFFFFF"/>
               </a:solidFill>
@@ -16658,7 +16961,7 @@
               </a:lnSpc>
             </a:pPr>
             <a:r>
-              <a:rPr lang="ja-JP" altLang="en-US" sz="2800" b="1" i="0">
+              <a:rPr lang="ja-JP" altLang="en-US" sz="2800" b="1" i="0" dirty="0">
                 <a:solidFill>
                   <a:srgbClr val="FFFFFF"/>
                 </a:solidFill>
@@ -16674,7 +16977,7 @@
                 <a:spcPct val="80000"/>
               </a:lnSpc>
             </a:pPr>
-            <a:endParaRPr kumimoji="1" lang="ja-JP" altLang="en-US" sz="2200">
+            <a:endParaRPr kumimoji="1" lang="ja-JP" altLang="en-US" sz="2200" dirty="0">
               <a:solidFill>
                 <a:srgbClr val="FFFFFF"/>
               </a:solidFill>
@@ -16692,405 +16995,6 @@
   <p:clrMapOvr>
     <a:masterClrMapping/>
   </p:clrMapOvr>
-</p:sld>
-</file>
-
-<file path=ppt/slides/slide10.xml><?xml version="1.0" encoding="utf-8"?>
-<p:sld xmlns:a="http://schemas.openxmlformats.org/drawingml/2006/main" xmlns:r="http://schemas.openxmlformats.org/officeDocument/2006/relationships" xmlns:p="http://schemas.openxmlformats.org/presentationml/2006/main">
-  <p:cSld>
-    <p:spTree>
-      <p:nvGrpSpPr>
-        <p:cNvPr id="1" name=""/>
-        <p:cNvGrpSpPr/>
-        <p:nvPr/>
-      </p:nvGrpSpPr>
-      <p:grpSpPr>
-        <a:xfrm>
-          <a:off x="0" y="0"/>
-          <a:ext cx="0" cy="0"/>
-          <a:chOff x="0" y="0"/>
-          <a:chExt cx="0" cy="0"/>
-        </a:xfrm>
-      </p:grpSpPr>
-      <p:sp>
-        <p:nvSpPr>
-          <p:cNvPr id="2" name="タイトル 1">
-            <a:extLst>
-              <a:ext uri="{FF2B5EF4-FFF2-40B4-BE49-F238E27FC236}">
-                <a16:creationId xmlns:a16="http://schemas.microsoft.com/office/drawing/2014/main" id="{7E867325-0DCC-20E6-C182-371858E3F0A5}"/>
-              </a:ext>
-            </a:extLst>
-          </p:cNvPr>
-          <p:cNvSpPr>
-            <a:spLocks noGrp="1"/>
-          </p:cNvSpPr>
-          <p:nvPr>
-            <p:ph type="title"/>
-          </p:nvPr>
-        </p:nvSpPr>
-        <p:spPr>
-          <a:xfrm>
-            <a:off x="1590861" y="2766218"/>
-            <a:ext cx="9010277" cy="1325563"/>
-          </a:xfrm>
-        </p:spPr>
-        <p:txBody>
-          <a:bodyPr/>
-          <a:lstStyle/>
-          <a:p>
-            <a:r>
-              <a:rPr kumimoji="1" lang="ja-JP" altLang="en-US" sz="4800" b="1" dirty="0">
-                <a:solidFill>
-                  <a:schemeClr val="tx1">
-                    <a:lumMod val="50000"/>
-                    <a:lumOff val="50000"/>
-                  </a:schemeClr>
-                </a:solidFill>
-              </a:rPr>
-              <a:t>ご清聴ありがとうございました</a:t>
-            </a:r>
-          </a:p>
-        </p:txBody>
-      </p:sp>
-    </p:spTree>
-    <p:extLst>
-      <p:ext uri="{BB962C8B-B14F-4D97-AF65-F5344CB8AC3E}">
-        <p14:creationId xmlns:p14="http://schemas.microsoft.com/office/powerpoint/2010/main" val="1085724171"/>
-      </p:ext>
-    </p:extLst>
-  </p:cSld>
-  <p:clrMapOvr>
-    <a:masterClrMapping/>
-  </p:clrMapOvr>
-  <p:timing>
-    <p:tnLst>
-      <p:par>
-        <p:cTn id="1" dur="indefinite" restart="never" nodeType="tmRoot">
-          <p:childTnLst>
-            <p:seq concurrent="1" nextAc="seek">
-              <p:cTn id="2" dur="indefinite" nodeType="mainSeq">
-                <p:childTnLst>
-                  <p:par>
-                    <p:cTn id="3" fill="hold">
-                      <p:stCondLst>
-                        <p:cond delay="indefinite"/>
-                      </p:stCondLst>
-                      <p:childTnLst>
-                        <p:par>
-                          <p:cTn id="4" fill="hold">
-                            <p:stCondLst>
-                              <p:cond delay="0"/>
-                            </p:stCondLst>
-                            <p:childTnLst>
-                              <p:par>
-                                <p:cTn id="5" presetID="26" presetClass="entr" presetSubtype="0" fill="hold" grpId="0" nodeType="clickEffect">
-                                  <p:stCondLst>
-                                    <p:cond delay="0"/>
-                                  </p:stCondLst>
-                                  <p:childTnLst>
-                                    <p:set>
-                                      <p:cBhvr>
-                                        <p:cTn id="6" dur="1" fill="hold">
-                                          <p:stCondLst>
-                                            <p:cond delay="0"/>
-                                          </p:stCondLst>
-                                        </p:cTn>
-                                        <p:tgtEl>
-                                          <p:spTgt spid="2"/>
-                                        </p:tgtEl>
-                                        <p:attrNameLst>
-                                          <p:attrName>style.visibility</p:attrName>
-                                        </p:attrNameLst>
-                                      </p:cBhvr>
-                                      <p:to>
-                                        <p:strVal val="visible"/>
-                                      </p:to>
-                                    </p:set>
-                                    <p:animEffect transition="in" filter="wipe(down)">
-                                      <p:cBhvr>
-                                        <p:cTn id="7" dur="580">
-                                          <p:stCondLst>
-                                            <p:cond delay="0"/>
-                                          </p:stCondLst>
-                                        </p:cTn>
-                                        <p:tgtEl>
-                                          <p:spTgt spid="2"/>
-                                        </p:tgtEl>
-                                      </p:cBhvr>
-                                    </p:animEffect>
-                                    <p:anim calcmode="lin" valueType="num">
-                                      <p:cBhvr>
-                                        <p:cTn id="8" dur="1822" tmFilter="0,0; 0.14,0.36; 0.43,0.73; 0.71,0.91; 1.0,1.0">
-                                          <p:stCondLst>
-                                            <p:cond delay="0"/>
-                                          </p:stCondLst>
-                                        </p:cTn>
-                                        <p:tgtEl>
-                                          <p:spTgt spid="2"/>
-                                        </p:tgtEl>
-                                        <p:attrNameLst>
-                                          <p:attrName>ppt_x</p:attrName>
-                                        </p:attrNameLst>
-                                      </p:cBhvr>
-                                      <p:tavLst>
-                                        <p:tav tm="0">
-                                          <p:val>
-                                            <p:strVal val="#ppt_x-0.25"/>
-                                          </p:val>
-                                        </p:tav>
-                                        <p:tav tm="100000">
-                                          <p:val>
-                                            <p:strVal val="#ppt_x"/>
-                                          </p:val>
-                                        </p:tav>
-                                      </p:tavLst>
-                                    </p:anim>
-                                    <p:anim calcmode="lin" valueType="num">
-                                      <p:cBhvr>
-                                        <p:cTn id="9" dur="664" tmFilter="0.0,0.0; 0.25,0.07; 0.50,0.2; 0.75,0.467; 1.0,1.0">
-                                          <p:stCondLst>
-                                            <p:cond delay="0"/>
-                                          </p:stCondLst>
-                                        </p:cTn>
-                                        <p:tgtEl>
-                                          <p:spTgt spid="2"/>
-                                        </p:tgtEl>
-                                        <p:attrNameLst>
-                                          <p:attrName>ppt_y</p:attrName>
-                                        </p:attrNameLst>
-                                      </p:cBhvr>
-                                      <p:tavLst>
-                                        <p:tav tm="0" fmla="#ppt_y-sin(pi*$)/3">
-                                          <p:val>
-                                            <p:fltVal val="0.5"/>
-                                          </p:val>
-                                        </p:tav>
-                                        <p:tav tm="100000">
-                                          <p:val>
-                                            <p:fltVal val="1"/>
-                                          </p:val>
-                                        </p:tav>
-                                      </p:tavLst>
-                                    </p:anim>
-                                    <p:anim calcmode="lin" valueType="num">
-                                      <p:cBhvr>
-                                        <p:cTn id="10" dur="664" tmFilter="0, 0; 0.125,0.2665; 0.25,0.4; 0.375,0.465; 0.5,0.5;  0.625,0.535; 0.75,0.6; 0.875,0.7335; 1,1">
-                                          <p:stCondLst>
-                                            <p:cond delay="664"/>
-                                          </p:stCondLst>
-                                        </p:cTn>
-                                        <p:tgtEl>
-                                          <p:spTgt spid="2"/>
-                                        </p:tgtEl>
-                                        <p:attrNameLst>
-                                          <p:attrName>ppt_y</p:attrName>
-                                        </p:attrNameLst>
-                                      </p:cBhvr>
-                                      <p:tavLst>
-                                        <p:tav tm="0" fmla="#ppt_y-sin(pi*$)/9">
-                                          <p:val>
-                                            <p:fltVal val="0"/>
-                                          </p:val>
-                                        </p:tav>
-                                        <p:tav tm="100000">
-                                          <p:val>
-                                            <p:fltVal val="1"/>
-                                          </p:val>
-                                        </p:tav>
-                                      </p:tavLst>
-                                    </p:anim>
-                                    <p:anim calcmode="lin" valueType="num">
-                                      <p:cBhvr>
-                                        <p:cTn id="11" dur="332" tmFilter="0, 0; 0.125,0.2665; 0.25,0.4; 0.375,0.465; 0.5,0.5;  0.625,0.535; 0.75,0.6; 0.875,0.7335; 1,1">
-                                          <p:stCondLst>
-                                            <p:cond delay="1324"/>
-                                          </p:stCondLst>
-                                        </p:cTn>
-                                        <p:tgtEl>
-                                          <p:spTgt spid="2"/>
-                                        </p:tgtEl>
-                                        <p:attrNameLst>
-                                          <p:attrName>ppt_y</p:attrName>
-                                        </p:attrNameLst>
-                                      </p:cBhvr>
-                                      <p:tavLst>
-                                        <p:tav tm="0" fmla="#ppt_y-sin(pi*$)/27">
-                                          <p:val>
-                                            <p:fltVal val="0"/>
-                                          </p:val>
-                                        </p:tav>
-                                        <p:tav tm="100000">
-                                          <p:val>
-                                            <p:fltVal val="1"/>
-                                          </p:val>
-                                        </p:tav>
-                                      </p:tavLst>
-                                    </p:anim>
-                                    <p:anim calcmode="lin" valueType="num">
-                                      <p:cBhvr>
-                                        <p:cTn id="12" dur="164" tmFilter="0, 0; 0.125,0.2665; 0.25,0.4; 0.375,0.465; 0.5,0.5;  0.625,0.535; 0.75,0.6; 0.875,0.7335; 1,1">
-                                          <p:stCondLst>
-                                            <p:cond delay="1656"/>
-                                          </p:stCondLst>
-                                        </p:cTn>
-                                        <p:tgtEl>
-                                          <p:spTgt spid="2"/>
-                                        </p:tgtEl>
-                                        <p:attrNameLst>
-                                          <p:attrName>ppt_y</p:attrName>
-                                        </p:attrNameLst>
-                                      </p:cBhvr>
-                                      <p:tavLst>
-                                        <p:tav tm="0" fmla="#ppt_y-sin(pi*$)/81">
-                                          <p:val>
-                                            <p:fltVal val="0"/>
-                                          </p:val>
-                                        </p:tav>
-                                        <p:tav tm="100000">
-                                          <p:val>
-                                            <p:fltVal val="1"/>
-                                          </p:val>
-                                        </p:tav>
-                                      </p:tavLst>
-                                    </p:anim>
-                                    <p:animScale>
-                                      <p:cBhvr>
-                                        <p:cTn id="13" dur="26">
-                                          <p:stCondLst>
-                                            <p:cond delay="650"/>
-                                          </p:stCondLst>
-                                        </p:cTn>
-                                        <p:tgtEl>
-                                          <p:spTgt spid="2"/>
-                                        </p:tgtEl>
-                                      </p:cBhvr>
-                                      <p:to x="100000" y="60000"/>
-                                    </p:animScale>
-                                    <p:animScale>
-                                      <p:cBhvr>
-                                        <p:cTn id="14" dur="166" decel="50000">
-                                          <p:stCondLst>
-                                            <p:cond delay="676"/>
-                                          </p:stCondLst>
-                                        </p:cTn>
-                                        <p:tgtEl>
-                                          <p:spTgt spid="2"/>
-                                        </p:tgtEl>
-                                      </p:cBhvr>
-                                      <p:to x="100000" y="100000"/>
-                                    </p:animScale>
-                                    <p:animScale>
-                                      <p:cBhvr>
-                                        <p:cTn id="15" dur="26">
-                                          <p:stCondLst>
-                                            <p:cond delay="1312"/>
-                                          </p:stCondLst>
-                                        </p:cTn>
-                                        <p:tgtEl>
-                                          <p:spTgt spid="2"/>
-                                        </p:tgtEl>
-                                      </p:cBhvr>
-                                      <p:to x="100000" y="80000"/>
-                                    </p:animScale>
-                                    <p:animScale>
-                                      <p:cBhvr>
-                                        <p:cTn id="16" dur="166" decel="50000">
-                                          <p:stCondLst>
-                                            <p:cond delay="1338"/>
-                                          </p:stCondLst>
-                                        </p:cTn>
-                                        <p:tgtEl>
-                                          <p:spTgt spid="2"/>
-                                        </p:tgtEl>
-                                      </p:cBhvr>
-                                      <p:to x="100000" y="100000"/>
-                                    </p:animScale>
-                                    <p:animScale>
-                                      <p:cBhvr>
-                                        <p:cTn id="17" dur="26">
-                                          <p:stCondLst>
-                                            <p:cond delay="1642"/>
-                                          </p:stCondLst>
-                                        </p:cTn>
-                                        <p:tgtEl>
-                                          <p:spTgt spid="2"/>
-                                        </p:tgtEl>
-                                      </p:cBhvr>
-                                      <p:to x="100000" y="90000"/>
-                                    </p:animScale>
-                                    <p:animScale>
-                                      <p:cBhvr>
-                                        <p:cTn id="18" dur="166" decel="50000">
-                                          <p:stCondLst>
-                                            <p:cond delay="1668"/>
-                                          </p:stCondLst>
-                                        </p:cTn>
-                                        <p:tgtEl>
-                                          <p:spTgt spid="2"/>
-                                        </p:tgtEl>
-                                      </p:cBhvr>
-                                      <p:to x="100000" y="100000"/>
-                                    </p:animScale>
-                                    <p:animScale>
-                                      <p:cBhvr>
-                                        <p:cTn id="19" dur="26">
-                                          <p:stCondLst>
-                                            <p:cond delay="1808"/>
-                                          </p:stCondLst>
-                                        </p:cTn>
-                                        <p:tgtEl>
-                                          <p:spTgt spid="2"/>
-                                        </p:tgtEl>
-                                      </p:cBhvr>
-                                      <p:to x="100000" y="95000"/>
-                                    </p:animScale>
-                                    <p:animScale>
-                                      <p:cBhvr>
-                                        <p:cTn id="20" dur="166" decel="50000">
-                                          <p:stCondLst>
-                                            <p:cond delay="1834"/>
-                                          </p:stCondLst>
-                                        </p:cTn>
-                                        <p:tgtEl>
-                                          <p:spTgt spid="2"/>
-                                        </p:tgtEl>
-                                      </p:cBhvr>
-                                      <p:to x="100000" y="100000"/>
-                                    </p:animScale>
-                                  </p:childTnLst>
-                                </p:cTn>
-                              </p:par>
-                            </p:childTnLst>
-                          </p:cTn>
-                        </p:par>
-                      </p:childTnLst>
-                    </p:cTn>
-                  </p:par>
-                </p:childTnLst>
-              </p:cTn>
-              <p:prevCondLst>
-                <p:cond evt="onPrev" delay="0">
-                  <p:tgtEl>
-                    <p:sldTgt/>
-                  </p:tgtEl>
-                </p:cond>
-              </p:prevCondLst>
-              <p:nextCondLst>
-                <p:cond evt="onNext" delay="0">
-                  <p:tgtEl>
-                    <p:sldTgt/>
-                  </p:tgtEl>
-                </p:cond>
-              </p:nextCondLst>
-            </p:seq>
-          </p:childTnLst>
-        </p:cTn>
-      </p:par>
-    </p:tnLst>
-    <p:bldLst>
-      <p:bldP spid="2" grpId="0"/>
-    </p:bldLst>
-  </p:timing>
 </p:sld>
 </file>
 
@@ -17140,7 +17044,7 @@
           <a:lstStyle/>
           <a:p>
             <a:r>
-              <a:rPr kumimoji="1" lang="ja-JP" altLang="en-US" sz="4800" b="1">
+              <a:rPr kumimoji="1" lang="ja-JP" altLang="en-US" sz="4800" b="1" dirty="0">
                 <a:solidFill>
                   <a:schemeClr val="tx1">
                     <a:lumMod val="50000"/>
@@ -17150,14 +17054,6 @@
               </a:rPr>
               <a:t>成果物</a:t>
             </a:r>
-            <a:endParaRPr kumimoji="1" lang="ja-JP" altLang="en-US" sz="4800" b="1" dirty="0">
-              <a:solidFill>
-                <a:schemeClr val="tx1">
-                  <a:lumMod val="50000"/>
-                  <a:lumOff val="50000"/>
-                </a:schemeClr>
-              </a:solidFill>
-            </a:endParaRPr>
           </a:p>
         </p:txBody>
       </p:sp>
@@ -17177,14 +17073,14 @@
             <p:ph idx="1"/>
             <p:extLst>
               <p:ext uri="{D42A27DB-BD31-4B8C-83A1-F6EECF244321}">
-                <p14:modId xmlns:p14="http://schemas.microsoft.com/office/powerpoint/2010/main" val="138958088"/>
+                <p14:modId xmlns:p14="http://schemas.microsoft.com/office/powerpoint/2010/main" val="1609492623"/>
               </p:ext>
             </p:extLst>
           </p:nvPr>
         </p:nvGraphicFramePr>
         <p:xfrm>
-          <a:off x="2314754" y="2208494"/>
-          <a:ext cx="8290297" cy="3496126"/>
+          <a:off x="2378764" y="1850297"/>
+          <a:ext cx="7434472" cy="5540976"/>
         </p:xfrm>
         <a:graphic>
           <a:graphicData uri="http://schemas.openxmlformats.org/drawingml/2006/diagram">
@@ -17620,17 +17516,17 @@
         <p:spPr>
           <a:xfrm>
             <a:off x="2008673" y="381000"/>
-            <a:ext cx="3294570" cy="1600124"/>
+            <a:ext cx="3378336" cy="1600124"/>
           </a:xfrm>
         </p:spPr>
         <p:txBody>
           <a:bodyPr>
-            <a:normAutofit fontScale="90000"/>
+            <a:noAutofit/>
           </a:bodyPr>
           <a:lstStyle/>
           <a:p>
             <a:r>
-              <a:rPr kumimoji="1" lang="ja-JP" altLang="en-US" sz="4800" b="1">
+              <a:rPr kumimoji="1" lang="ja-JP" altLang="en-US" sz="4800" b="1" dirty="0">
                 <a:solidFill>
                   <a:schemeClr val="tx1">
                     <a:lumMod val="50000"/>
@@ -17640,14 +17536,6 @@
               </a:rPr>
               <a:t>本来の目標</a:t>
             </a:r>
-            <a:endParaRPr kumimoji="1" lang="ja-JP" altLang="en-US" sz="4800" b="1" dirty="0">
-              <a:solidFill>
-                <a:schemeClr val="tx1">
-                  <a:lumMod val="50000"/>
-                  <a:lumOff val="50000"/>
-                </a:schemeClr>
-              </a:solidFill>
-            </a:endParaRPr>
           </a:p>
         </p:txBody>
       </p:sp>
@@ -17669,7 +17557,7 @@
         </p:nvSpPr>
         <p:spPr>
           <a:xfrm>
-            <a:off x="2557553" y="1673980"/>
+            <a:off x="2592472" y="2078655"/>
             <a:ext cx="8955470" cy="4349133"/>
           </a:xfrm>
           <a:effectLst>
@@ -17760,17 +17648,6 @@
               <a:buNone/>
             </a:pPr>
             <a:r>
-              <a:rPr lang="ja-JP" altLang="en-US" sz="2800">
-                <a:solidFill>
-                  <a:schemeClr val="tx1">
-                    <a:lumMod val="50000"/>
-                    <a:lumOff val="50000"/>
-                  </a:schemeClr>
-                </a:solidFill>
-              </a:rPr>
-              <a:t>　・食品の</a:t>
-            </a:r>
-            <a:r>
               <a:rPr lang="ja-JP" altLang="en-US" sz="2800" dirty="0">
                 <a:solidFill>
                   <a:schemeClr val="tx1">
@@ -17779,18 +17656,7 @@
                   </a:schemeClr>
                 </a:solidFill>
               </a:rPr>
-              <a:t>登録削除</a:t>
-            </a:r>
-            <a:r>
-              <a:rPr lang="ja-JP" altLang="en-US" sz="2800">
-                <a:solidFill>
-                  <a:schemeClr val="tx1">
-                    <a:lumMod val="50000"/>
-                    <a:lumOff val="50000"/>
-                  </a:schemeClr>
-                </a:solidFill>
-              </a:rPr>
-              <a:t>編集機能</a:t>
+              <a:t>　・食品の登録削除編集機能</a:t>
             </a:r>
             <a:endParaRPr lang="en-US" altLang="ja-JP" sz="2800" dirty="0">
               <a:solidFill>
@@ -17814,18 +17680,7 @@
                   </a:schemeClr>
                 </a:solidFill>
               </a:rPr>
-              <a:t>　・登録した</a:t>
-            </a:r>
-            <a:r>
-              <a:rPr lang="ja-JP" altLang="en-US" sz="2800">
-                <a:solidFill>
-                  <a:schemeClr val="tx1">
-                    <a:lumMod val="50000"/>
-                    <a:lumOff val="50000"/>
-                  </a:schemeClr>
-                </a:solidFill>
-              </a:rPr>
-              <a:t>食材の期限表示、入力</a:t>
+              <a:t>　・登録した食材の期限表示、入力</a:t>
             </a:r>
             <a:endParaRPr lang="en-US" altLang="ja-JP" sz="2800" dirty="0">
               <a:solidFill>
@@ -17849,18 +17704,7 @@
                   </a:schemeClr>
                 </a:solidFill>
               </a:rPr>
-              <a:t>　・データベースと</a:t>
-            </a:r>
-            <a:r>
-              <a:rPr lang="ja-JP" altLang="en-US" sz="2800">
-                <a:solidFill>
-                  <a:schemeClr val="tx1">
-                    <a:lumMod val="50000"/>
-                    <a:lumOff val="50000"/>
-                  </a:schemeClr>
-                </a:solidFill>
-              </a:rPr>
-              <a:t>の連携</a:t>
+              <a:t>　・データベースとの連携</a:t>
             </a:r>
             <a:endParaRPr lang="en-US" altLang="ja-JP" sz="2800" dirty="0">
               <a:solidFill>
@@ -17876,7 +17720,7 @@
               <a:buNone/>
             </a:pPr>
             <a:r>
-              <a:rPr lang="ja-JP" altLang="en-US" sz="2800">
+              <a:rPr lang="ja-JP" altLang="en-US" sz="2800" dirty="0">
                 <a:solidFill>
                   <a:schemeClr val="tx1">
                     <a:lumMod val="50000"/>
@@ -17886,14 +17730,6 @@
               </a:rPr>
               <a:t>　・食品の賞味、消費期限が近づいたら通知</a:t>
             </a:r>
-            <a:endParaRPr lang="ja-JP" altLang="en-US" sz="2800" dirty="0">
-              <a:solidFill>
-                <a:schemeClr val="tx1">
-                  <a:lumMod val="50000"/>
-                  <a:lumOff val="50000"/>
-                </a:schemeClr>
-              </a:solidFill>
-            </a:endParaRPr>
           </a:p>
         </p:txBody>
       </p:sp>
@@ -17945,18 +17781,18 @@
         </p:nvSpPr>
         <p:spPr>
           <a:xfrm>
-            <a:off x="1641528" y="415637"/>
-            <a:ext cx="3294570" cy="1600124"/>
+            <a:off x="1641527" y="415637"/>
+            <a:ext cx="6169856" cy="1600124"/>
           </a:xfrm>
         </p:spPr>
         <p:txBody>
           <a:bodyPr>
-            <a:normAutofit fontScale="90000"/>
+            <a:noAutofit/>
           </a:bodyPr>
           <a:lstStyle/>
           <a:p>
             <a:r>
-              <a:rPr kumimoji="1" lang="ja-JP" altLang="en-US" sz="4800" b="1">
+              <a:rPr kumimoji="1" lang="ja-JP" altLang="en-US" sz="4800" b="1" dirty="0">
                 <a:solidFill>
                   <a:schemeClr val="tx1">
                     <a:lumMod val="50000"/>
@@ -17966,14 +17802,6 @@
               </a:rPr>
               <a:t>作成の経緯</a:t>
             </a:r>
-            <a:endParaRPr kumimoji="1" lang="ja-JP" altLang="en-US" sz="4800" b="1" dirty="0">
-              <a:solidFill>
-                <a:schemeClr val="tx1">
-                  <a:lumMod val="50000"/>
-                  <a:lumOff val="50000"/>
-                </a:schemeClr>
-              </a:solidFill>
-            </a:endParaRPr>
           </a:p>
         </p:txBody>
       </p:sp>
@@ -17995,8 +17823,8 @@
         </p:nvSpPr>
         <p:spPr>
           <a:xfrm>
-            <a:off x="1133061" y="1798983"/>
-            <a:ext cx="8836834" cy="4402433"/>
+            <a:off x="1677583" y="2309192"/>
+            <a:ext cx="8836834" cy="3985592"/>
           </a:xfrm>
         </p:spPr>
         <p:txBody>
@@ -18013,7 +17841,7 @@
               <a:buNone/>
             </a:pPr>
             <a:r>
-              <a:rPr lang="ja-JP" altLang="en-US" sz="2000">
+              <a:rPr lang="ja-JP" altLang="en-US" sz="3600" dirty="0">
                 <a:solidFill>
                   <a:schemeClr val="tx1">
                     <a:lumMod val="50000"/>
@@ -18021,9 +17849,118 @@
                   </a:schemeClr>
                 </a:solidFill>
               </a:rPr>
-              <a:t>今回の成果物について</a:t>
+              <a:t>日本では</a:t>
             </a:r>
-            <a:endParaRPr lang="en-US" altLang="ja-JP" sz="2000" dirty="0">
+            <a:r>
+              <a:rPr lang="ja-JP" altLang="en-US" sz="3600" b="1" dirty="0">
+                <a:solidFill>
+                  <a:srgbClr val="D8DEE1"/>
+                </a:solidFill>
+              </a:rPr>
+              <a:t>１</a:t>
+            </a:r>
+            <a:r>
+              <a:rPr lang="ja-JP" altLang="en-US" sz="3600" b="1" dirty="0">
+                <a:solidFill>
+                  <a:schemeClr val="tx1">
+                    <a:lumMod val="50000"/>
+                    <a:lumOff val="50000"/>
+                  </a:schemeClr>
+                </a:solidFill>
+              </a:rPr>
+              <a:t>年間</a:t>
+            </a:r>
+            <a:r>
+              <a:rPr lang="ja-JP" altLang="en-US" sz="3600" dirty="0">
+                <a:solidFill>
+                  <a:schemeClr val="tx1">
+                    <a:lumMod val="50000"/>
+                    <a:lumOff val="50000"/>
+                  </a:schemeClr>
+                </a:solidFill>
+              </a:rPr>
+              <a:t>で、</a:t>
+            </a:r>
+            <a:r>
+              <a:rPr lang="ja-JP" altLang="en-US" sz="3600" b="1" dirty="0">
+                <a:solidFill>
+                  <a:schemeClr val="tx1">
+                    <a:lumMod val="50000"/>
+                    <a:lumOff val="50000"/>
+                  </a:schemeClr>
+                </a:solidFill>
+              </a:rPr>
+              <a:t> 　　　　　　　　　　　　　　　　　　　　　　　　　　　　　　　　　　　　　　　　　　　　　　　　　　　　　　　　　　　　　　　　　　　　　　　　　　　　　　　　　　　　　約</a:t>
+            </a:r>
+            <a:r>
+              <a:rPr lang="en-US" altLang="ja-JP" sz="3600" b="1" dirty="0">
+                <a:solidFill>
+                  <a:srgbClr val="D8DEE1"/>
+                </a:solidFill>
+              </a:rPr>
+              <a:t>612</a:t>
+            </a:r>
+            <a:r>
+              <a:rPr lang="ja-JP" altLang="en-US" sz="3600" b="1" dirty="0">
+                <a:solidFill>
+                  <a:srgbClr val="D8DEE1"/>
+                </a:solidFill>
+              </a:rPr>
+              <a:t>万</a:t>
+            </a:r>
+            <a:r>
+              <a:rPr lang="ja-JP" altLang="en-US" sz="3600" b="1" dirty="0">
+                <a:solidFill>
+                  <a:schemeClr val="tx1">
+                    <a:lumMod val="50000"/>
+                    <a:lumOff val="50000"/>
+                  </a:schemeClr>
+                </a:solidFill>
+              </a:rPr>
+              <a:t>トン</a:t>
+            </a:r>
+            <a:r>
+              <a:rPr lang="ja-JP" altLang="en-US" sz="3600" dirty="0">
+                <a:solidFill>
+                  <a:schemeClr val="tx1">
+                    <a:lumMod val="50000"/>
+                    <a:lumOff val="50000"/>
+                  </a:schemeClr>
+                </a:solidFill>
+              </a:rPr>
+              <a:t>＝</a:t>
+            </a:r>
+            <a:r>
+              <a:rPr lang="ja-JP" altLang="en-US" sz="3600" b="1" dirty="0">
+                <a:solidFill>
+                  <a:schemeClr val="tx1">
+                    <a:lumMod val="50000"/>
+                    <a:lumOff val="50000"/>
+                  </a:schemeClr>
+                </a:solidFill>
+              </a:rPr>
+              <a:t>東京ドーム約</a:t>
+            </a:r>
+            <a:r>
+              <a:rPr lang="ja-JP" altLang="en-US" sz="3600" b="1" dirty="0">
+                <a:solidFill>
+                  <a:srgbClr val="D8DEE1"/>
+                </a:solidFill>
+              </a:rPr>
+              <a:t>５</a:t>
+            </a:r>
+            <a:r>
+              <a:rPr lang="ja-JP" altLang="en-US" sz="3600" b="1" dirty="0">
+                <a:solidFill>
+                  <a:schemeClr val="tx1">
+                    <a:lumMod val="50000"/>
+                    <a:lumOff val="50000"/>
+                  </a:schemeClr>
+                </a:solidFill>
+              </a:rPr>
+              <a:t>個分</a:t>
+            </a:r>
+            <a:endParaRPr lang="en-US" altLang="ja-JP" sz="3600" b="1" dirty="0">
               <a:solidFill>
                 <a:schemeClr val="tx1">
                   <a:lumMod val="50000"/>
@@ -18043,7 +17980,7 @@
               <a:buNone/>
             </a:pPr>
             <a:r>
-              <a:rPr lang="ja-JP" altLang="en-US" sz="2000">
+              <a:rPr lang="ja-JP" altLang="en-US" sz="3600" dirty="0">
                 <a:solidFill>
                   <a:schemeClr val="tx1">
                     <a:lumMod val="50000"/>
@@ -18051,28 +17988,9 @@
                   </a:schemeClr>
                 </a:solidFill>
               </a:rPr>
-              <a:t>本来の目標である食品ロス削減アプリの作成にあたって、データベースの操作が必須だと思ったため。</a:t>
+              <a:t>食品ロスがあることに驚かされ、今回は</a:t>
             </a:r>
-            <a:endParaRPr lang="en-US" altLang="ja-JP" sz="2000" dirty="0">
-              <a:solidFill>
-                <a:schemeClr val="tx1">
-                  <a:lumMod val="50000"/>
-                  <a:lumOff val="50000"/>
-                </a:schemeClr>
-              </a:solidFill>
-            </a:endParaRPr>
-          </a:p>
-          <a:p>
-            <a:pPr marL="0" indent="0">
-              <a:buClr>
-                <a:schemeClr val="tx1">
-                  <a:lumMod val="50000"/>
-                  <a:lumOff val="50000"/>
-                </a:schemeClr>
-              </a:buClr>
-              <a:buNone/>
-            </a:pPr>
-            <a:endParaRPr lang="en-US" altLang="ja-JP" sz="2000" dirty="0">
+            <a:endParaRPr lang="en-US" altLang="ja-JP" sz="3600" dirty="0">
               <a:solidFill>
                 <a:schemeClr val="tx1">
                   <a:lumMod val="50000"/>
@@ -18092,7 +18010,7 @@
               <a:buNone/>
             </a:pPr>
             <a:r>
-              <a:rPr lang="ja-JP" altLang="en-US" sz="2000">
+              <a:rPr lang="ja-JP" altLang="en-US" sz="3600" dirty="0">
                 <a:solidFill>
                   <a:schemeClr val="tx1">
                     <a:lumMod val="50000"/>
@@ -18100,107 +18018,9 @@
                   </a:schemeClr>
                 </a:solidFill>
               </a:rPr>
-              <a:t>食品ロス削減アプリについて</a:t>
+              <a:t>食品ロス削減アプリの作成に至りました</a:t>
             </a:r>
-            <a:endParaRPr lang="en-US" altLang="ja-JP" sz="2000" dirty="0">
-              <a:solidFill>
-                <a:schemeClr val="tx1">
-                  <a:lumMod val="50000"/>
-                  <a:lumOff val="50000"/>
-                </a:schemeClr>
-              </a:solidFill>
-            </a:endParaRPr>
-          </a:p>
-          <a:p>
-            <a:pPr marL="0" indent="0">
-              <a:buClr>
-                <a:schemeClr val="tx1">
-                  <a:lumMod val="50000"/>
-                  <a:lumOff val="50000"/>
-                </a:schemeClr>
-              </a:buClr>
-              <a:buNone/>
-            </a:pPr>
-            <a:r>
-              <a:rPr lang="ja-JP" altLang="en-US" sz="2000">
-                <a:solidFill>
-                  <a:schemeClr val="tx1">
-                    <a:lumMod val="50000"/>
-                    <a:lumOff val="50000"/>
-                  </a:schemeClr>
-                </a:solidFill>
-              </a:rPr>
-              <a:t>日本では、年間でやく</a:t>
-            </a:r>
-            <a:r>
-              <a:rPr lang="ja-JP" altLang="en-US" sz="2000">
-                <a:solidFill>
-                  <a:schemeClr val="accent1"/>
-                </a:solidFill>
-              </a:rPr>
-              <a:t>６１２</a:t>
-            </a:r>
-            <a:r>
-              <a:rPr lang="ja-JP" altLang="en-US" sz="2000">
-                <a:solidFill>
-                  <a:schemeClr val="tx1">
-                    <a:lumMod val="50000"/>
-                    <a:lumOff val="50000"/>
-                  </a:schemeClr>
-                </a:solidFill>
-              </a:rPr>
-              <a:t>万トンもの食品ロスがあることに驚かされ、今回はこのアプリの制作に至りました。</a:t>
-            </a:r>
-            <a:endParaRPr lang="en-US" altLang="ja-JP" sz="2000" dirty="0">
-              <a:solidFill>
-                <a:schemeClr val="tx1">
-                  <a:lumMod val="50000"/>
-                  <a:lumOff val="50000"/>
-                </a:schemeClr>
-              </a:solidFill>
-            </a:endParaRPr>
-          </a:p>
-          <a:p>
-            <a:pPr marL="0" indent="0">
-              <a:buClr>
-                <a:schemeClr val="tx1">
-                  <a:lumMod val="50000"/>
-                  <a:lumOff val="50000"/>
-                </a:schemeClr>
-              </a:buClr>
-              <a:buNone/>
-            </a:pPr>
-            <a:r>
-              <a:rPr lang="ja-JP" altLang="en-US" sz="2000">
-                <a:solidFill>
-                  <a:schemeClr val="tx1">
-                    <a:lumMod val="50000"/>
-                    <a:lumOff val="50000"/>
-                  </a:schemeClr>
-                </a:solidFill>
-              </a:rPr>
-              <a:t>今後一人暮らしをするにあたって、食材を冷蔵庫などで保管することになりますが、そこで自分が保管している食材の期限を忘れてしまい、捨てるしかなくなってしまうことを防ぐことが目的のアプリです。</a:t>
-            </a:r>
-            <a:endParaRPr lang="en-US" altLang="ja-JP" sz="2000" dirty="0">
-              <a:solidFill>
-                <a:schemeClr val="tx1">
-                  <a:lumMod val="50000"/>
-                  <a:lumOff val="50000"/>
-                </a:schemeClr>
-              </a:solidFill>
-            </a:endParaRPr>
-          </a:p>
-          <a:p>
-            <a:pPr marL="0" indent="0">
-              <a:buClr>
-                <a:schemeClr val="tx1">
-                  <a:lumMod val="50000"/>
-                  <a:lumOff val="50000"/>
-                </a:schemeClr>
-              </a:buClr>
-              <a:buNone/>
-            </a:pPr>
-            <a:endParaRPr lang="en-US" altLang="ja-JP" sz="3200" dirty="0">
+            <a:endParaRPr lang="en-US" altLang="ja-JP" sz="3600" dirty="0">
               <a:solidFill>
                 <a:schemeClr val="tx1">
                   <a:lumMod val="50000"/>
@@ -18225,460 +18045,8 @@
         </p:nvSpPr>
         <p:spPr>
           <a:xfrm>
-            <a:off x="3865418" y="2431473"/>
-            <a:ext cx="630382" cy="1077218"/>
-          </a:xfrm>
-          <a:prstGeom prst="rect">
-            <a:avLst/>
-          </a:prstGeom>
-          <a:noFill/>
-        </p:spPr>
-        <p:txBody>
-          <a:bodyPr wrap="square" rtlCol="0">
-            <a:spAutoFit/>
-          </a:bodyPr>
-          <a:lstStyle/>
-          <a:p>
-            <a:endParaRPr lang="en-US" altLang="ja-JP" sz="3200" b="1" dirty="0">
-              <a:solidFill>
-                <a:schemeClr val="accent1"/>
-              </a:solidFill>
-            </a:endParaRPr>
-          </a:p>
-          <a:p>
-            <a:endParaRPr kumimoji="1" lang="ja-JP" altLang="en-US" sz="3200" dirty="0"/>
-          </a:p>
-        </p:txBody>
-      </p:sp>
-    </p:spTree>
-    <p:extLst>
-      <p:ext uri="{BB962C8B-B14F-4D97-AF65-F5344CB8AC3E}">
-        <p14:creationId xmlns:p14="http://schemas.microsoft.com/office/powerpoint/2010/main" val="2895319755"/>
-      </p:ext>
-    </p:extLst>
-  </p:cSld>
-  <p:clrMapOvr>
-    <a:masterClrMapping/>
-  </p:clrMapOvr>
-  <p:timing>
-    <p:tnLst>
-      <p:par>
-        <p:cTn id="1" dur="indefinite" restart="never" nodeType="tmRoot">
-          <p:childTnLst>
-            <p:seq concurrent="1" nextAc="seek">
-              <p:cTn id="2" dur="indefinite" nodeType="mainSeq">
-                <p:childTnLst>
-                  <p:par>
-                    <p:cTn id="3" fill="hold">
-                      <p:stCondLst>
-                        <p:cond delay="indefinite"/>
-                      </p:stCondLst>
-                      <p:childTnLst>
-                        <p:par>
-                          <p:cTn id="4" fill="hold">
-                            <p:stCondLst>
-                              <p:cond delay="0"/>
-                            </p:stCondLst>
-                            <p:childTnLst>
-                              <p:par>
-                                <p:cTn id="5" presetID="10" presetClass="entr" presetSubtype="0" fill="hold" nodeType="clickEffect" nodePh="1">
-                                  <p:stCondLst>
-                                    <p:cond delay="0"/>
-                                  </p:stCondLst>
-                                  <p:endCondLst>
-                                    <p:cond evt="begin" delay="0">
-                                      <p:tn val="5"/>
-                                    </p:cond>
-                                  </p:endCondLst>
-                                  <p:childTnLst>
-                                    <p:set>
-                                      <p:cBhvr>
-                                        <p:cTn id="6" dur="1" fill="hold">
-                                          <p:stCondLst>
-                                            <p:cond delay="0"/>
-                                          </p:stCondLst>
-                                        </p:cTn>
-                                        <p:tgtEl>
-                                          <p:spTgt spid="4">
-                                            <p:txEl>
-                                              <p:pRg st="0" end="0"/>
-                                            </p:txEl>
-                                          </p:spTgt>
-                                        </p:tgtEl>
-                                        <p:attrNameLst>
-                                          <p:attrName>style.visibility</p:attrName>
-                                        </p:attrNameLst>
-                                      </p:cBhvr>
-                                      <p:to>
-                                        <p:strVal val="visible"/>
-                                      </p:to>
-                                    </p:set>
-                                    <p:animEffect transition="in" filter="fade">
-                                      <p:cBhvr>
-                                        <p:cTn id="7" dur="500"/>
-                                        <p:tgtEl>
-                                          <p:spTgt spid="4">
-                                            <p:txEl>
-                                              <p:pRg st="0" end="0"/>
-                                            </p:txEl>
-                                          </p:spTgt>
-                                        </p:tgtEl>
-                                      </p:cBhvr>
-                                    </p:animEffect>
-                                  </p:childTnLst>
-                                </p:cTn>
-                              </p:par>
-                            </p:childTnLst>
-                          </p:cTn>
-                        </p:par>
-                      </p:childTnLst>
-                    </p:cTn>
-                  </p:par>
-                </p:childTnLst>
-              </p:cTn>
-              <p:prevCondLst>
-                <p:cond evt="onPrev" delay="0">
-                  <p:tgtEl>
-                    <p:sldTgt/>
-                  </p:tgtEl>
-                </p:cond>
-              </p:prevCondLst>
-              <p:nextCondLst>
-                <p:cond evt="onNext" delay="0">
-                  <p:tgtEl>
-                    <p:sldTgt/>
-                  </p:tgtEl>
-                </p:cond>
-              </p:nextCondLst>
-            </p:seq>
-          </p:childTnLst>
-        </p:cTn>
-      </p:par>
-    </p:tnLst>
-  </p:timing>
-</p:sld>
-</file>
-
-<file path=ppt/slides/slide5.xml><?xml version="1.0" encoding="utf-8"?>
-<p:sld xmlns:a="http://schemas.openxmlformats.org/drawingml/2006/main" xmlns:r="http://schemas.openxmlformats.org/officeDocument/2006/relationships" xmlns:p="http://schemas.openxmlformats.org/presentationml/2006/main">
-  <p:cSld>
-    <p:spTree>
-      <p:nvGrpSpPr>
-        <p:cNvPr id="1" name=""/>
-        <p:cNvGrpSpPr/>
-        <p:nvPr/>
-      </p:nvGrpSpPr>
-      <p:grpSpPr>
-        <a:xfrm>
-          <a:off x="0" y="0"/>
-          <a:ext cx="0" cy="0"/>
-          <a:chOff x="0" y="0"/>
-          <a:chExt cx="0" cy="0"/>
-        </a:xfrm>
-      </p:grpSpPr>
-      <p:sp>
-        <p:nvSpPr>
-          <p:cNvPr id="2" name="タイトル 1">
-            <a:extLst>
-              <a:ext uri="{FF2B5EF4-FFF2-40B4-BE49-F238E27FC236}">
-                <a16:creationId xmlns:a16="http://schemas.microsoft.com/office/drawing/2014/main" id="{93268CCE-21BC-314C-09DA-9FB67495AA89}"/>
-              </a:ext>
-            </a:extLst>
-          </p:cNvPr>
-          <p:cNvSpPr>
-            <a:spLocks noGrp="1"/>
-          </p:cNvSpPr>
-          <p:nvPr>
-            <p:ph type="title"/>
-          </p:nvPr>
-        </p:nvSpPr>
-        <p:spPr>
-          <a:xfrm>
-            <a:off x="1641528" y="415637"/>
-            <a:ext cx="3294570" cy="1600124"/>
-          </a:xfrm>
-        </p:spPr>
-        <p:txBody>
-          <a:bodyPr>
-            <a:normAutofit fontScale="90000"/>
-          </a:bodyPr>
-          <a:lstStyle/>
-          <a:p>
-            <a:r>
-              <a:rPr kumimoji="1" lang="ja-JP" altLang="en-US" sz="4800" b="1">
-                <a:solidFill>
-                  <a:schemeClr val="tx1">
-                    <a:lumMod val="50000"/>
-                    <a:lumOff val="50000"/>
-                  </a:schemeClr>
-                </a:solidFill>
-              </a:rPr>
-              <a:t>作成の経緯</a:t>
-            </a:r>
-            <a:endParaRPr kumimoji="1" lang="ja-JP" altLang="en-US" sz="4800" b="1" dirty="0">
-              <a:solidFill>
-                <a:schemeClr val="tx1">
-                  <a:lumMod val="50000"/>
-                  <a:lumOff val="50000"/>
-                </a:schemeClr>
-              </a:solidFill>
-            </a:endParaRPr>
-          </a:p>
-        </p:txBody>
-      </p:sp>
-      <p:sp>
-        <p:nvSpPr>
-          <p:cNvPr id="7" name="コンテンツ プレースホルダー 6">
-            <a:extLst>
-              <a:ext uri="{FF2B5EF4-FFF2-40B4-BE49-F238E27FC236}">
-                <a16:creationId xmlns:a16="http://schemas.microsoft.com/office/drawing/2014/main" id="{3A7CD980-B979-D626-EF2E-49BEDC8AA0A8}"/>
-              </a:ext>
-            </a:extLst>
-          </p:cNvPr>
-          <p:cNvSpPr>
-            <a:spLocks noGrp="1"/>
-          </p:cNvSpPr>
-          <p:nvPr>
-            <p:ph idx="1"/>
-          </p:nvPr>
-        </p:nvSpPr>
-        <p:spPr>
-          <a:xfrm>
-            <a:off x="1182757" y="2136913"/>
-            <a:ext cx="8836834" cy="4402433"/>
-          </a:xfrm>
-        </p:spPr>
-        <p:txBody>
-          <a:bodyPr/>
-          <a:lstStyle/>
-          <a:p>
-            <a:pPr marL="0" indent="0">
-              <a:buClr>
-                <a:schemeClr val="tx1">
-                  <a:lumMod val="50000"/>
-                  <a:lumOff val="50000"/>
-                </a:schemeClr>
-              </a:buClr>
-              <a:buNone/>
-            </a:pPr>
-            <a:r>
-              <a:rPr lang="ja-JP" altLang="en-US" sz="3200">
-                <a:solidFill>
-                  <a:schemeClr val="tx1">
-                    <a:lumMod val="50000"/>
-                    <a:lumOff val="50000"/>
-                  </a:schemeClr>
-                </a:solidFill>
-              </a:rPr>
-              <a:t>日本</a:t>
-            </a:r>
-            <a:r>
-              <a:rPr lang="ja-JP" altLang="en-US" sz="3200" dirty="0">
-                <a:solidFill>
-                  <a:schemeClr val="tx1">
-                    <a:lumMod val="50000"/>
-                    <a:lumOff val="50000"/>
-                  </a:schemeClr>
-                </a:solidFill>
-              </a:rPr>
-              <a:t>では</a:t>
-            </a:r>
-            <a:r>
-              <a:rPr lang="ja-JP" altLang="en-US" sz="3200" b="1" dirty="0">
-                <a:solidFill>
-                  <a:srgbClr val="D8DEE1"/>
-                </a:solidFill>
-              </a:rPr>
-              <a:t>１</a:t>
-            </a:r>
-            <a:r>
-              <a:rPr lang="ja-JP" altLang="en-US" sz="3200" b="1" dirty="0">
-                <a:solidFill>
-                  <a:schemeClr val="tx1">
-                    <a:lumMod val="50000"/>
-                    <a:lumOff val="50000"/>
-                  </a:schemeClr>
-                </a:solidFill>
-              </a:rPr>
-              <a:t>年間</a:t>
-            </a:r>
-            <a:r>
-              <a:rPr lang="ja-JP" altLang="en-US" sz="3200" dirty="0">
-                <a:solidFill>
-                  <a:schemeClr val="tx1">
-                    <a:lumMod val="50000"/>
-                    <a:lumOff val="50000"/>
-                  </a:schemeClr>
-                </a:solidFill>
-              </a:rPr>
-              <a:t>で、</a:t>
-            </a:r>
-            <a:r>
-              <a:rPr lang="ja-JP" altLang="en-US" sz="3200" b="1" dirty="0">
-                <a:solidFill>
-                  <a:schemeClr val="tx1">
-                    <a:lumMod val="50000"/>
-                    <a:lumOff val="50000"/>
-                  </a:schemeClr>
-                </a:solidFill>
-              </a:rPr>
-              <a:t> 　　　　　　　　　　　　　　　　　　　　　　　　　　　　　　　　　　　　　　　　　　　　　　　　　　　　　　　　　　　　　　　　　　　　　　　　　　　　　　　　　　　　　約</a:t>
-            </a:r>
-            <a:r>
-              <a:rPr lang="en-US" altLang="ja-JP" sz="3200" b="1" dirty="0">
-                <a:solidFill>
-                  <a:srgbClr val="D8DEE1"/>
-                </a:solidFill>
-              </a:rPr>
-              <a:t>612</a:t>
-            </a:r>
-            <a:r>
-              <a:rPr lang="ja-JP" altLang="en-US" sz="3200" b="1" dirty="0">
-                <a:solidFill>
-                  <a:srgbClr val="D8DEE1"/>
-                </a:solidFill>
-              </a:rPr>
-              <a:t>万</a:t>
-            </a:r>
-            <a:r>
-              <a:rPr lang="ja-JP" altLang="en-US" sz="3200" b="1" dirty="0">
-                <a:solidFill>
-                  <a:schemeClr val="tx1">
-                    <a:lumMod val="50000"/>
-                    <a:lumOff val="50000"/>
-                  </a:schemeClr>
-                </a:solidFill>
-              </a:rPr>
-              <a:t>トン</a:t>
-            </a:r>
-            <a:r>
-              <a:rPr lang="ja-JP" altLang="en-US" sz="3200" dirty="0">
-                <a:solidFill>
-                  <a:schemeClr val="tx1">
-                    <a:lumMod val="50000"/>
-                    <a:lumOff val="50000"/>
-                  </a:schemeClr>
-                </a:solidFill>
-              </a:rPr>
-              <a:t>＝</a:t>
-            </a:r>
-            <a:r>
-              <a:rPr lang="ja-JP" altLang="en-US" sz="3200" b="1" dirty="0">
-                <a:solidFill>
-                  <a:schemeClr val="tx1">
-                    <a:lumMod val="50000"/>
-                    <a:lumOff val="50000"/>
-                  </a:schemeClr>
-                </a:solidFill>
-              </a:rPr>
-              <a:t>東京ドーム約</a:t>
-            </a:r>
-            <a:r>
-              <a:rPr lang="ja-JP" altLang="en-US" sz="3200" b="1" dirty="0">
-                <a:solidFill>
-                  <a:srgbClr val="D8DEE1"/>
-                </a:solidFill>
-              </a:rPr>
-              <a:t>５</a:t>
-            </a:r>
-            <a:r>
-              <a:rPr lang="ja-JP" altLang="en-US" sz="3200" b="1" dirty="0">
-                <a:solidFill>
-                  <a:schemeClr val="tx1">
-                    <a:lumMod val="50000"/>
-                    <a:lumOff val="50000"/>
-                  </a:schemeClr>
-                </a:solidFill>
-              </a:rPr>
-              <a:t>個分</a:t>
-            </a:r>
-            <a:endParaRPr lang="en-US" altLang="ja-JP" sz="3200" b="1" dirty="0">
-              <a:solidFill>
-                <a:schemeClr val="tx1">
-                  <a:lumMod val="50000"/>
-                  <a:lumOff val="50000"/>
-                </a:schemeClr>
-              </a:solidFill>
-            </a:endParaRPr>
-          </a:p>
-          <a:p>
-            <a:pPr marL="0" indent="0">
-              <a:buClr>
-                <a:schemeClr val="tx1">
-                  <a:lumMod val="50000"/>
-                  <a:lumOff val="50000"/>
-                </a:schemeClr>
-              </a:buClr>
-              <a:buNone/>
-            </a:pPr>
-            <a:r>
-              <a:rPr lang="ja-JP" altLang="en-US" sz="3200" dirty="0">
-                <a:solidFill>
-                  <a:schemeClr val="tx1">
-                    <a:lumMod val="50000"/>
-                    <a:lumOff val="50000"/>
-                  </a:schemeClr>
-                </a:solidFill>
-              </a:rPr>
-              <a:t>食品ロスがあることに驚かされ、今回は</a:t>
-            </a:r>
-            <a:endParaRPr lang="en-US" altLang="ja-JP" sz="3200" dirty="0">
-              <a:solidFill>
-                <a:schemeClr val="tx1">
-                  <a:lumMod val="50000"/>
-                  <a:lumOff val="50000"/>
-                </a:schemeClr>
-              </a:solidFill>
-            </a:endParaRPr>
-          </a:p>
-          <a:p>
-            <a:pPr marL="0" indent="0">
-              <a:buClr>
-                <a:schemeClr val="tx1">
-                  <a:lumMod val="50000"/>
-                  <a:lumOff val="50000"/>
-                </a:schemeClr>
-              </a:buClr>
-              <a:buNone/>
-            </a:pPr>
-            <a:r>
-              <a:rPr lang="ja-JP" altLang="en-US" sz="3200">
-                <a:solidFill>
-                  <a:schemeClr val="tx1">
-                    <a:lumMod val="50000"/>
-                    <a:lumOff val="50000"/>
-                  </a:schemeClr>
-                </a:solidFill>
-              </a:rPr>
-              <a:t>食品ロス削減アプリの作成に至りました</a:t>
-            </a:r>
-            <a:endParaRPr lang="en-US" altLang="ja-JP" sz="3200" dirty="0">
-              <a:solidFill>
-                <a:schemeClr val="tx1">
-                  <a:lumMod val="50000"/>
-                  <a:lumOff val="50000"/>
-                </a:schemeClr>
-              </a:solidFill>
-            </a:endParaRPr>
-          </a:p>
-        </p:txBody>
-      </p:sp>
-      <p:sp>
-        <p:nvSpPr>
-          <p:cNvPr id="4" name="テキスト ボックス 3">
-            <a:extLst>
-              <a:ext uri="{FF2B5EF4-FFF2-40B4-BE49-F238E27FC236}">
-                <a16:creationId xmlns:a16="http://schemas.microsoft.com/office/drawing/2014/main" id="{673A99A8-047C-9ADC-3B39-144DA513CC31}"/>
-              </a:ext>
-            </a:extLst>
-          </p:cNvPr>
-          <p:cNvSpPr txBox="1"/>
-          <p:nvPr/>
-        </p:nvSpPr>
-        <p:spPr>
-          <a:xfrm>
-            <a:off x="3865418" y="2431473"/>
-            <a:ext cx="630382" cy="1077218"/>
+            <a:off x="3584750" y="2444352"/>
+            <a:ext cx="630382" cy="1138773"/>
           </a:xfrm>
           <a:prstGeom prst="rect">
             <a:avLst/>
@@ -18692,14 +18060,14 @@
           <a:lstStyle/>
           <a:p>
             <a:r>
-              <a:rPr lang="ja-JP" altLang="en-US" sz="3200" b="1">
+              <a:rPr lang="ja-JP" altLang="en-US" sz="3600" b="1" dirty="0">
                 <a:solidFill>
                   <a:schemeClr val="accent1"/>
                 </a:solidFill>
               </a:rPr>
               <a:t>１</a:t>
             </a:r>
-            <a:endParaRPr lang="en-US" altLang="ja-JP" sz="3200" b="1" dirty="0">
+            <a:endParaRPr lang="en-US" altLang="ja-JP" sz="3600" b="1" dirty="0">
               <a:solidFill>
                 <a:schemeClr val="accent1"/>
               </a:solidFill>
@@ -18724,8 +18092,8 @@
         </p:nvSpPr>
         <p:spPr>
           <a:xfrm>
-            <a:off x="1500415" y="2844225"/>
-            <a:ext cx="1826820" cy="584775"/>
+            <a:off x="2073121" y="3057570"/>
+            <a:ext cx="1826820" cy="646331"/>
           </a:xfrm>
           <a:prstGeom prst="rect">
             <a:avLst/>
@@ -18740,7 +18108,7 @@
           <a:p>
             <a:pPr algn="ctr"/>
             <a:r>
-              <a:rPr lang="en-US" altLang="ja-JP" sz="3200" b="1" dirty="0">
+              <a:rPr lang="en-US" altLang="ja-JP" sz="3600" b="1" dirty="0">
                 <a:solidFill>
                   <a:schemeClr val="accent1"/>
                 </a:solidFill>
@@ -18748,14 +18116,14 @@
               <a:t>612</a:t>
             </a:r>
             <a:r>
-              <a:rPr lang="ja-JP" altLang="en-US" sz="3200" b="1" dirty="0">
+              <a:rPr lang="ja-JP" altLang="en-US" sz="3600" b="1" dirty="0">
                 <a:solidFill>
                   <a:schemeClr val="accent1"/>
                 </a:solidFill>
               </a:rPr>
               <a:t>万</a:t>
             </a:r>
-            <a:endParaRPr kumimoji="1" lang="ja-JP" altLang="en-US" sz="3200" dirty="0"/>
+            <a:endParaRPr kumimoji="1" lang="ja-JP" altLang="en-US" sz="3600" dirty="0"/>
           </a:p>
         </p:txBody>
       </p:sp>
@@ -18773,8 +18141,8 @@
         </p:nvSpPr>
         <p:spPr>
           <a:xfrm>
-            <a:off x="7645731" y="2998350"/>
-            <a:ext cx="540328" cy="584775"/>
+            <a:off x="7811383" y="3076317"/>
+            <a:ext cx="540328" cy="646331"/>
           </a:xfrm>
           <a:prstGeom prst="rect">
             <a:avLst/>
@@ -18788,14 +18156,14 @@
           <a:lstStyle/>
           <a:p>
             <a:r>
-              <a:rPr lang="ja-JP" altLang="en-US" sz="3200" b="1" dirty="0">
+              <a:rPr lang="ja-JP" altLang="en-US" sz="3600" b="1" dirty="0">
                 <a:solidFill>
                   <a:schemeClr val="accent1"/>
                 </a:solidFill>
               </a:rPr>
               <a:t>５</a:t>
             </a:r>
-            <a:endParaRPr kumimoji="1" lang="ja-JP" altLang="en-US" sz="3200" dirty="0"/>
+            <a:endParaRPr kumimoji="1" lang="ja-JP" altLang="en-US" sz="3600" dirty="0"/>
           </a:p>
         </p:txBody>
       </p:sp>
@@ -19025,7 +18393,7 @@
 </p:sld>
 </file>
 
-<file path=ppt/slides/slide6.xml><?xml version="1.0" encoding="utf-8"?>
+<file path=ppt/slides/slide5.xml><?xml version="1.0" encoding="utf-8"?>
 <p:sld xmlns:a="http://schemas.openxmlformats.org/drawingml/2006/main" xmlns:r="http://schemas.openxmlformats.org/officeDocument/2006/relationships" xmlns:p="http://schemas.openxmlformats.org/presentationml/2006/main">
   <p:cSld>
     <p:spTree>
@@ -19047,7 +18415,7 @@
           <p:cNvPr id="2" name="タイトル 1">
             <a:extLst>
               <a:ext uri="{FF2B5EF4-FFF2-40B4-BE49-F238E27FC236}">
-                <a16:creationId xmlns:a16="http://schemas.microsoft.com/office/drawing/2014/main" id="{825E3F5C-9653-D056-3CD5-E0C063FEF0EE}"/>
+                <a16:creationId xmlns:a16="http://schemas.microsoft.com/office/drawing/2014/main" id="{93268CCE-21BC-314C-09DA-9FB67495AA89}"/>
               </a:ext>
             </a:extLst>
           </p:cNvPr>
@@ -19060,17 +18428,18 @@
         </p:nvSpPr>
         <p:spPr>
           <a:xfrm>
-            <a:off x="458694" y="2766218"/>
-            <a:ext cx="11274612" cy="1325563"/>
+            <a:off x="1641527" y="415637"/>
+            <a:ext cx="6753725" cy="1600124"/>
           </a:xfrm>
         </p:spPr>
         <p:txBody>
-          <a:bodyPr/>
+          <a:bodyPr>
+            <a:noAutofit/>
+          </a:bodyPr>
           <a:lstStyle/>
           <a:p>
-            <a:pPr algn="ctr"/>
             <a:r>
-              <a:rPr kumimoji="1" lang="ja-JP" altLang="en-US" sz="6000" b="1" dirty="0">
+              <a:rPr kumimoji="1" lang="ja-JP" altLang="en-US" sz="4800" b="1" dirty="0">
                 <a:solidFill>
                   <a:schemeClr val="tx1">
                     <a:lumMod val="50000"/>
@@ -19078,15 +18447,208 @@
                   </a:schemeClr>
                 </a:solidFill>
               </a:rPr>
-              <a:t>実機説明</a:t>
+              <a:t>今回の成果物について</a:t>
             </a:r>
+          </a:p>
+        </p:txBody>
+      </p:sp>
+      <p:sp>
+        <p:nvSpPr>
+          <p:cNvPr id="7" name="コンテンツ プレースホルダー 6">
+            <a:extLst>
+              <a:ext uri="{FF2B5EF4-FFF2-40B4-BE49-F238E27FC236}">
+                <a16:creationId xmlns:a16="http://schemas.microsoft.com/office/drawing/2014/main" id="{3A7CD980-B979-D626-EF2E-49BEDC8AA0A8}"/>
+              </a:ext>
+            </a:extLst>
+          </p:cNvPr>
+          <p:cNvSpPr>
+            <a:spLocks noGrp="1"/>
+          </p:cNvSpPr>
+          <p:nvPr>
+            <p:ph idx="1"/>
+          </p:nvPr>
+        </p:nvSpPr>
+        <p:spPr>
+          <a:xfrm>
+            <a:off x="1654865" y="2473414"/>
+            <a:ext cx="8882270" cy="2368826"/>
+          </a:xfrm>
+        </p:spPr>
+        <p:txBody>
+          <a:bodyPr/>
+          <a:lstStyle/>
+          <a:p>
+            <a:pPr marL="0" indent="0">
+              <a:buClr>
+                <a:schemeClr val="tx1">
+                  <a:lumMod val="50000"/>
+                  <a:lumOff val="50000"/>
+                </a:schemeClr>
+              </a:buClr>
+              <a:buNone/>
+            </a:pPr>
+            <a:r>
+              <a:rPr lang="ja-JP" altLang="en-US" sz="3600" u="sng" dirty="0">
+                <a:solidFill>
+                  <a:schemeClr val="tx1">
+                    <a:lumMod val="50000"/>
+                    <a:lumOff val="50000"/>
+                  </a:schemeClr>
+                </a:solidFill>
+              </a:rPr>
+              <a:t>本来の目標</a:t>
+            </a:r>
+            <a:r>
+              <a:rPr lang="ja-JP" altLang="en-US" sz="3600" dirty="0">
+                <a:solidFill>
+                  <a:schemeClr val="tx1">
+                    <a:lumMod val="50000"/>
+                    <a:lumOff val="50000"/>
+                  </a:schemeClr>
+                </a:solidFill>
+              </a:rPr>
+              <a:t>である食品ロス削減アプリの</a:t>
+            </a:r>
+            <a:endParaRPr lang="en-US" altLang="ja-JP" sz="3600" dirty="0">
+              <a:solidFill>
+                <a:schemeClr val="tx1">
+                  <a:lumMod val="50000"/>
+                  <a:lumOff val="50000"/>
+                </a:schemeClr>
+              </a:solidFill>
+            </a:endParaRPr>
+          </a:p>
+          <a:p>
+            <a:pPr marL="0" indent="0">
+              <a:buClr>
+                <a:schemeClr val="tx1">
+                  <a:lumMod val="50000"/>
+                  <a:lumOff val="50000"/>
+                </a:schemeClr>
+              </a:buClr>
+              <a:buNone/>
+            </a:pPr>
+            <a:r>
+              <a:rPr lang="ja-JP" altLang="en-US" sz="3600" dirty="0">
+                <a:solidFill>
+                  <a:schemeClr val="tx1">
+                    <a:lumMod val="50000"/>
+                    <a:lumOff val="50000"/>
+                  </a:schemeClr>
+                </a:solidFill>
+              </a:rPr>
+              <a:t>作成にあたって、</a:t>
+            </a:r>
+            <a:r>
+              <a:rPr lang="ja-JP" altLang="en-US" sz="3600" b="1" dirty="0">
+                <a:solidFill>
+                  <a:schemeClr val="accent1"/>
+                </a:solidFill>
+              </a:rPr>
+              <a:t>データベースの操作</a:t>
+            </a:r>
+            <a:r>
+              <a:rPr lang="ja-JP" altLang="en-US" sz="3600" dirty="0">
+                <a:solidFill>
+                  <a:schemeClr val="tx1">
+                    <a:lumMod val="50000"/>
+                    <a:lumOff val="50000"/>
+                  </a:schemeClr>
+                </a:solidFill>
+              </a:rPr>
+              <a:t>が</a:t>
+            </a:r>
+            <a:endParaRPr lang="en-US" altLang="ja-JP" sz="3600" dirty="0">
+              <a:solidFill>
+                <a:schemeClr val="tx1">
+                  <a:lumMod val="50000"/>
+                  <a:lumOff val="50000"/>
+                </a:schemeClr>
+              </a:solidFill>
+            </a:endParaRPr>
+          </a:p>
+          <a:p>
+            <a:pPr marL="0" indent="0">
+              <a:buClr>
+                <a:schemeClr val="tx1">
+                  <a:lumMod val="50000"/>
+                  <a:lumOff val="50000"/>
+                </a:schemeClr>
+              </a:buClr>
+              <a:buNone/>
+            </a:pPr>
+            <a:r>
+              <a:rPr lang="ja-JP" altLang="en-US" sz="3600" b="1" dirty="0">
+                <a:solidFill>
+                  <a:schemeClr val="accent1"/>
+                </a:solidFill>
+              </a:rPr>
+              <a:t>必須</a:t>
+            </a:r>
+            <a:r>
+              <a:rPr lang="ja-JP" altLang="en-US" sz="3600" dirty="0">
+                <a:solidFill>
+                  <a:schemeClr val="tx1">
+                    <a:lumMod val="50000"/>
+                    <a:lumOff val="50000"/>
+                  </a:schemeClr>
+                </a:solidFill>
+              </a:rPr>
+              <a:t>だと思ったため。</a:t>
+            </a:r>
+            <a:endParaRPr lang="en-US" altLang="ja-JP" sz="3600" dirty="0">
+              <a:solidFill>
+                <a:schemeClr val="tx1">
+                  <a:lumMod val="50000"/>
+                  <a:lumOff val="50000"/>
+                </a:schemeClr>
+              </a:solidFill>
+            </a:endParaRPr>
+          </a:p>
+          <a:p>
+            <a:pPr marL="0" indent="0">
+              <a:buClr>
+                <a:schemeClr val="tx1">
+                  <a:lumMod val="50000"/>
+                  <a:lumOff val="50000"/>
+                </a:schemeClr>
+              </a:buClr>
+              <a:buNone/>
+            </a:pPr>
+            <a:endParaRPr lang="en-US" altLang="ja-JP" sz="3600" dirty="0">
+              <a:solidFill>
+                <a:schemeClr val="tx1">
+                  <a:lumMod val="50000"/>
+                  <a:lumOff val="50000"/>
+                </a:schemeClr>
+              </a:solidFill>
+            </a:endParaRPr>
+          </a:p>
+          <a:p>
+            <a:pPr marL="0" indent="0">
+              <a:buClr>
+                <a:schemeClr val="tx1">
+                  <a:lumMod val="50000"/>
+                  <a:lumOff val="50000"/>
+                </a:schemeClr>
+              </a:buClr>
+              <a:buNone/>
+            </a:pPr>
+            <a:endParaRPr lang="en-US" altLang="ja-JP" sz="3600" dirty="0">
+              <a:solidFill>
+                <a:schemeClr val="tx1">
+                  <a:lumMod val="50000"/>
+                  <a:lumOff val="50000"/>
+                </a:schemeClr>
+              </a:solidFill>
+            </a:endParaRPr>
           </a:p>
         </p:txBody>
       </p:sp>
     </p:spTree>
     <p:extLst>
       <p:ext uri="{BB962C8B-B14F-4D97-AF65-F5344CB8AC3E}">
-        <p14:creationId xmlns:p14="http://schemas.microsoft.com/office/powerpoint/2010/main" val="2886740121"/>
+        <p14:creationId xmlns:p14="http://schemas.microsoft.com/office/powerpoint/2010/main" val="2895319755"/>
       </p:ext>
     </p:extLst>
   </p:cSld>
@@ -19096,7 +18658,7 @@
 </p:sld>
 </file>
 
-<file path=ppt/slides/slide7.xml><?xml version="1.0" encoding="utf-8"?>
+<file path=ppt/slides/slide6.xml><?xml version="1.0" encoding="utf-8"?>
 <p:sld xmlns:a="http://schemas.openxmlformats.org/drawingml/2006/main" xmlns:r="http://schemas.openxmlformats.org/officeDocument/2006/relationships" xmlns:p="http://schemas.openxmlformats.org/presentationml/2006/main">
   <p:cSld>
     <p:spTree>
@@ -19171,13 +18733,13 @@
             <p:ph idx="1"/>
             <p:extLst>
               <p:ext uri="{D42A27DB-BD31-4B8C-83A1-F6EECF244321}">
-                <p14:modId xmlns:p14="http://schemas.microsoft.com/office/powerpoint/2010/main" val="1803374830"/>
+                <p14:modId xmlns:p14="http://schemas.microsoft.com/office/powerpoint/2010/main" val="1125645300"/>
               </p:ext>
             </p:extLst>
           </p:nvPr>
         </p:nvGraphicFramePr>
         <p:xfrm>
-          <a:off x="2265218" y="2355273"/>
+          <a:off x="2265218" y="2196247"/>
           <a:ext cx="7661564" cy="3419604"/>
         </p:xfrm>
         <a:graphic>
@@ -19333,7 +18895,7 @@
 </p:sld>
 </file>
 
-<file path=ppt/slides/slide8.xml><?xml version="1.0" encoding="utf-8"?>
+<file path=ppt/slides/slide7.xml><?xml version="1.0" encoding="utf-8"?>
 <p:sld xmlns:a="http://schemas.openxmlformats.org/drawingml/2006/main" xmlns:r="http://schemas.openxmlformats.org/officeDocument/2006/relationships" xmlns:p="http://schemas.openxmlformats.org/presentationml/2006/main">
   <p:cSld>
     <p:bg>
@@ -19641,41 +19203,6 @@
           </p:spPr>
         </p:pic>
       </p:grpSp>
-      <p:sp>
-        <p:nvSpPr>
-          <p:cNvPr id="2" name="タイトル 1">
-            <a:extLst>
-              <a:ext uri="{FF2B5EF4-FFF2-40B4-BE49-F238E27FC236}">
-                <a16:creationId xmlns:a16="http://schemas.microsoft.com/office/drawing/2014/main" id="{93268CCE-21BC-314C-09DA-9FB67495AA89}"/>
-              </a:ext>
-            </a:extLst>
-          </p:cNvPr>
-          <p:cNvSpPr>
-            <a:spLocks noGrp="1"/>
-          </p:cNvSpPr>
-          <p:nvPr>
-            <p:ph type="title"/>
-          </p:nvPr>
-        </p:nvSpPr>
-        <p:spPr>
-          <a:xfrm>
-            <a:off x="1198182" y="381000"/>
-            <a:ext cx="10003218" cy="1600124"/>
-          </a:xfrm>
-        </p:spPr>
-        <p:txBody>
-          <a:bodyPr>
-            <a:normAutofit/>
-          </a:bodyPr>
-          <a:lstStyle/>
-          <a:p>
-            <a:r>
-              <a:rPr kumimoji="1" lang="ja-JP" altLang="en-US" b="1"/>
-              <a:t>感想・反省</a:t>
-            </a:r>
-          </a:p>
-        </p:txBody>
-      </p:sp>
       <p:graphicFrame>
         <p:nvGraphicFramePr>
           <p:cNvPr id="9" name="コンテンツ プレースホルダー 6">
@@ -19692,13 +19219,13 @@
             <p:ph idx="1"/>
             <p:extLst>
               <p:ext uri="{D42A27DB-BD31-4B8C-83A1-F6EECF244321}">
-                <p14:modId xmlns:p14="http://schemas.microsoft.com/office/powerpoint/2010/main" val="722447383"/>
+                <p14:modId xmlns:p14="http://schemas.microsoft.com/office/powerpoint/2010/main" val="3961411771"/>
               </p:ext>
             </p:extLst>
           </p:nvPr>
         </p:nvGraphicFramePr>
         <p:xfrm>
-          <a:off x="838200" y="2514600"/>
+          <a:off x="836676" y="2758092"/>
           <a:ext cx="10515600" cy="3662363"/>
         </p:xfrm>
         <a:graphic>
@@ -19707,6 +19234,225 @@
           </a:graphicData>
         </a:graphic>
       </p:graphicFrame>
+      <p:sp>
+        <p:nvSpPr>
+          <p:cNvPr id="7" name="タイトル 1">
+            <a:extLst>
+              <a:ext uri="{FF2B5EF4-FFF2-40B4-BE49-F238E27FC236}">
+                <a16:creationId xmlns:a16="http://schemas.microsoft.com/office/drawing/2014/main" id="{51768ED5-A9A4-375D-3E9C-889F49092958}"/>
+              </a:ext>
+            </a:extLst>
+          </p:cNvPr>
+          <p:cNvSpPr>
+            <a:spLocks noGrp="1"/>
+          </p:cNvSpPr>
+          <p:nvPr>
+            <p:ph type="title"/>
+          </p:nvPr>
+        </p:nvSpPr>
+        <p:spPr>
+          <a:xfrm>
+            <a:off x="2262637" y="2070021"/>
+            <a:ext cx="1888872" cy="806521"/>
+          </a:xfrm>
+        </p:spPr>
+        <p:txBody>
+          <a:bodyPr>
+            <a:noAutofit/>
+          </a:bodyPr>
+          <a:lstStyle/>
+          <a:p>
+            <a:pPr algn="ctr"/>
+            <a:r>
+              <a:rPr kumimoji="1" lang="ja-JP" altLang="en-US" sz="4800" b="1" dirty="0">
+                <a:solidFill>
+                  <a:schemeClr val="tx1">
+                    <a:lumMod val="50000"/>
+                    <a:lumOff val="50000"/>
+                  </a:schemeClr>
+                </a:solidFill>
+              </a:rPr>
+              <a:t>感想</a:t>
+            </a:r>
+          </a:p>
+        </p:txBody>
+      </p:sp>
+      <p:sp>
+        <p:nvSpPr>
+          <p:cNvPr id="8" name="タイトル 1">
+            <a:extLst>
+              <a:ext uri="{FF2B5EF4-FFF2-40B4-BE49-F238E27FC236}">
+                <a16:creationId xmlns:a16="http://schemas.microsoft.com/office/drawing/2014/main" id="{E56A21B2-12EC-23A0-264C-78CA7AEC9228}"/>
+              </a:ext>
+            </a:extLst>
+          </p:cNvPr>
+          <p:cNvSpPr txBox="1">
+            <a:spLocks/>
+          </p:cNvSpPr>
+          <p:nvPr/>
+        </p:nvSpPr>
+        <p:spPr>
+          <a:xfrm>
+            <a:off x="7742231" y="2070021"/>
+            <a:ext cx="1888872" cy="806521"/>
+          </a:xfrm>
+          <a:prstGeom prst="rect">
+            <a:avLst/>
+          </a:prstGeom>
+        </p:spPr>
+        <p:txBody>
+          <a:bodyPr lIns="109728" tIns="109728" rIns="109728" bIns="91440" anchor="ctr">
+            <a:noAutofit/>
+          </a:bodyPr>
+          <a:lstStyle>
+            <a:lvl1pPr algn="l" defTabSz="914400" rtl="0" eaLnBrk="1" latinLnBrk="0" hangingPunct="1">
+              <a:lnSpc>
+                <a:spcPct val="100000"/>
+              </a:lnSpc>
+              <a:spcBef>
+                <a:spcPct val="0"/>
+              </a:spcBef>
+              <a:buNone/>
+              <a:defRPr sz="4200" b="0" kern="1200" spc="130">
+                <a:solidFill>
+                  <a:schemeClr val="tx1"/>
+                </a:solidFill>
+                <a:latin typeface="+mj-lt"/>
+                <a:ea typeface="+mj-ea"/>
+                <a:cs typeface="+mj-cs"/>
+              </a:defRPr>
+            </a:lvl1pPr>
+          </a:lstStyle>
+          <a:p>
+            <a:pPr algn="ctr"/>
+            <a:r>
+              <a:rPr lang="ja-JP" altLang="en-US" sz="4800" b="1" dirty="0">
+                <a:solidFill>
+                  <a:schemeClr val="tx1">
+                    <a:lumMod val="50000"/>
+                    <a:lumOff val="50000"/>
+                  </a:schemeClr>
+                </a:solidFill>
+              </a:rPr>
+              <a:t>反省</a:t>
+            </a:r>
+            <a:endParaRPr kumimoji="1" lang="ja-JP" altLang="en-US" sz="4800" b="1" dirty="0">
+              <a:solidFill>
+                <a:schemeClr val="tx1">
+                  <a:lumMod val="50000"/>
+                  <a:lumOff val="50000"/>
+                </a:schemeClr>
+              </a:solidFill>
+            </a:endParaRPr>
+          </a:p>
+        </p:txBody>
+      </p:sp>
+      <p:sp>
+        <p:nvSpPr>
+          <p:cNvPr id="11" name="楕円 10">
+            <a:extLst>
+              <a:ext uri="{FF2B5EF4-FFF2-40B4-BE49-F238E27FC236}">
+                <a16:creationId xmlns:a16="http://schemas.microsoft.com/office/drawing/2014/main" id="{6552BA6D-751D-AEC8-7FA5-716781608E90}"/>
+              </a:ext>
+            </a:extLst>
+          </p:cNvPr>
+          <p:cNvSpPr/>
+          <p:nvPr/>
+        </p:nvSpPr>
+        <p:spPr>
+          <a:xfrm>
+            <a:off x="4957941" y="555330"/>
+            <a:ext cx="1948070" cy="823716"/>
+          </a:xfrm>
+          <a:prstGeom prst="ellipse">
+            <a:avLst/>
+          </a:prstGeom>
+          <a:solidFill>
+            <a:schemeClr val="bg1">
+              <a:lumMod val="75000"/>
+            </a:schemeClr>
+          </a:solidFill>
+          <a:ln w="38100">
+            <a:solidFill>
+              <a:schemeClr val="bg1"/>
+            </a:solidFill>
+          </a:ln>
+        </p:spPr>
+        <p:style>
+          <a:lnRef idx="2">
+            <a:schemeClr val="accent1">
+              <a:shade val="15000"/>
+            </a:schemeClr>
+          </a:lnRef>
+          <a:fillRef idx="1">
+            <a:schemeClr val="accent1"/>
+          </a:fillRef>
+          <a:effectRef idx="0">
+            <a:schemeClr val="accent1"/>
+          </a:effectRef>
+          <a:fontRef idx="minor">
+            <a:schemeClr val="lt1"/>
+          </a:fontRef>
+        </p:style>
+        <p:txBody>
+          <a:bodyPr rtlCol="0" anchor="ctr"/>
+          <a:lstStyle/>
+          <a:p>
+            <a:pPr algn="ctr"/>
+            <a:endParaRPr kumimoji="1" lang="ja-JP" altLang="en-US" dirty="0"/>
+          </a:p>
+        </p:txBody>
+      </p:sp>
+      <p:sp>
+        <p:nvSpPr>
+          <p:cNvPr id="10" name="テキスト ボックス 9">
+            <a:extLst>
+              <a:ext uri="{FF2B5EF4-FFF2-40B4-BE49-F238E27FC236}">
+                <a16:creationId xmlns:a16="http://schemas.microsoft.com/office/drawing/2014/main" id="{804A1592-B68A-D479-D409-2E43217A2618}"/>
+              </a:ext>
+            </a:extLst>
+          </p:cNvPr>
+          <p:cNvSpPr txBox="1"/>
+          <p:nvPr/>
+        </p:nvSpPr>
+        <p:spPr>
+          <a:xfrm>
+            <a:off x="4901552" y="693595"/>
+            <a:ext cx="2060847" cy="954107"/>
+          </a:xfrm>
+          <a:prstGeom prst="rect">
+            <a:avLst/>
+          </a:prstGeom>
+          <a:noFill/>
+        </p:spPr>
+        <p:txBody>
+          <a:bodyPr wrap="square" rtlCol="0">
+            <a:spAutoFit/>
+          </a:bodyPr>
+          <a:lstStyle/>
+          <a:p>
+            <a:pPr algn="ctr"/>
+            <a:r>
+              <a:rPr lang="ja-JP" altLang="en-US" sz="2800" b="1" i="0" dirty="0">
+                <a:solidFill>
+                  <a:srgbClr val="FFFFFF"/>
+                </a:solidFill>
+                <a:effectLst/>
+                <a:latin typeface="Segoe UI" panose="020B0502040204020203" pitchFamily="34" charset="0"/>
+              </a:rPr>
+              <a:t>造酒翔</a:t>
+            </a:r>
+          </a:p>
+          <a:p>
+            <a:pPr algn="ctr"/>
+            <a:endParaRPr kumimoji="1" lang="ja-JP" altLang="en-US" sz="2800" b="1" dirty="0">
+              <a:solidFill>
+                <a:schemeClr val="bg1"/>
+              </a:solidFill>
+            </a:endParaRPr>
+          </a:p>
+        </p:txBody>
+      </p:sp>
     </p:spTree>
     <p:extLst>
       <p:ext uri="{BB962C8B-B14F-4D97-AF65-F5344CB8AC3E}">
@@ -19720,7 +19466,7 @@
 </p:sld>
 </file>
 
-<file path=ppt/slides/slide9.xml><?xml version="1.0" encoding="utf-8"?>
+<file path=ppt/slides/slide8.xml><?xml version="1.0" encoding="utf-8"?>
 <p:sld xmlns:a="http://schemas.openxmlformats.org/drawingml/2006/main" xmlns:r="http://schemas.openxmlformats.org/officeDocument/2006/relationships" xmlns:p="http://schemas.openxmlformats.org/presentationml/2006/main">
   <p:cSld>
     <p:bg>
@@ -20046,19 +19792,27 @@
         </p:nvSpPr>
         <p:spPr>
           <a:xfrm>
-            <a:off x="1198182" y="381000"/>
-            <a:ext cx="10003218" cy="1600124"/>
+            <a:off x="2272440" y="2071472"/>
+            <a:ext cx="1888872" cy="806521"/>
           </a:xfrm>
         </p:spPr>
         <p:txBody>
           <a:bodyPr>
-            <a:normAutofit/>
+            <a:noAutofit/>
           </a:bodyPr>
           <a:lstStyle/>
           <a:p>
+            <a:pPr algn="ctr"/>
             <a:r>
-              <a:rPr kumimoji="1" lang="ja-JP" altLang="en-US" b="1"/>
-              <a:t>感想・反省</a:t>
+              <a:rPr kumimoji="1" lang="ja-JP" altLang="en-US" sz="4800" b="1" dirty="0">
+                <a:solidFill>
+                  <a:schemeClr val="tx1">
+                    <a:lumMod val="50000"/>
+                    <a:lumOff val="50000"/>
+                  </a:schemeClr>
+                </a:solidFill>
+              </a:rPr>
+              <a:t>感想</a:t>
             </a:r>
           </a:p>
         </p:txBody>
@@ -20079,13 +19833,13 @@
             <p:ph idx="1"/>
             <p:extLst>
               <p:ext uri="{D42A27DB-BD31-4B8C-83A1-F6EECF244321}">
-                <p14:modId xmlns:p14="http://schemas.microsoft.com/office/powerpoint/2010/main" val="1316569946"/>
+                <p14:modId xmlns:p14="http://schemas.microsoft.com/office/powerpoint/2010/main" val="1543420789"/>
               </p:ext>
             </p:extLst>
           </p:nvPr>
         </p:nvGraphicFramePr>
         <p:xfrm>
-          <a:off x="838200" y="2514600"/>
+          <a:off x="836676" y="2760995"/>
           <a:ext cx="10515600" cy="3662363"/>
         </p:xfrm>
         <a:graphic>
@@ -20094,6 +19848,172 @@
           </a:graphicData>
         </a:graphic>
       </p:graphicFrame>
+      <p:sp>
+        <p:nvSpPr>
+          <p:cNvPr id="4" name="タイトル 1">
+            <a:extLst>
+              <a:ext uri="{FF2B5EF4-FFF2-40B4-BE49-F238E27FC236}">
+                <a16:creationId xmlns:a16="http://schemas.microsoft.com/office/drawing/2014/main" id="{FEC4AE80-6B49-4A82-1884-9F435D7AF5DF}"/>
+              </a:ext>
+            </a:extLst>
+          </p:cNvPr>
+          <p:cNvSpPr txBox="1">
+            <a:spLocks/>
+          </p:cNvSpPr>
+          <p:nvPr/>
+        </p:nvSpPr>
+        <p:spPr>
+          <a:xfrm>
+            <a:off x="7742231" y="2071472"/>
+            <a:ext cx="1888872" cy="806521"/>
+          </a:xfrm>
+          <a:prstGeom prst="rect">
+            <a:avLst/>
+          </a:prstGeom>
+        </p:spPr>
+        <p:txBody>
+          <a:bodyPr lIns="109728" tIns="109728" rIns="109728" bIns="91440" anchor="ctr">
+            <a:noAutofit/>
+          </a:bodyPr>
+          <a:lstStyle>
+            <a:lvl1pPr algn="l" defTabSz="914400" rtl="0" eaLnBrk="1" latinLnBrk="0" hangingPunct="1">
+              <a:lnSpc>
+                <a:spcPct val="100000"/>
+              </a:lnSpc>
+              <a:spcBef>
+                <a:spcPct val="0"/>
+              </a:spcBef>
+              <a:buNone/>
+              <a:defRPr sz="4200" b="0" kern="1200" spc="130">
+                <a:solidFill>
+                  <a:schemeClr val="tx1"/>
+                </a:solidFill>
+                <a:latin typeface="+mj-lt"/>
+                <a:ea typeface="+mj-ea"/>
+                <a:cs typeface="+mj-cs"/>
+              </a:defRPr>
+            </a:lvl1pPr>
+          </a:lstStyle>
+          <a:p>
+            <a:pPr algn="ctr"/>
+            <a:r>
+              <a:rPr lang="ja-JP" altLang="en-US" sz="4800" b="1" dirty="0">
+                <a:solidFill>
+                  <a:schemeClr val="tx1">
+                    <a:lumMod val="50000"/>
+                    <a:lumOff val="50000"/>
+                  </a:schemeClr>
+                </a:solidFill>
+              </a:rPr>
+              <a:t>反省</a:t>
+            </a:r>
+            <a:endParaRPr kumimoji="1" lang="ja-JP" altLang="en-US" sz="4800" b="1" dirty="0">
+              <a:solidFill>
+                <a:schemeClr val="tx1">
+                  <a:lumMod val="50000"/>
+                  <a:lumOff val="50000"/>
+                </a:schemeClr>
+              </a:solidFill>
+            </a:endParaRPr>
+          </a:p>
+        </p:txBody>
+      </p:sp>
+      <p:sp>
+        <p:nvSpPr>
+          <p:cNvPr id="5" name="楕円 4">
+            <a:extLst>
+              <a:ext uri="{FF2B5EF4-FFF2-40B4-BE49-F238E27FC236}">
+                <a16:creationId xmlns:a16="http://schemas.microsoft.com/office/drawing/2014/main" id="{BC4A4DE8-660C-8223-B3E3-DCD294F10753}"/>
+              </a:ext>
+            </a:extLst>
+          </p:cNvPr>
+          <p:cNvSpPr/>
+          <p:nvPr/>
+        </p:nvSpPr>
+        <p:spPr>
+          <a:xfrm>
+            <a:off x="4957940" y="556782"/>
+            <a:ext cx="1948070" cy="823716"/>
+          </a:xfrm>
+          <a:prstGeom prst="ellipse">
+            <a:avLst/>
+          </a:prstGeom>
+          <a:solidFill>
+            <a:schemeClr val="bg1">
+              <a:lumMod val="75000"/>
+            </a:schemeClr>
+          </a:solidFill>
+          <a:ln w="38100">
+            <a:solidFill>
+              <a:schemeClr val="bg1"/>
+            </a:solidFill>
+          </a:ln>
+        </p:spPr>
+        <p:style>
+          <a:lnRef idx="2">
+            <a:schemeClr val="accent1">
+              <a:shade val="15000"/>
+            </a:schemeClr>
+          </a:lnRef>
+          <a:fillRef idx="1">
+            <a:schemeClr val="accent1"/>
+          </a:fillRef>
+          <a:effectRef idx="0">
+            <a:schemeClr val="accent1"/>
+          </a:effectRef>
+          <a:fontRef idx="minor">
+            <a:schemeClr val="lt1"/>
+          </a:fontRef>
+        </p:style>
+        <p:txBody>
+          <a:bodyPr rtlCol="0" anchor="ctr"/>
+          <a:lstStyle/>
+          <a:p>
+            <a:pPr algn="ctr"/>
+            <a:endParaRPr kumimoji="1" lang="ja-JP" altLang="en-US" dirty="0"/>
+          </a:p>
+        </p:txBody>
+      </p:sp>
+      <p:sp>
+        <p:nvSpPr>
+          <p:cNvPr id="8" name="テキスト ボックス 7">
+            <a:extLst>
+              <a:ext uri="{FF2B5EF4-FFF2-40B4-BE49-F238E27FC236}">
+                <a16:creationId xmlns:a16="http://schemas.microsoft.com/office/drawing/2014/main" id="{3D6F9B46-A533-69D5-5927-59CD270687BA}"/>
+              </a:ext>
+            </a:extLst>
+          </p:cNvPr>
+          <p:cNvSpPr txBox="1"/>
+          <p:nvPr/>
+        </p:nvSpPr>
+        <p:spPr>
+          <a:xfrm>
+            <a:off x="4901551" y="772182"/>
+            <a:ext cx="2060847" cy="523220"/>
+          </a:xfrm>
+          <a:prstGeom prst="rect">
+            <a:avLst/>
+          </a:prstGeom>
+          <a:noFill/>
+        </p:spPr>
+        <p:txBody>
+          <a:bodyPr wrap="square" rtlCol="0">
+            <a:spAutoFit/>
+          </a:bodyPr>
+          <a:lstStyle/>
+          <a:p>
+            <a:pPr algn="ctr"/>
+            <a:r>
+              <a:rPr kumimoji="1" lang="ja-JP" altLang="en-US" sz="2800" b="1" dirty="0">
+                <a:solidFill>
+                  <a:schemeClr val="bg1"/>
+                </a:solidFill>
+              </a:rPr>
+              <a:t>三瓶眞</a:t>
+            </a:r>
+          </a:p>
+        </p:txBody>
+      </p:sp>
     </p:spTree>
     <p:extLst>
       <p:ext uri="{BB962C8B-B14F-4D97-AF65-F5344CB8AC3E}">
@@ -20104,6 +20024,405 @@
   <p:clrMapOvr>
     <a:masterClrMapping/>
   </p:clrMapOvr>
+</p:sld>
+</file>
+
+<file path=ppt/slides/slide9.xml><?xml version="1.0" encoding="utf-8"?>
+<p:sld xmlns:a="http://schemas.openxmlformats.org/drawingml/2006/main" xmlns:r="http://schemas.openxmlformats.org/officeDocument/2006/relationships" xmlns:p="http://schemas.openxmlformats.org/presentationml/2006/main">
+  <p:cSld>
+    <p:spTree>
+      <p:nvGrpSpPr>
+        <p:cNvPr id="1" name=""/>
+        <p:cNvGrpSpPr/>
+        <p:nvPr/>
+      </p:nvGrpSpPr>
+      <p:grpSpPr>
+        <a:xfrm>
+          <a:off x="0" y="0"/>
+          <a:ext cx="0" cy="0"/>
+          <a:chOff x="0" y="0"/>
+          <a:chExt cx="0" cy="0"/>
+        </a:xfrm>
+      </p:grpSpPr>
+      <p:sp>
+        <p:nvSpPr>
+          <p:cNvPr id="2" name="タイトル 1">
+            <a:extLst>
+              <a:ext uri="{FF2B5EF4-FFF2-40B4-BE49-F238E27FC236}">
+                <a16:creationId xmlns:a16="http://schemas.microsoft.com/office/drawing/2014/main" id="{7E867325-0DCC-20E6-C182-371858E3F0A5}"/>
+              </a:ext>
+            </a:extLst>
+          </p:cNvPr>
+          <p:cNvSpPr>
+            <a:spLocks noGrp="1"/>
+          </p:cNvSpPr>
+          <p:nvPr>
+            <p:ph type="title"/>
+          </p:nvPr>
+        </p:nvSpPr>
+        <p:spPr>
+          <a:xfrm>
+            <a:off x="1590861" y="2766218"/>
+            <a:ext cx="9010277" cy="1325563"/>
+          </a:xfrm>
+        </p:spPr>
+        <p:txBody>
+          <a:bodyPr/>
+          <a:lstStyle/>
+          <a:p>
+            <a:r>
+              <a:rPr kumimoji="1" lang="ja-JP" altLang="en-US" sz="4800" b="1" dirty="0">
+                <a:solidFill>
+                  <a:schemeClr val="tx1">
+                    <a:lumMod val="50000"/>
+                    <a:lumOff val="50000"/>
+                  </a:schemeClr>
+                </a:solidFill>
+              </a:rPr>
+              <a:t>ご清聴ありがとうございました</a:t>
+            </a:r>
+          </a:p>
+        </p:txBody>
+      </p:sp>
+    </p:spTree>
+    <p:extLst>
+      <p:ext uri="{BB962C8B-B14F-4D97-AF65-F5344CB8AC3E}">
+        <p14:creationId xmlns:p14="http://schemas.microsoft.com/office/powerpoint/2010/main" val="1085724171"/>
+      </p:ext>
+    </p:extLst>
+  </p:cSld>
+  <p:clrMapOvr>
+    <a:masterClrMapping/>
+  </p:clrMapOvr>
+  <p:timing>
+    <p:tnLst>
+      <p:par>
+        <p:cTn id="1" dur="indefinite" restart="never" nodeType="tmRoot">
+          <p:childTnLst>
+            <p:seq concurrent="1" nextAc="seek">
+              <p:cTn id="2" dur="indefinite" nodeType="mainSeq">
+                <p:childTnLst>
+                  <p:par>
+                    <p:cTn id="3" fill="hold">
+                      <p:stCondLst>
+                        <p:cond delay="indefinite"/>
+                      </p:stCondLst>
+                      <p:childTnLst>
+                        <p:par>
+                          <p:cTn id="4" fill="hold">
+                            <p:stCondLst>
+                              <p:cond delay="0"/>
+                            </p:stCondLst>
+                            <p:childTnLst>
+                              <p:par>
+                                <p:cTn id="5" presetID="26" presetClass="entr" presetSubtype="0" fill="hold" grpId="0" nodeType="clickEffect">
+                                  <p:stCondLst>
+                                    <p:cond delay="0"/>
+                                  </p:stCondLst>
+                                  <p:childTnLst>
+                                    <p:set>
+                                      <p:cBhvr>
+                                        <p:cTn id="6" dur="1" fill="hold">
+                                          <p:stCondLst>
+                                            <p:cond delay="0"/>
+                                          </p:stCondLst>
+                                        </p:cTn>
+                                        <p:tgtEl>
+                                          <p:spTgt spid="2"/>
+                                        </p:tgtEl>
+                                        <p:attrNameLst>
+                                          <p:attrName>style.visibility</p:attrName>
+                                        </p:attrNameLst>
+                                      </p:cBhvr>
+                                      <p:to>
+                                        <p:strVal val="visible"/>
+                                      </p:to>
+                                    </p:set>
+                                    <p:animEffect transition="in" filter="wipe(down)">
+                                      <p:cBhvr>
+                                        <p:cTn id="7" dur="580">
+                                          <p:stCondLst>
+                                            <p:cond delay="0"/>
+                                          </p:stCondLst>
+                                        </p:cTn>
+                                        <p:tgtEl>
+                                          <p:spTgt spid="2"/>
+                                        </p:tgtEl>
+                                      </p:cBhvr>
+                                    </p:animEffect>
+                                    <p:anim calcmode="lin" valueType="num">
+                                      <p:cBhvr>
+                                        <p:cTn id="8" dur="1822" tmFilter="0,0; 0.14,0.36; 0.43,0.73; 0.71,0.91; 1.0,1.0">
+                                          <p:stCondLst>
+                                            <p:cond delay="0"/>
+                                          </p:stCondLst>
+                                        </p:cTn>
+                                        <p:tgtEl>
+                                          <p:spTgt spid="2"/>
+                                        </p:tgtEl>
+                                        <p:attrNameLst>
+                                          <p:attrName>ppt_x</p:attrName>
+                                        </p:attrNameLst>
+                                      </p:cBhvr>
+                                      <p:tavLst>
+                                        <p:tav tm="0">
+                                          <p:val>
+                                            <p:strVal val="#ppt_x-0.25"/>
+                                          </p:val>
+                                        </p:tav>
+                                        <p:tav tm="100000">
+                                          <p:val>
+                                            <p:strVal val="#ppt_x"/>
+                                          </p:val>
+                                        </p:tav>
+                                      </p:tavLst>
+                                    </p:anim>
+                                    <p:anim calcmode="lin" valueType="num">
+                                      <p:cBhvr>
+                                        <p:cTn id="9" dur="664" tmFilter="0.0,0.0; 0.25,0.07; 0.50,0.2; 0.75,0.467; 1.0,1.0">
+                                          <p:stCondLst>
+                                            <p:cond delay="0"/>
+                                          </p:stCondLst>
+                                        </p:cTn>
+                                        <p:tgtEl>
+                                          <p:spTgt spid="2"/>
+                                        </p:tgtEl>
+                                        <p:attrNameLst>
+                                          <p:attrName>ppt_y</p:attrName>
+                                        </p:attrNameLst>
+                                      </p:cBhvr>
+                                      <p:tavLst>
+                                        <p:tav tm="0" fmla="#ppt_y-sin(pi*$)/3">
+                                          <p:val>
+                                            <p:fltVal val="0.5"/>
+                                          </p:val>
+                                        </p:tav>
+                                        <p:tav tm="100000">
+                                          <p:val>
+                                            <p:fltVal val="1"/>
+                                          </p:val>
+                                        </p:tav>
+                                      </p:tavLst>
+                                    </p:anim>
+                                    <p:anim calcmode="lin" valueType="num">
+                                      <p:cBhvr>
+                                        <p:cTn id="10" dur="664" tmFilter="0, 0; 0.125,0.2665; 0.25,0.4; 0.375,0.465; 0.5,0.5;  0.625,0.535; 0.75,0.6; 0.875,0.7335; 1,1">
+                                          <p:stCondLst>
+                                            <p:cond delay="664"/>
+                                          </p:stCondLst>
+                                        </p:cTn>
+                                        <p:tgtEl>
+                                          <p:spTgt spid="2"/>
+                                        </p:tgtEl>
+                                        <p:attrNameLst>
+                                          <p:attrName>ppt_y</p:attrName>
+                                        </p:attrNameLst>
+                                      </p:cBhvr>
+                                      <p:tavLst>
+                                        <p:tav tm="0" fmla="#ppt_y-sin(pi*$)/9">
+                                          <p:val>
+                                            <p:fltVal val="0"/>
+                                          </p:val>
+                                        </p:tav>
+                                        <p:tav tm="100000">
+                                          <p:val>
+                                            <p:fltVal val="1"/>
+                                          </p:val>
+                                        </p:tav>
+                                      </p:tavLst>
+                                    </p:anim>
+                                    <p:anim calcmode="lin" valueType="num">
+                                      <p:cBhvr>
+                                        <p:cTn id="11" dur="332" tmFilter="0, 0; 0.125,0.2665; 0.25,0.4; 0.375,0.465; 0.5,0.5;  0.625,0.535; 0.75,0.6; 0.875,0.7335; 1,1">
+                                          <p:stCondLst>
+                                            <p:cond delay="1324"/>
+                                          </p:stCondLst>
+                                        </p:cTn>
+                                        <p:tgtEl>
+                                          <p:spTgt spid="2"/>
+                                        </p:tgtEl>
+                                        <p:attrNameLst>
+                                          <p:attrName>ppt_y</p:attrName>
+                                        </p:attrNameLst>
+                                      </p:cBhvr>
+                                      <p:tavLst>
+                                        <p:tav tm="0" fmla="#ppt_y-sin(pi*$)/27">
+                                          <p:val>
+                                            <p:fltVal val="0"/>
+                                          </p:val>
+                                        </p:tav>
+                                        <p:tav tm="100000">
+                                          <p:val>
+                                            <p:fltVal val="1"/>
+                                          </p:val>
+                                        </p:tav>
+                                      </p:tavLst>
+                                    </p:anim>
+                                    <p:anim calcmode="lin" valueType="num">
+                                      <p:cBhvr>
+                                        <p:cTn id="12" dur="164" tmFilter="0, 0; 0.125,0.2665; 0.25,0.4; 0.375,0.465; 0.5,0.5;  0.625,0.535; 0.75,0.6; 0.875,0.7335; 1,1">
+                                          <p:stCondLst>
+                                            <p:cond delay="1656"/>
+                                          </p:stCondLst>
+                                        </p:cTn>
+                                        <p:tgtEl>
+                                          <p:spTgt spid="2"/>
+                                        </p:tgtEl>
+                                        <p:attrNameLst>
+                                          <p:attrName>ppt_y</p:attrName>
+                                        </p:attrNameLst>
+                                      </p:cBhvr>
+                                      <p:tavLst>
+                                        <p:tav tm="0" fmla="#ppt_y-sin(pi*$)/81">
+                                          <p:val>
+                                            <p:fltVal val="0"/>
+                                          </p:val>
+                                        </p:tav>
+                                        <p:tav tm="100000">
+                                          <p:val>
+                                            <p:fltVal val="1"/>
+                                          </p:val>
+                                        </p:tav>
+                                      </p:tavLst>
+                                    </p:anim>
+                                    <p:animScale>
+                                      <p:cBhvr>
+                                        <p:cTn id="13" dur="26">
+                                          <p:stCondLst>
+                                            <p:cond delay="650"/>
+                                          </p:stCondLst>
+                                        </p:cTn>
+                                        <p:tgtEl>
+                                          <p:spTgt spid="2"/>
+                                        </p:tgtEl>
+                                      </p:cBhvr>
+                                      <p:to x="100000" y="60000"/>
+                                    </p:animScale>
+                                    <p:animScale>
+                                      <p:cBhvr>
+                                        <p:cTn id="14" dur="166" decel="50000">
+                                          <p:stCondLst>
+                                            <p:cond delay="676"/>
+                                          </p:stCondLst>
+                                        </p:cTn>
+                                        <p:tgtEl>
+                                          <p:spTgt spid="2"/>
+                                        </p:tgtEl>
+                                      </p:cBhvr>
+                                      <p:to x="100000" y="100000"/>
+                                    </p:animScale>
+                                    <p:animScale>
+                                      <p:cBhvr>
+                                        <p:cTn id="15" dur="26">
+                                          <p:stCondLst>
+                                            <p:cond delay="1312"/>
+                                          </p:stCondLst>
+                                        </p:cTn>
+                                        <p:tgtEl>
+                                          <p:spTgt spid="2"/>
+                                        </p:tgtEl>
+                                      </p:cBhvr>
+                                      <p:to x="100000" y="80000"/>
+                                    </p:animScale>
+                                    <p:animScale>
+                                      <p:cBhvr>
+                                        <p:cTn id="16" dur="166" decel="50000">
+                                          <p:stCondLst>
+                                            <p:cond delay="1338"/>
+                                          </p:stCondLst>
+                                        </p:cTn>
+                                        <p:tgtEl>
+                                          <p:spTgt spid="2"/>
+                                        </p:tgtEl>
+                                      </p:cBhvr>
+                                      <p:to x="100000" y="100000"/>
+                                    </p:animScale>
+                                    <p:animScale>
+                                      <p:cBhvr>
+                                        <p:cTn id="17" dur="26">
+                                          <p:stCondLst>
+                                            <p:cond delay="1642"/>
+                                          </p:stCondLst>
+                                        </p:cTn>
+                                        <p:tgtEl>
+                                          <p:spTgt spid="2"/>
+                                        </p:tgtEl>
+                                      </p:cBhvr>
+                                      <p:to x="100000" y="90000"/>
+                                    </p:animScale>
+                                    <p:animScale>
+                                      <p:cBhvr>
+                                        <p:cTn id="18" dur="166" decel="50000">
+                                          <p:stCondLst>
+                                            <p:cond delay="1668"/>
+                                          </p:stCondLst>
+                                        </p:cTn>
+                                        <p:tgtEl>
+                                          <p:spTgt spid="2"/>
+                                        </p:tgtEl>
+                                      </p:cBhvr>
+                                      <p:to x="100000" y="100000"/>
+                                    </p:animScale>
+                                    <p:animScale>
+                                      <p:cBhvr>
+                                        <p:cTn id="19" dur="26">
+                                          <p:stCondLst>
+                                            <p:cond delay="1808"/>
+                                          </p:stCondLst>
+                                        </p:cTn>
+                                        <p:tgtEl>
+                                          <p:spTgt spid="2"/>
+                                        </p:tgtEl>
+                                      </p:cBhvr>
+                                      <p:to x="100000" y="95000"/>
+                                    </p:animScale>
+                                    <p:animScale>
+                                      <p:cBhvr>
+                                        <p:cTn id="20" dur="166" decel="50000">
+                                          <p:stCondLst>
+                                            <p:cond delay="1834"/>
+                                          </p:stCondLst>
+                                        </p:cTn>
+                                        <p:tgtEl>
+                                          <p:spTgt spid="2"/>
+                                        </p:tgtEl>
+                                      </p:cBhvr>
+                                      <p:to x="100000" y="100000"/>
+                                    </p:animScale>
+                                  </p:childTnLst>
+                                </p:cTn>
+                              </p:par>
+                            </p:childTnLst>
+                          </p:cTn>
+                        </p:par>
+                      </p:childTnLst>
+                    </p:cTn>
+                  </p:par>
+                </p:childTnLst>
+              </p:cTn>
+              <p:prevCondLst>
+                <p:cond evt="onPrev" delay="0">
+                  <p:tgtEl>
+                    <p:sldTgt/>
+                  </p:tgtEl>
+                </p:cond>
+              </p:prevCondLst>
+              <p:nextCondLst>
+                <p:cond evt="onNext" delay="0">
+                  <p:tgtEl>
+                    <p:sldTgt/>
+                  </p:tgtEl>
+                </p:cond>
+              </p:nextCondLst>
+            </p:seq>
+          </p:childTnLst>
+        </p:cTn>
+      </p:par>
+    </p:tnLst>
+    <p:bldLst>
+      <p:bldP spid="2" grpId="0"/>
+    </p:bldLst>
+  </p:timing>
 </p:sld>
 </file>
 
@@ -20309,12 +20628,11 @@
 </file>
 
 <file path=customXml/item1.xml><?xml version="1.0" encoding="utf-8"?>
-<?mso-contentType ?>
-<FormTemplates xmlns="http://schemas.microsoft.com/sharepoint/v3/contenttype/forms">
-  <Display>DocumentLibraryForm</Display>
-  <Edit>DocumentLibraryForm</Edit>
-  <New>DocumentLibraryForm</New>
-</FormTemplates>
+<p:properties xmlns:p="http://schemas.microsoft.com/office/2006/metadata/properties" xmlns:xsi="http://www.w3.org/2001/XMLSchema-instance" xmlns:pc="http://schemas.microsoft.com/office/infopath/2007/PartnerControls">
+  <documentManagement>
+    <_activity xmlns="5a67cfbd-6809-4e89-95f0-bd42273b8b6a" xsi:nil="true"/>
+  </documentManagement>
+</p:properties>
 </file>
 
 <file path=customXml/item2.xml><?xml version="1.0" encoding="utf-8"?>
@@ -20527,17 +20845,27 @@
 </file>
 
 <file path=customXml/item3.xml><?xml version="1.0" encoding="utf-8"?>
-<p:properties xmlns:p="http://schemas.microsoft.com/office/2006/metadata/properties" xmlns:xsi="http://www.w3.org/2001/XMLSchema-instance" xmlns:pc="http://schemas.microsoft.com/office/infopath/2007/PartnerControls">
-  <documentManagement>
-    <_activity xmlns="5a67cfbd-6809-4e89-95f0-bd42273b8b6a" xsi:nil="true"/>
-  </documentManagement>
-</p:properties>
+<?mso-contentType ?>
+<FormTemplates xmlns="http://schemas.microsoft.com/sharepoint/v3/contenttype/forms">
+  <Display>DocumentLibraryForm</Display>
+  <Edit>DocumentLibraryForm</Edit>
+  <New>DocumentLibraryForm</New>
+</FormTemplates>
 </file>
 
 <file path=customXml/itemProps1.xml><?xml version="1.0" encoding="utf-8"?>
-<ds:datastoreItem xmlns:ds="http://schemas.openxmlformats.org/officeDocument/2006/customXml" ds:itemID="{17538D35-C249-488E-A9BC-461699AEA216}">
+<ds:datastoreItem xmlns:ds="http://schemas.openxmlformats.org/officeDocument/2006/customXml" ds:itemID="{0528A286-A886-44B4-83F4-74AD2938C84C}">
   <ds:schemaRefs>
-    <ds:schemaRef ds:uri="http://schemas.microsoft.com/sharepoint/v3/contenttype/forms"/>
+    <ds:schemaRef ds:uri="http://purl.org/dc/dcmitype/"/>
+    <ds:schemaRef ds:uri="http://www.w3.org/XML/1998/namespace"/>
+    <ds:schemaRef ds:uri="http://purl.org/dc/elements/1.1/"/>
+    <ds:schemaRef ds:uri="http://purl.org/dc/terms/"/>
+    <ds:schemaRef ds:uri="http://schemas.microsoft.com/office/2006/documentManagement/types"/>
+    <ds:schemaRef ds:uri="b44faf35-7aab-4d02-b9d6-867910cf39af"/>
+    <ds:schemaRef ds:uri="http://schemas.microsoft.com/office/infopath/2007/PartnerControls"/>
+    <ds:schemaRef ds:uri="http://schemas.openxmlformats.org/package/2006/metadata/core-properties"/>
+    <ds:schemaRef ds:uri="5a67cfbd-6809-4e89-95f0-bd42273b8b6a"/>
+    <ds:schemaRef ds:uri="http://schemas.microsoft.com/office/2006/metadata/properties"/>
   </ds:schemaRefs>
 </ds:datastoreItem>
 </file>
@@ -20562,18 +20890,9 @@
 </file>
 
 <file path=customXml/itemProps3.xml><?xml version="1.0" encoding="utf-8"?>
-<ds:datastoreItem xmlns:ds="http://schemas.openxmlformats.org/officeDocument/2006/customXml" ds:itemID="{0528A286-A886-44B4-83F4-74AD2938C84C}">
+<ds:datastoreItem xmlns:ds="http://schemas.openxmlformats.org/officeDocument/2006/customXml" ds:itemID="{17538D35-C249-488E-A9BC-461699AEA216}">
   <ds:schemaRefs>
-    <ds:schemaRef ds:uri="http://purl.org/dc/dcmitype/"/>
-    <ds:schemaRef ds:uri="http://www.w3.org/XML/1998/namespace"/>
-    <ds:schemaRef ds:uri="http://purl.org/dc/elements/1.1/"/>
-    <ds:schemaRef ds:uri="http://purl.org/dc/terms/"/>
-    <ds:schemaRef ds:uri="http://schemas.microsoft.com/office/2006/documentManagement/types"/>
-    <ds:schemaRef ds:uri="b44faf35-7aab-4d02-b9d6-867910cf39af"/>
-    <ds:schemaRef ds:uri="http://schemas.microsoft.com/office/infopath/2007/PartnerControls"/>
-    <ds:schemaRef ds:uri="http://schemas.openxmlformats.org/package/2006/metadata/core-properties"/>
-    <ds:schemaRef ds:uri="5a67cfbd-6809-4e89-95f0-bd42273b8b6a"/>
-    <ds:schemaRef ds:uri="http://schemas.microsoft.com/office/2006/metadata/properties"/>
+    <ds:schemaRef ds:uri="http://schemas.microsoft.com/sharepoint/v3/contenttype/forms"/>
   </ds:schemaRefs>
 </ds:datastoreItem>
 </file>
--- a/造酒翔・三瓶眞.pptx
+++ b/造酒翔・三瓶眞.pptx
@@ -11,9 +11,10 @@
     <p:sldId id="269" r:id="rId8"/>
     <p:sldId id="264" r:id="rId9"/>
     <p:sldId id="263" r:id="rId10"/>
-    <p:sldId id="270" r:id="rId11"/>
-    <p:sldId id="266" r:id="rId12"/>
-    <p:sldId id="267" r:id="rId13"/>
+    <p:sldId id="271" r:id="rId11"/>
+    <p:sldId id="270" r:id="rId12"/>
+    <p:sldId id="266" r:id="rId13"/>
+    <p:sldId id="267" r:id="rId14"/>
   </p:sldIdLst>
   <p:sldSz cx="12192000" cy="6858000"/>
   <p:notesSz cx="6858000" cy="9144000"/>
@@ -4119,6 +4120,11 @@
             <a:lumMod val="65000"/>
           </a:schemeClr>
         </a:solidFill>
+        <a:ln w="38100">
+          <a:solidFill>
+            <a:schemeClr val="bg1"/>
+          </a:solidFill>
+        </a:ln>
         <a:effectLst>
           <a:outerShdw blurRad="50800" dist="38100" dir="2700000" algn="tl" rotWithShape="0">
             <a:prstClr val="black">
@@ -5294,14 +5300,9 @@
             <a:lumMod val="65000"/>
           </a:schemeClr>
         </a:solidFill>
-        <a:ln w="12700" cap="flat" cmpd="sng" algn="ctr">
+        <a:ln w="38100" cap="flat" cmpd="sng" algn="ctr">
           <a:solidFill>
-            <a:schemeClr val="lt1">
-              <a:hueOff val="0"/>
-              <a:satOff val="0"/>
-              <a:lumOff val="0"/>
-              <a:alphaOff val="0"/>
-            </a:schemeClr>
+            <a:schemeClr val="bg1"/>
           </a:solidFill>
           <a:prstDash val="solid"/>
           <a:miter lim="800000"/>
@@ -16998,6 +16999,405 @@
 </p:sld>
 </file>
 
+<file path=ppt/slides/slide10.xml><?xml version="1.0" encoding="utf-8"?>
+<p:sld xmlns:a="http://schemas.openxmlformats.org/drawingml/2006/main" xmlns:r="http://schemas.openxmlformats.org/officeDocument/2006/relationships" xmlns:p="http://schemas.openxmlformats.org/presentationml/2006/main">
+  <p:cSld>
+    <p:spTree>
+      <p:nvGrpSpPr>
+        <p:cNvPr id="1" name=""/>
+        <p:cNvGrpSpPr/>
+        <p:nvPr/>
+      </p:nvGrpSpPr>
+      <p:grpSpPr>
+        <a:xfrm>
+          <a:off x="0" y="0"/>
+          <a:ext cx="0" cy="0"/>
+          <a:chOff x="0" y="0"/>
+          <a:chExt cx="0" cy="0"/>
+        </a:xfrm>
+      </p:grpSpPr>
+      <p:sp>
+        <p:nvSpPr>
+          <p:cNvPr id="2" name="タイトル 1">
+            <a:extLst>
+              <a:ext uri="{FF2B5EF4-FFF2-40B4-BE49-F238E27FC236}">
+                <a16:creationId xmlns:a16="http://schemas.microsoft.com/office/drawing/2014/main" id="{7E867325-0DCC-20E6-C182-371858E3F0A5}"/>
+              </a:ext>
+            </a:extLst>
+          </p:cNvPr>
+          <p:cNvSpPr>
+            <a:spLocks noGrp="1"/>
+          </p:cNvSpPr>
+          <p:nvPr>
+            <p:ph type="title"/>
+          </p:nvPr>
+        </p:nvSpPr>
+        <p:spPr>
+          <a:xfrm>
+            <a:off x="1590861" y="2766218"/>
+            <a:ext cx="9010277" cy="1325563"/>
+          </a:xfrm>
+        </p:spPr>
+        <p:txBody>
+          <a:bodyPr/>
+          <a:lstStyle/>
+          <a:p>
+            <a:r>
+              <a:rPr kumimoji="1" lang="ja-JP" altLang="en-US" sz="4800" b="1" dirty="0">
+                <a:solidFill>
+                  <a:schemeClr val="tx1">
+                    <a:lumMod val="50000"/>
+                    <a:lumOff val="50000"/>
+                  </a:schemeClr>
+                </a:solidFill>
+              </a:rPr>
+              <a:t>ご清聴ありがとうございました</a:t>
+            </a:r>
+          </a:p>
+        </p:txBody>
+      </p:sp>
+    </p:spTree>
+    <p:extLst>
+      <p:ext uri="{BB962C8B-B14F-4D97-AF65-F5344CB8AC3E}">
+        <p14:creationId xmlns:p14="http://schemas.microsoft.com/office/powerpoint/2010/main" val="1085724171"/>
+      </p:ext>
+    </p:extLst>
+  </p:cSld>
+  <p:clrMapOvr>
+    <a:masterClrMapping/>
+  </p:clrMapOvr>
+  <p:timing>
+    <p:tnLst>
+      <p:par>
+        <p:cTn id="1" dur="indefinite" restart="never" nodeType="tmRoot">
+          <p:childTnLst>
+            <p:seq concurrent="1" nextAc="seek">
+              <p:cTn id="2" dur="indefinite" nodeType="mainSeq">
+                <p:childTnLst>
+                  <p:par>
+                    <p:cTn id="3" fill="hold">
+                      <p:stCondLst>
+                        <p:cond delay="indefinite"/>
+                      </p:stCondLst>
+                      <p:childTnLst>
+                        <p:par>
+                          <p:cTn id="4" fill="hold">
+                            <p:stCondLst>
+                              <p:cond delay="0"/>
+                            </p:stCondLst>
+                            <p:childTnLst>
+                              <p:par>
+                                <p:cTn id="5" presetID="26" presetClass="entr" presetSubtype="0" fill="hold" grpId="0" nodeType="clickEffect">
+                                  <p:stCondLst>
+                                    <p:cond delay="0"/>
+                                  </p:stCondLst>
+                                  <p:childTnLst>
+                                    <p:set>
+                                      <p:cBhvr>
+                                        <p:cTn id="6" dur="1" fill="hold">
+                                          <p:stCondLst>
+                                            <p:cond delay="0"/>
+                                          </p:stCondLst>
+                                        </p:cTn>
+                                        <p:tgtEl>
+                                          <p:spTgt spid="2"/>
+                                        </p:tgtEl>
+                                        <p:attrNameLst>
+                                          <p:attrName>style.visibility</p:attrName>
+                                        </p:attrNameLst>
+                                      </p:cBhvr>
+                                      <p:to>
+                                        <p:strVal val="visible"/>
+                                      </p:to>
+                                    </p:set>
+                                    <p:animEffect transition="in" filter="wipe(down)">
+                                      <p:cBhvr>
+                                        <p:cTn id="7" dur="580">
+                                          <p:stCondLst>
+                                            <p:cond delay="0"/>
+                                          </p:stCondLst>
+                                        </p:cTn>
+                                        <p:tgtEl>
+                                          <p:spTgt spid="2"/>
+                                        </p:tgtEl>
+                                      </p:cBhvr>
+                                    </p:animEffect>
+                                    <p:anim calcmode="lin" valueType="num">
+                                      <p:cBhvr>
+                                        <p:cTn id="8" dur="1822" tmFilter="0,0; 0.14,0.36; 0.43,0.73; 0.71,0.91; 1.0,1.0">
+                                          <p:stCondLst>
+                                            <p:cond delay="0"/>
+                                          </p:stCondLst>
+                                        </p:cTn>
+                                        <p:tgtEl>
+                                          <p:spTgt spid="2"/>
+                                        </p:tgtEl>
+                                        <p:attrNameLst>
+                                          <p:attrName>ppt_x</p:attrName>
+                                        </p:attrNameLst>
+                                      </p:cBhvr>
+                                      <p:tavLst>
+                                        <p:tav tm="0">
+                                          <p:val>
+                                            <p:strVal val="#ppt_x-0.25"/>
+                                          </p:val>
+                                        </p:tav>
+                                        <p:tav tm="100000">
+                                          <p:val>
+                                            <p:strVal val="#ppt_x"/>
+                                          </p:val>
+                                        </p:tav>
+                                      </p:tavLst>
+                                    </p:anim>
+                                    <p:anim calcmode="lin" valueType="num">
+                                      <p:cBhvr>
+                                        <p:cTn id="9" dur="664" tmFilter="0.0,0.0; 0.25,0.07; 0.50,0.2; 0.75,0.467; 1.0,1.0">
+                                          <p:stCondLst>
+                                            <p:cond delay="0"/>
+                                          </p:stCondLst>
+                                        </p:cTn>
+                                        <p:tgtEl>
+                                          <p:spTgt spid="2"/>
+                                        </p:tgtEl>
+                                        <p:attrNameLst>
+                                          <p:attrName>ppt_y</p:attrName>
+                                        </p:attrNameLst>
+                                      </p:cBhvr>
+                                      <p:tavLst>
+                                        <p:tav tm="0" fmla="#ppt_y-sin(pi*$)/3">
+                                          <p:val>
+                                            <p:fltVal val="0.5"/>
+                                          </p:val>
+                                        </p:tav>
+                                        <p:tav tm="100000">
+                                          <p:val>
+                                            <p:fltVal val="1"/>
+                                          </p:val>
+                                        </p:tav>
+                                      </p:tavLst>
+                                    </p:anim>
+                                    <p:anim calcmode="lin" valueType="num">
+                                      <p:cBhvr>
+                                        <p:cTn id="10" dur="664" tmFilter="0, 0; 0.125,0.2665; 0.25,0.4; 0.375,0.465; 0.5,0.5;  0.625,0.535; 0.75,0.6; 0.875,0.7335; 1,1">
+                                          <p:stCondLst>
+                                            <p:cond delay="664"/>
+                                          </p:stCondLst>
+                                        </p:cTn>
+                                        <p:tgtEl>
+                                          <p:spTgt spid="2"/>
+                                        </p:tgtEl>
+                                        <p:attrNameLst>
+                                          <p:attrName>ppt_y</p:attrName>
+                                        </p:attrNameLst>
+                                      </p:cBhvr>
+                                      <p:tavLst>
+                                        <p:tav tm="0" fmla="#ppt_y-sin(pi*$)/9">
+                                          <p:val>
+                                            <p:fltVal val="0"/>
+                                          </p:val>
+                                        </p:tav>
+                                        <p:tav tm="100000">
+                                          <p:val>
+                                            <p:fltVal val="1"/>
+                                          </p:val>
+                                        </p:tav>
+                                      </p:tavLst>
+                                    </p:anim>
+                                    <p:anim calcmode="lin" valueType="num">
+                                      <p:cBhvr>
+                                        <p:cTn id="11" dur="332" tmFilter="0, 0; 0.125,0.2665; 0.25,0.4; 0.375,0.465; 0.5,0.5;  0.625,0.535; 0.75,0.6; 0.875,0.7335; 1,1">
+                                          <p:stCondLst>
+                                            <p:cond delay="1324"/>
+                                          </p:stCondLst>
+                                        </p:cTn>
+                                        <p:tgtEl>
+                                          <p:spTgt spid="2"/>
+                                        </p:tgtEl>
+                                        <p:attrNameLst>
+                                          <p:attrName>ppt_y</p:attrName>
+                                        </p:attrNameLst>
+                                      </p:cBhvr>
+                                      <p:tavLst>
+                                        <p:tav tm="0" fmla="#ppt_y-sin(pi*$)/27">
+                                          <p:val>
+                                            <p:fltVal val="0"/>
+                                          </p:val>
+                                        </p:tav>
+                                        <p:tav tm="100000">
+                                          <p:val>
+                                            <p:fltVal val="1"/>
+                                          </p:val>
+                                        </p:tav>
+                                      </p:tavLst>
+                                    </p:anim>
+                                    <p:anim calcmode="lin" valueType="num">
+                                      <p:cBhvr>
+                                        <p:cTn id="12" dur="164" tmFilter="0, 0; 0.125,0.2665; 0.25,0.4; 0.375,0.465; 0.5,0.5;  0.625,0.535; 0.75,0.6; 0.875,0.7335; 1,1">
+                                          <p:stCondLst>
+                                            <p:cond delay="1656"/>
+                                          </p:stCondLst>
+                                        </p:cTn>
+                                        <p:tgtEl>
+                                          <p:spTgt spid="2"/>
+                                        </p:tgtEl>
+                                        <p:attrNameLst>
+                                          <p:attrName>ppt_y</p:attrName>
+                                        </p:attrNameLst>
+                                      </p:cBhvr>
+                                      <p:tavLst>
+                                        <p:tav tm="0" fmla="#ppt_y-sin(pi*$)/81">
+                                          <p:val>
+                                            <p:fltVal val="0"/>
+                                          </p:val>
+                                        </p:tav>
+                                        <p:tav tm="100000">
+                                          <p:val>
+                                            <p:fltVal val="1"/>
+                                          </p:val>
+                                        </p:tav>
+                                      </p:tavLst>
+                                    </p:anim>
+                                    <p:animScale>
+                                      <p:cBhvr>
+                                        <p:cTn id="13" dur="26">
+                                          <p:stCondLst>
+                                            <p:cond delay="650"/>
+                                          </p:stCondLst>
+                                        </p:cTn>
+                                        <p:tgtEl>
+                                          <p:spTgt spid="2"/>
+                                        </p:tgtEl>
+                                      </p:cBhvr>
+                                      <p:to x="100000" y="60000"/>
+                                    </p:animScale>
+                                    <p:animScale>
+                                      <p:cBhvr>
+                                        <p:cTn id="14" dur="166" decel="50000">
+                                          <p:stCondLst>
+                                            <p:cond delay="676"/>
+                                          </p:stCondLst>
+                                        </p:cTn>
+                                        <p:tgtEl>
+                                          <p:spTgt spid="2"/>
+                                        </p:tgtEl>
+                                      </p:cBhvr>
+                                      <p:to x="100000" y="100000"/>
+                                    </p:animScale>
+                                    <p:animScale>
+                                      <p:cBhvr>
+                                        <p:cTn id="15" dur="26">
+                                          <p:stCondLst>
+                                            <p:cond delay="1312"/>
+                                          </p:stCondLst>
+                                        </p:cTn>
+                                        <p:tgtEl>
+                                          <p:spTgt spid="2"/>
+                                        </p:tgtEl>
+                                      </p:cBhvr>
+                                      <p:to x="100000" y="80000"/>
+                                    </p:animScale>
+                                    <p:animScale>
+                                      <p:cBhvr>
+                                        <p:cTn id="16" dur="166" decel="50000">
+                                          <p:stCondLst>
+                                            <p:cond delay="1338"/>
+                                          </p:stCondLst>
+                                        </p:cTn>
+                                        <p:tgtEl>
+                                          <p:spTgt spid="2"/>
+                                        </p:tgtEl>
+                                      </p:cBhvr>
+                                      <p:to x="100000" y="100000"/>
+                                    </p:animScale>
+                                    <p:animScale>
+                                      <p:cBhvr>
+                                        <p:cTn id="17" dur="26">
+                                          <p:stCondLst>
+                                            <p:cond delay="1642"/>
+                                          </p:stCondLst>
+                                        </p:cTn>
+                                        <p:tgtEl>
+                                          <p:spTgt spid="2"/>
+                                        </p:tgtEl>
+                                      </p:cBhvr>
+                                      <p:to x="100000" y="90000"/>
+                                    </p:animScale>
+                                    <p:animScale>
+                                      <p:cBhvr>
+                                        <p:cTn id="18" dur="166" decel="50000">
+                                          <p:stCondLst>
+                                            <p:cond delay="1668"/>
+                                          </p:stCondLst>
+                                        </p:cTn>
+                                        <p:tgtEl>
+                                          <p:spTgt spid="2"/>
+                                        </p:tgtEl>
+                                      </p:cBhvr>
+                                      <p:to x="100000" y="100000"/>
+                                    </p:animScale>
+                                    <p:animScale>
+                                      <p:cBhvr>
+                                        <p:cTn id="19" dur="26">
+                                          <p:stCondLst>
+                                            <p:cond delay="1808"/>
+                                          </p:stCondLst>
+                                        </p:cTn>
+                                        <p:tgtEl>
+                                          <p:spTgt spid="2"/>
+                                        </p:tgtEl>
+                                      </p:cBhvr>
+                                      <p:to x="100000" y="95000"/>
+                                    </p:animScale>
+                                    <p:animScale>
+                                      <p:cBhvr>
+                                        <p:cTn id="20" dur="166" decel="50000">
+                                          <p:stCondLst>
+                                            <p:cond delay="1834"/>
+                                          </p:stCondLst>
+                                        </p:cTn>
+                                        <p:tgtEl>
+                                          <p:spTgt spid="2"/>
+                                        </p:tgtEl>
+                                      </p:cBhvr>
+                                      <p:to x="100000" y="100000"/>
+                                    </p:animScale>
+                                  </p:childTnLst>
+                                </p:cTn>
+                              </p:par>
+                            </p:childTnLst>
+                          </p:cTn>
+                        </p:par>
+                      </p:childTnLst>
+                    </p:cTn>
+                  </p:par>
+                </p:childTnLst>
+              </p:cTn>
+              <p:prevCondLst>
+                <p:cond evt="onPrev" delay="0">
+                  <p:tgtEl>
+                    <p:sldTgt/>
+                  </p:tgtEl>
+                </p:cond>
+              </p:prevCondLst>
+              <p:nextCondLst>
+                <p:cond evt="onNext" delay="0">
+                  <p:tgtEl>
+                    <p:sldTgt/>
+                  </p:tgtEl>
+                </p:cond>
+              </p:nextCondLst>
+            </p:seq>
+          </p:childTnLst>
+        </p:cTn>
+      </p:par>
+    </p:tnLst>
+    <p:bldLst>
+      <p:bldP spid="2" grpId="0"/>
+    </p:bldLst>
+  </p:timing>
+</p:sld>
+</file>
+
 <file path=ppt/slides/slide2.xml><?xml version="1.0" encoding="utf-8"?>
 <p:sld xmlns:a="http://schemas.openxmlformats.org/drawingml/2006/main" xmlns:r="http://schemas.openxmlformats.org/officeDocument/2006/relationships" xmlns:p="http://schemas.openxmlformats.org/presentationml/2006/main">
   <p:cSld>
@@ -17015,6 +17415,63 @@
           <a:chExt cx="0" cy="0"/>
         </a:xfrm>
       </p:grpSpPr>
+      <p:sp>
+        <p:nvSpPr>
+          <p:cNvPr id="4" name="正方形/長方形 3">
+            <a:extLst>
+              <a:ext uri="{FF2B5EF4-FFF2-40B4-BE49-F238E27FC236}">
+                <a16:creationId xmlns:a16="http://schemas.microsoft.com/office/drawing/2014/main" id="{9BC5299D-8210-7A83-D09C-FDE702E12C4C}"/>
+              </a:ext>
+            </a:extLst>
+          </p:cNvPr>
+          <p:cNvSpPr/>
+          <p:nvPr/>
+        </p:nvSpPr>
+        <p:spPr>
+          <a:xfrm>
+            <a:off x="7898296" y="5299251"/>
+            <a:ext cx="4194313" cy="1499114"/>
+          </a:xfrm>
+          <a:prstGeom prst="rect">
+            <a:avLst/>
+          </a:prstGeom>
+          <a:solidFill>
+            <a:schemeClr val="bg1"/>
+          </a:solidFill>
+          <a:ln w="28575">
+            <a:solidFill>
+              <a:schemeClr val="tx1">
+                <a:lumMod val="50000"/>
+                <a:lumOff val="50000"/>
+              </a:schemeClr>
+            </a:solidFill>
+          </a:ln>
+        </p:spPr>
+        <p:style>
+          <a:lnRef idx="2">
+            <a:schemeClr val="accent1">
+              <a:shade val="15000"/>
+            </a:schemeClr>
+          </a:lnRef>
+          <a:fillRef idx="1">
+            <a:schemeClr val="accent1"/>
+          </a:fillRef>
+          <a:effectRef idx="0">
+            <a:schemeClr val="accent1"/>
+          </a:effectRef>
+          <a:fontRef idx="minor">
+            <a:schemeClr val="lt1"/>
+          </a:fontRef>
+        </p:style>
+        <p:txBody>
+          <a:bodyPr rtlCol="0" anchor="ctr"/>
+          <a:lstStyle/>
+          <a:p>
+            <a:pPr algn="ctr"/>
+            <a:endParaRPr kumimoji="1" lang="ja-JP" altLang="en-US"/>
+          </a:p>
+        </p:txBody>
+      </p:sp>
       <p:sp>
         <p:nvSpPr>
           <p:cNvPr id="2" name="タイトル 1">
@@ -17073,13 +17530,13 @@
             <p:ph idx="1"/>
             <p:extLst>
               <p:ext uri="{D42A27DB-BD31-4B8C-83A1-F6EECF244321}">
-                <p14:modId xmlns:p14="http://schemas.microsoft.com/office/powerpoint/2010/main" val="1609492623"/>
+                <p14:modId xmlns:p14="http://schemas.microsoft.com/office/powerpoint/2010/main" val="708953015"/>
               </p:ext>
             </p:extLst>
           </p:nvPr>
         </p:nvGraphicFramePr>
         <p:xfrm>
-          <a:off x="2378764" y="1850297"/>
+          <a:off x="2378764" y="1558749"/>
           <a:ext cx="7434472" cy="5540976"/>
         </p:xfrm>
         <a:graphic>
@@ -17088,6 +17545,371 @@
           </a:graphicData>
         </a:graphic>
       </p:graphicFrame>
+      <p:sp>
+        <p:nvSpPr>
+          <p:cNvPr id="3" name="テキスト ボックス 2">
+            <a:extLst>
+              <a:ext uri="{FF2B5EF4-FFF2-40B4-BE49-F238E27FC236}">
+                <a16:creationId xmlns:a16="http://schemas.microsoft.com/office/drawing/2014/main" id="{6675E125-CDF4-E8DA-53E8-AD0C1D14457F}"/>
+              </a:ext>
+            </a:extLst>
+          </p:cNvPr>
+          <p:cNvSpPr txBox="1"/>
+          <p:nvPr/>
+        </p:nvSpPr>
+        <p:spPr>
+          <a:xfrm>
+            <a:off x="7898296" y="5321037"/>
+            <a:ext cx="4186235" cy="1477328"/>
+          </a:xfrm>
+          <a:prstGeom prst="rect">
+            <a:avLst/>
+          </a:prstGeom>
+          <a:noFill/>
+        </p:spPr>
+        <p:txBody>
+          <a:bodyPr wrap="square" rtlCol="0">
+            <a:spAutoFit/>
+          </a:bodyPr>
+          <a:lstStyle/>
+          <a:p>
+            <a:r>
+              <a:rPr lang="ja-JP" altLang="en-US" b="1" i="0" dirty="0">
+                <a:solidFill>
+                  <a:schemeClr val="tx1">
+                    <a:lumMod val="50000"/>
+                    <a:lumOff val="50000"/>
+                  </a:schemeClr>
+                </a:solidFill>
+                <a:effectLst/>
+                <a:latin typeface="Google Sans"/>
+              </a:rPr>
+              <a:t>データベース管理システム（</a:t>
+            </a:r>
+            <a:r>
+              <a:rPr lang="en-US" altLang="ja-JP" b="1" i="0" dirty="0">
+                <a:solidFill>
+                  <a:schemeClr val="tx1">
+                    <a:lumMod val="50000"/>
+                    <a:lumOff val="50000"/>
+                  </a:schemeClr>
+                </a:solidFill>
+                <a:effectLst/>
+                <a:latin typeface="Google Sans"/>
+              </a:rPr>
+              <a:t>DBRS</a:t>
+            </a:r>
+            <a:r>
+              <a:rPr lang="ja-JP" altLang="en-US" b="1" i="0" dirty="0">
+                <a:solidFill>
+                  <a:schemeClr val="tx1">
+                    <a:lumMod val="50000"/>
+                    <a:lumOff val="50000"/>
+                  </a:schemeClr>
+                </a:solidFill>
+                <a:effectLst/>
+                <a:latin typeface="Google Sans"/>
+              </a:rPr>
+              <a:t>）に</a:t>
+            </a:r>
+            <a:endParaRPr lang="en-US" altLang="ja-JP" b="1" i="0" dirty="0">
+              <a:solidFill>
+                <a:schemeClr val="tx1">
+                  <a:lumMod val="50000"/>
+                  <a:lumOff val="50000"/>
+                </a:schemeClr>
+              </a:solidFill>
+              <a:effectLst/>
+              <a:latin typeface="Google Sans"/>
+            </a:endParaRPr>
+          </a:p>
+          <a:p>
+            <a:r>
+              <a:rPr lang="ja-JP" altLang="en-US" b="1" i="0" dirty="0">
+                <a:solidFill>
+                  <a:schemeClr val="tx1">
+                    <a:lumMod val="50000"/>
+                    <a:lumOff val="50000"/>
+                  </a:schemeClr>
+                </a:solidFill>
+                <a:effectLst/>
+                <a:latin typeface="Google Sans"/>
+              </a:rPr>
+              <a:t>必要な</a:t>
+            </a:r>
+            <a:r>
+              <a:rPr lang="en-US" altLang="ja-JP" b="1" i="0" dirty="0">
+                <a:solidFill>
+                  <a:schemeClr val="tx1">
+                    <a:lumMod val="50000"/>
+                    <a:lumOff val="50000"/>
+                  </a:schemeClr>
+                </a:solidFill>
+                <a:effectLst/>
+                <a:latin typeface="Google Sans"/>
+              </a:rPr>
+              <a:t>4</a:t>
+            </a:r>
+            <a:r>
+              <a:rPr lang="ja-JP" altLang="en-US" b="1" i="0" dirty="0">
+                <a:solidFill>
+                  <a:schemeClr val="tx1">
+                    <a:lumMod val="50000"/>
+                    <a:lumOff val="50000"/>
+                  </a:schemeClr>
+                </a:solidFill>
+                <a:effectLst/>
+                <a:latin typeface="Google Sans"/>
+              </a:rPr>
+              <a:t>つの主な機能</a:t>
+            </a:r>
+            <a:endParaRPr lang="en-US" altLang="ja-JP" b="1" i="0" dirty="0">
+              <a:solidFill>
+                <a:schemeClr val="tx1">
+                  <a:lumMod val="50000"/>
+                  <a:lumOff val="50000"/>
+                </a:schemeClr>
+              </a:solidFill>
+              <a:effectLst/>
+              <a:latin typeface="Google Sans"/>
+            </a:endParaRPr>
+          </a:p>
+          <a:p>
+            <a:r>
+              <a:rPr lang="ja-JP" altLang="en-US" b="1" i="0" dirty="0">
+                <a:solidFill>
+                  <a:schemeClr val="tx1">
+                    <a:lumMod val="50000"/>
+                    <a:lumOff val="50000"/>
+                  </a:schemeClr>
+                </a:solidFill>
+                <a:effectLst/>
+                <a:latin typeface="Google Sans"/>
+              </a:rPr>
+              <a:t>作成（</a:t>
+            </a:r>
+            <a:r>
+              <a:rPr lang="en-US" altLang="ja-JP" b="1" i="0" dirty="0">
+                <a:solidFill>
+                  <a:schemeClr val="tx1">
+                    <a:lumMod val="50000"/>
+                    <a:lumOff val="50000"/>
+                  </a:schemeClr>
+                </a:solidFill>
+                <a:effectLst/>
+                <a:latin typeface="Google Sans"/>
+              </a:rPr>
+              <a:t>Create</a:t>
+            </a:r>
+            <a:r>
+              <a:rPr lang="ja-JP" altLang="en-US" b="1" i="0" dirty="0">
+                <a:solidFill>
+                  <a:schemeClr val="tx1">
+                    <a:lumMod val="50000"/>
+                    <a:lumOff val="50000"/>
+                  </a:schemeClr>
+                </a:solidFill>
+                <a:effectLst/>
+                <a:latin typeface="Google Sans"/>
+              </a:rPr>
+              <a:t>）</a:t>
+            </a:r>
+            <a:r>
+              <a:rPr lang="en-US" altLang="ja-JP" b="1" i="0" dirty="0">
+                <a:solidFill>
+                  <a:schemeClr val="tx1">
+                    <a:lumMod val="50000"/>
+                    <a:lumOff val="50000"/>
+                  </a:schemeClr>
+                </a:solidFill>
+                <a:effectLst/>
+                <a:latin typeface="Google Sans"/>
+              </a:rPr>
+              <a:t>, </a:t>
+            </a:r>
+            <a:r>
+              <a:rPr lang="ja-JP" altLang="en-US" b="1" i="0" dirty="0">
+                <a:solidFill>
+                  <a:schemeClr val="tx1">
+                    <a:lumMod val="50000"/>
+                    <a:lumOff val="50000"/>
+                  </a:schemeClr>
+                </a:solidFill>
+                <a:effectLst/>
+                <a:latin typeface="Google Sans"/>
+              </a:rPr>
+              <a:t>読み出し（</a:t>
+            </a:r>
+            <a:r>
+              <a:rPr lang="en-US" altLang="ja-JP" b="1" i="0" dirty="0">
+                <a:solidFill>
+                  <a:schemeClr val="tx1">
+                    <a:lumMod val="50000"/>
+                    <a:lumOff val="50000"/>
+                  </a:schemeClr>
+                </a:solidFill>
+                <a:effectLst/>
+                <a:latin typeface="Google Sans"/>
+              </a:rPr>
+              <a:t>Read</a:t>
+            </a:r>
+            <a:r>
+              <a:rPr lang="ja-JP" altLang="en-US" b="1" i="0" dirty="0">
+                <a:solidFill>
+                  <a:schemeClr val="tx1">
+                    <a:lumMod val="50000"/>
+                    <a:lumOff val="50000"/>
+                  </a:schemeClr>
+                </a:solidFill>
+                <a:effectLst/>
+                <a:latin typeface="Google Sans"/>
+              </a:rPr>
+              <a:t>）</a:t>
+            </a:r>
+            <a:r>
+              <a:rPr lang="en-US" altLang="ja-JP" b="1" i="0" dirty="0">
+                <a:solidFill>
+                  <a:schemeClr val="tx1">
+                    <a:lumMod val="50000"/>
+                    <a:lumOff val="50000"/>
+                  </a:schemeClr>
+                </a:solidFill>
+                <a:effectLst/>
+                <a:latin typeface="Google Sans"/>
+              </a:rPr>
+              <a:t>,</a:t>
+            </a:r>
+          </a:p>
+          <a:p>
+            <a:r>
+              <a:rPr lang="ja-JP" altLang="en-US" b="1" i="0" dirty="0">
+                <a:solidFill>
+                  <a:schemeClr val="tx1">
+                    <a:lumMod val="50000"/>
+                    <a:lumOff val="50000"/>
+                  </a:schemeClr>
+                </a:solidFill>
+                <a:effectLst/>
+                <a:latin typeface="Google Sans"/>
+              </a:rPr>
+              <a:t>更新（</a:t>
+            </a:r>
+            <a:r>
+              <a:rPr lang="en-US" altLang="ja-JP" b="1" i="0" dirty="0">
+                <a:solidFill>
+                  <a:schemeClr val="tx1">
+                    <a:lumMod val="50000"/>
+                    <a:lumOff val="50000"/>
+                  </a:schemeClr>
+                </a:solidFill>
+                <a:effectLst/>
+                <a:latin typeface="Google Sans"/>
+              </a:rPr>
+              <a:t>Update</a:t>
+            </a:r>
+            <a:r>
+              <a:rPr lang="ja-JP" altLang="en-US" b="1" i="0" dirty="0">
+                <a:solidFill>
+                  <a:schemeClr val="tx1">
+                    <a:lumMod val="50000"/>
+                    <a:lumOff val="50000"/>
+                  </a:schemeClr>
+                </a:solidFill>
+                <a:effectLst/>
+                <a:latin typeface="Google Sans"/>
+              </a:rPr>
+              <a:t>）</a:t>
+            </a:r>
+            <a:r>
+              <a:rPr lang="en-US" altLang="ja-JP" b="1" dirty="0">
+                <a:solidFill>
+                  <a:schemeClr val="tx1">
+                    <a:lumMod val="50000"/>
+                    <a:lumOff val="50000"/>
+                  </a:schemeClr>
+                </a:solidFill>
+                <a:latin typeface="Google Sans"/>
+              </a:rPr>
+              <a:t>, </a:t>
+            </a:r>
+            <a:r>
+              <a:rPr lang="ja-JP" altLang="en-US" b="1" i="0" dirty="0">
+                <a:solidFill>
+                  <a:schemeClr val="tx1">
+                    <a:lumMod val="50000"/>
+                    <a:lumOff val="50000"/>
+                  </a:schemeClr>
+                </a:solidFill>
+                <a:effectLst/>
+                <a:latin typeface="Google Sans"/>
+              </a:rPr>
+              <a:t>削除（</a:t>
+            </a:r>
+            <a:r>
+              <a:rPr lang="en-US" altLang="ja-JP" b="1" i="0" dirty="0">
+                <a:solidFill>
+                  <a:schemeClr val="tx1">
+                    <a:lumMod val="50000"/>
+                    <a:lumOff val="50000"/>
+                  </a:schemeClr>
+                </a:solidFill>
+                <a:effectLst/>
+                <a:latin typeface="Google Sans"/>
+              </a:rPr>
+              <a:t>Delete</a:t>
+            </a:r>
+            <a:r>
+              <a:rPr lang="ja-JP" altLang="en-US" b="1" i="0" dirty="0">
+                <a:solidFill>
+                  <a:schemeClr val="tx1">
+                    <a:lumMod val="50000"/>
+                    <a:lumOff val="50000"/>
+                  </a:schemeClr>
+                </a:solidFill>
+                <a:effectLst/>
+                <a:latin typeface="Google Sans"/>
+              </a:rPr>
+              <a:t>）</a:t>
+            </a:r>
+            <a:r>
+              <a:rPr lang="en-US" altLang="ja-JP" b="1" i="0" dirty="0">
+                <a:solidFill>
+                  <a:schemeClr val="tx1">
+                    <a:lumMod val="50000"/>
+                    <a:lumOff val="50000"/>
+                  </a:schemeClr>
+                </a:solidFill>
+                <a:effectLst/>
+                <a:latin typeface="Google Sans"/>
+              </a:rPr>
+              <a:t>,</a:t>
+            </a:r>
+          </a:p>
+          <a:p>
+            <a:r>
+              <a:rPr lang="ja-JP" altLang="en-US" b="1" i="0" dirty="0">
+                <a:solidFill>
+                  <a:schemeClr val="tx1">
+                    <a:lumMod val="50000"/>
+                    <a:lumOff val="50000"/>
+                  </a:schemeClr>
+                </a:solidFill>
+                <a:effectLst/>
+                <a:latin typeface="Google Sans"/>
+              </a:rPr>
+              <a:t>をそれぞれ頭文字で表したもの</a:t>
+            </a:r>
+            <a:endParaRPr kumimoji="1" lang="ja-JP" altLang="en-US" b="1" dirty="0">
+              <a:solidFill>
+                <a:schemeClr val="tx1">
+                  <a:lumMod val="50000"/>
+                  <a:lumOff val="50000"/>
+                </a:schemeClr>
+              </a:solidFill>
+            </a:endParaRPr>
+          </a:p>
+        </p:txBody>
+      </p:sp>
     </p:spTree>
     <p:extLst>
       <p:ext uri="{BB962C8B-B14F-4D97-AF65-F5344CB8AC3E}">
@@ -17823,8 +18645,8 @@
         </p:nvSpPr>
         <p:spPr>
           <a:xfrm>
-            <a:off x="1677583" y="2309192"/>
-            <a:ext cx="8836834" cy="3985592"/>
+            <a:off x="1641527" y="2015761"/>
+            <a:ext cx="9036800" cy="3985592"/>
           </a:xfrm>
         </p:spPr>
         <p:txBody>
@@ -17841,7 +18663,7 @@
               <a:buNone/>
             </a:pPr>
             <a:r>
-              <a:rPr lang="ja-JP" altLang="en-US" sz="3600" dirty="0">
+              <a:rPr lang="ja-JP" altLang="en-US" sz="3200" dirty="0">
                 <a:solidFill>
                   <a:schemeClr val="tx1">
                     <a:lumMod val="50000"/>
@@ -17852,15 +18674,7 @@
               <a:t>日本では</a:t>
             </a:r>
             <a:r>
-              <a:rPr lang="ja-JP" altLang="en-US" sz="3600" b="1" dirty="0">
-                <a:solidFill>
-                  <a:srgbClr val="D8DEE1"/>
-                </a:solidFill>
-              </a:rPr>
-              <a:t>１</a:t>
-            </a:r>
-            <a:r>
-              <a:rPr lang="ja-JP" altLang="en-US" sz="3600" b="1" dirty="0">
+              <a:rPr lang="en-US" altLang="ja-JP" sz="3200" dirty="0">
                 <a:solidFill>
                   <a:schemeClr val="tx1">
                     <a:lumMod val="50000"/>
@@ -17868,106 +18682,8 @@
                   </a:schemeClr>
                 </a:solidFill>
               </a:rPr>
-              <a:t>年間</a:t>
+              <a:t>…</a:t>
             </a:r>
-            <a:r>
-              <a:rPr lang="ja-JP" altLang="en-US" sz="3600" dirty="0">
-                <a:solidFill>
-                  <a:schemeClr val="tx1">
-                    <a:lumMod val="50000"/>
-                    <a:lumOff val="50000"/>
-                  </a:schemeClr>
-                </a:solidFill>
-              </a:rPr>
-              <a:t>で、</a:t>
-            </a:r>
-            <a:r>
-              <a:rPr lang="ja-JP" altLang="en-US" sz="3600" b="1" dirty="0">
-                <a:solidFill>
-                  <a:schemeClr val="tx1">
-                    <a:lumMod val="50000"/>
-                    <a:lumOff val="50000"/>
-                  </a:schemeClr>
-                </a:solidFill>
-              </a:rPr>
-              <a:t> 　　　　　　　　　　　　　　　　　　　　　　　　　　　　　　　　　　　　　　　　　　　　　　　　　　　　　　　　　　　　　　　　　　　　　　　　　　　　　　　　　　　　　約</a:t>
-            </a:r>
-            <a:r>
-              <a:rPr lang="en-US" altLang="ja-JP" sz="3600" b="1" dirty="0">
-                <a:solidFill>
-                  <a:srgbClr val="D8DEE1"/>
-                </a:solidFill>
-              </a:rPr>
-              <a:t>612</a:t>
-            </a:r>
-            <a:r>
-              <a:rPr lang="ja-JP" altLang="en-US" sz="3600" b="1" dirty="0">
-                <a:solidFill>
-                  <a:srgbClr val="D8DEE1"/>
-                </a:solidFill>
-              </a:rPr>
-              <a:t>万</a:t>
-            </a:r>
-            <a:r>
-              <a:rPr lang="ja-JP" altLang="en-US" sz="3600" b="1" dirty="0">
-                <a:solidFill>
-                  <a:schemeClr val="tx1">
-                    <a:lumMod val="50000"/>
-                    <a:lumOff val="50000"/>
-                  </a:schemeClr>
-                </a:solidFill>
-              </a:rPr>
-              <a:t>トン</a:t>
-            </a:r>
-            <a:r>
-              <a:rPr lang="ja-JP" altLang="en-US" sz="3600" dirty="0">
-                <a:solidFill>
-                  <a:schemeClr val="tx1">
-                    <a:lumMod val="50000"/>
-                    <a:lumOff val="50000"/>
-                  </a:schemeClr>
-                </a:solidFill>
-              </a:rPr>
-              <a:t>＝</a:t>
-            </a:r>
-            <a:r>
-              <a:rPr lang="ja-JP" altLang="en-US" sz="3600" b="1" dirty="0">
-                <a:solidFill>
-                  <a:schemeClr val="tx1">
-                    <a:lumMod val="50000"/>
-                    <a:lumOff val="50000"/>
-                  </a:schemeClr>
-                </a:solidFill>
-              </a:rPr>
-              <a:t>東京ドーム約</a:t>
-            </a:r>
-            <a:r>
-              <a:rPr lang="ja-JP" altLang="en-US" sz="3600" b="1" dirty="0">
-                <a:solidFill>
-                  <a:srgbClr val="D8DEE1"/>
-                </a:solidFill>
-              </a:rPr>
-              <a:t>５</a:t>
-            </a:r>
-            <a:r>
-              <a:rPr lang="ja-JP" altLang="en-US" sz="3600" b="1" dirty="0">
-                <a:solidFill>
-                  <a:schemeClr val="tx1">
-                    <a:lumMod val="50000"/>
-                    <a:lumOff val="50000"/>
-                  </a:schemeClr>
-                </a:solidFill>
-              </a:rPr>
-              <a:t>個分</a:t>
-            </a:r>
-            <a:endParaRPr lang="en-US" altLang="ja-JP" sz="3600" b="1" dirty="0">
-              <a:solidFill>
-                <a:schemeClr val="tx1">
-                  <a:lumMod val="50000"/>
-                  <a:lumOff val="50000"/>
-                </a:schemeClr>
-              </a:solidFill>
-            </a:endParaRPr>
           </a:p>
           <a:p>
             <a:pPr marL="0" indent="0">
@@ -17980,7 +18696,15 @@
               <a:buNone/>
             </a:pPr>
             <a:r>
-              <a:rPr lang="ja-JP" altLang="en-US" sz="3600" dirty="0">
+              <a:rPr lang="ja-JP" altLang="en-US" sz="3200" b="1" dirty="0">
+                <a:solidFill>
+                  <a:srgbClr val="D8DEE1"/>
+                </a:solidFill>
+              </a:rPr>
+              <a:t>１</a:t>
+            </a:r>
+            <a:r>
+              <a:rPr lang="ja-JP" altLang="en-US" sz="3200" b="1" dirty="0">
                 <a:solidFill>
                   <a:schemeClr val="tx1">
                     <a:lumMod val="50000"/>
@@ -17988,29 +18712,10 @@
                   </a:schemeClr>
                 </a:solidFill>
               </a:rPr>
-              <a:t>食品ロスがあることに驚かされ、今回は</a:t>
+              <a:t>年間</a:t>
             </a:r>
-            <a:endParaRPr lang="en-US" altLang="ja-JP" sz="3600" dirty="0">
-              <a:solidFill>
-                <a:schemeClr val="tx1">
-                  <a:lumMod val="50000"/>
-                  <a:lumOff val="50000"/>
-                </a:schemeClr>
-              </a:solidFill>
-            </a:endParaRPr>
-          </a:p>
-          <a:p>
-            <a:pPr marL="0" indent="0">
-              <a:buClr>
-                <a:schemeClr val="tx1">
-                  <a:lumMod val="50000"/>
-                  <a:lumOff val="50000"/>
-                </a:schemeClr>
-              </a:buClr>
-              <a:buNone/>
-            </a:pPr>
             <a:r>
-              <a:rPr lang="ja-JP" altLang="en-US" sz="3600" dirty="0">
+              <a:rPr lang="ja-JP" altLang="en-US" sz="3200" dirty="0">
                 <a:solidFill>
                   <a:schemeClr val="tx1">
                     <a:lumMod val="50000"/>
@@ -18018,9 +18723,99 @@
                   </a:schemeClr>
                 </a:solidFill>
               </a:rPr>
-              <a:t>食品ロス削減アプリの作成に至りました</a:t>
+              <a:t>で</a:t>
             </a:r>
-            <a:endParaRPr lang="en-US" altLang="ja-JP" sz="3600" dirty="0">
+            <a:r>
+              <a:rPr lang="ja-JP" altLang="en-US" sz="3200" b="1" dirty="0">
+                <a:solidFill>
+                  <a:schemeClr val="tx1">
+                    <a:lumMod val="50000"/>
+                    <a:lumOff val="50000"/>
+                  </a:schemeClr>
+                </a:solidFill>
+              </a:rPr>
+              <a:t>約</a:t>
+            </a:r>
+            <a:r>
+              <a:rPr lang="en-US" altLang="ja-JP" sz="3200" b="1" dirty="0">
+                <a:solidFill>
+                  <a:srgbClr val="D8DEE1"/>
+                </a:solidFill>
+              </a:rPr>
+              <a:t>612</a:t>
+            </a:r>
+            <a:r>
+              <a:rPr lang="ja-JP" altLang="en-US" sz="3200" b="1" dirty="0">
+                <a:solidFill>
+                  <a:srgbClr val="D8DEE1"/>
+                </a:solidFill>
+              </a:rPr>
+              <a:t>万</a:t>
+            </a:r>
+            <a:r>
+              <a:rPr lang="ja-JP" altLang="en-US" sz="3200" b="1" dirty="0">
+                <a:solidFill>
+                  <a:schemeClr val="tx1">
+                    <a:lumMod val="50000"/>
+                    <a:lumOff val="50000"/>
+                  </a:schemeClr>
+                </a:solidFill>
+              </a:rPr>
+              <a:t>トン</a:t>
+            </a:r>
+            <a:r>
+              <a:rPr lang="ja-JP" altLang="en-US" sz="3200" dirty="0">
+                <a:solidFill>
+                  <a:schemeClr val="tx1">
+                    <a:lumMod val="50000"/>
+                    <a:lumOff val="50000"/>
+                  </a:schemeClr>
+                </a:solidFill>
+              </a:rPr>
+              <a:t>＝</a:t>
+            </a:r>
+            <a:r>
+              <a:rPr lang="ja-JP" altLang="en-US" sz="3200" b="1" dirty="0">
+                <a:solidFill>
+                  <a:schemeClr val="tx1">
+                    <a:lumMod val="50000"/>
+                    <a:lumOff val="50000"/>
+                  </a:schemeClr>
+                </a:solidFill>
+              </a:rPr>
+              <a:t>東京ドーム約</a:t>
+            </a:r>
+            <a:r>
+              <a:rPr lang="ja-JP" altLang="en-US" sz="3200" b="1" dirty="0">
+                <a:solidFill>
+                  <a:srgbClr val="D8DEE1"/>
+                </a:solidFill>
+              </a:rPr>
+              <a:t>５</a:t>
+            </a:r>
+            <a:r>
+              <a:rPr lang="ja-JP" altLang="en-US" sz="3200" b="1" dirty="0">
+                <a:solidFill>
+                  <a:schemeClr val="tx1">
+                    <a:lumMod val="50000"/>
+                    <a:lumOff val="50000"/>
+                  </a:schemeClr>
+                </a:solidFill>
+              </a:rPr>
+              <a:t>個分　　　　　　　　　　　　　　　　　　　　　　　　　　　　　　　　　　　　　　　　　　　　　　　　　　　　　　　　　　　　　　　　　　　　　　　　　</a:t>
+            </a:r>
+            <a:r>
+              <a:rPr lang="ja-JP" altLang="en-US" sz="3200" dirty="0">
+                <a:solidFill>
+                  <a:schemeClr val="tx1">
+                    <a:lumMod val="50000"/>
+                    <a:lumOff val="50000"/>
+                  </a:schemeClr>
+                </a:solidFill>
+              </a:rPr>
+              <a:t>食品ロスがあることに驚かされ、今後一人暮らしが始まり冷蔵庫内の管理うまくできず消費期限が過ぎてしまう状況が起きるのではないかと思い、最終目標としては　食品ロス削減アプリの作成に至りました。</a:t>
+            </a:r>
+            <a:endParaRPr lang="en-US" altLang="ja-JP" sz="3200" dirty="0">
               <a:solidFill>
                 <a:schemeClr val="tx1">
                   <a:lumMod val="50000"/>
@@ -18045,8 +18840,8 @@
         </p:nvSpPr>
         <p:spPr>
           <a:xfrm>
-            <a:off x="3584750" y="2444352"/>
-            <a:ext cx="630382" cy="1138773"/>
+            <a:off x="1679510" y="2813445"/>
+            <a:ext cx="630382" cy="584775"/>
           </a:xfrm>
           <a:prstGeom prst="rect">
             <a:avLst/>
@@ -18060,21 +18855,18 @@
           <a:lstStyle/>
           <a:p>
             <a:r>
-              <a:rPr lang="ja-JP" altLang="en-US" sz="3600" b="1" dirty="0">
+              <a:rPr lang="ja-JP" altLang="en-US" sz="3200" b="1" dirty="0">
                 <a:solidFill>
                   <a:schemeClr val="accent1"/>
                 </a:solidFill>
               </a:rPr>
               <a:t>１</a:t>
             </a:r>
-            <a:endParaRPr lang="en-US" altLang="ja-JP" sz="3600" b="1" dirty="0">
+            <a:endParaRPr lang="en-US" altLang="ja-JP" sz="3200" b="1" dirty="0">
               <a:solidFill>
                 <a:schemeClr val="accent1"/>
               </a:solidFill>
             </a:endParaRPr>
-          </a:p>
-          <a:p>
-            <a:endParaRPr kumimoji="1" lang="ja-JP" altLang="en-US" sz="3200" dirty="0"/>
           </a:p>
         </p:txBody>
       </p:sp>
@@ -18092,8 +18884,8 @@
         </p:nvSpPr>
         <p:spPr>
           <a:xfrm>
-            <a:off x="2073121" y="3057570"/>
-            <a:ext cx="1826820" cy="646331"/>
+            <a:off x="3608639" y="2813443"/>
+            <a:ext cx="1826820" cy="584775"/>
           </a:xfrm>
           <a:prstGeom prst="rect">
             <a:avLst/>
@@ -18108,7 +18900,7 @@
           <a:p>
             <a:pPr algn="ctr"/>
             <a:r>
-              <a:rPr lang="en-US" altLang="ja-JP" sz="3600" b="1" dirty="0">
+              <a:rPr lang="en-US" altLang="ja-JP" sz="3200" b="1" dirty="0">
                 <a:solidFill>
                   <a:schemeClr val="accent1"/>
                 </a:solidFill>
@@ -18116,14 +18908,14 @@
               <a:t>612</a:t>
             </a:r>
             <a:r>
-              <a:rPr lang="ja-JP" altLang="en-US" sz="3600" b="1" dirty="0">
+              <a:rPr lang="ja-JP" altLang="en-US" sz="3200" b="1" dirty="0">
                 <a:solidFill>
                   <a:schemeClr val="accent1"/>
                 </a:solidFill>
               </a:rPr>
               <a:t>万</a:t>
             </a:r>
-            <a:endParaRPr kumimoji="1" lang="ja-JP" altLang="en-US" sz="3600" dirty="0"/>
+            <a:endParaRPr kumimoji="1" lang="ja-JP" altLang="en-US" sz="3200" dirty="0"/>
           </a:p>
         </p:txBody>
       </p:sp>
@@ -18141,8 +18933,8 @@
         </p:nvSpPr>
         <p:spPr>
           <a:xfrm>
-            <a:off x="7811383" y="3076317"/>
-            <a:ext cx="540328" cy="646331"/>
+            <a:off x="8805296" y="2813444"/>
+            <a:ext cx="540328" cy="584775"/>
           </a:xfrm>
           <a:prstGeom prst="rect">
             <a:avLst/>
@@ -18156,14 +18948,14 @@
           <a:lstStyle/>
           <a:p>
             <a:r>
-              <a:rPr lang="ja-JP" altLang="en-US" sz="3600" b="1" dirty="0">
+              <a:rPr lang="ja-JP" altLang="en-US" sz="3200" b="1" dirty="0">
                 <a:solidFill>
                   <a:schemeClr val="accent1"/>
                 </a:solidFill>
               </a:rPr>
               <a:t>５</a:t>
             </a:r>
-            <a:endParaRPr kumimoji="1" lang="ja-JP" altLang="en-US" sz="3600" dirty="0"/>
+            <a:endParaRPr kumimoji="1" lang="ja-JP" altLang="en-US" sz="3200" dirty="0"/>
           </a:p>
         </p:txBody>
       </p:sp>
@@ -18470,7 +19262,7 @@
         </p:nvSpPr>
         <p:spPr>
           <a:xfrm>
-            <a:off x="1654865" y="2473414"/>
+            <a:off x="1654865" y="2658944"/>
             <a:ext cx="8882270" cy="2368826"/>
           </a:xfrm>
         </p:spPr>
@@ -18896,6 +19688,77 @@
 </file>
 
 <file path=ppt/slides/slide7.xml><?xml version="1.0" encoding="utf-8"?>
+<p:sld xmlns:a="http://schemas.openxmlformats.org/drawingml/2006/main" xmlns:r="http://schemas.openxmlformats.org/officeDocument/2006/relationships" xmlns:p="http://schemas.openxmlformats.org/presentationml/2006/main">
+  <p:cSld>
+    <p:spTree>
+      <p:nvGrpSpPr>
+        <p:cNvPr id="1" name=""/>
+        <p:cNvGrpSpPr/>
+        <p:nvPr/>
+      </p:nvGrpSpPr>
+      <p:grpSpPr>
+        <a:xfrm>
+          <a:off x="0" y="0"/>
+          <a:ext cx="0" cy="0"/>
+          <a:chOff x="0" y="0"/>
+          <a:chExt cx="0" cy="0"/>
+        </a:xfrm>
+      </p:grpSpPr>
+      <p:sp>
+        <p:nvSpPr>
+          <p:cNvPr id="2" name="タイトル 1">
+            <a:extLst>
+              <a:ext uri="{FF2B5EF4-FFF2-40B4-BE49-F238E27FC236}">
+                <a16:creationId xmlns:a16="http://schemas.microsoft.com/office/drawing/2014/main" id="{F76C117A-0D7C-890F-991F-05D281B2AA53}"/>
+              </a:ext>
+            </a:extLst>
+          </p:cNvPr>
+          <p:cNvSpPr>
+            <a:spLocks noGrp="1"/>
+          </p:cNvSpPr>
+          <p:nvPr>
+            <p:ph type="title"/>
+          </p:nvPr>
+        </p:nvSpPr>
+        <p:spPr>
+          <a:xfrm>
+            <a:off x="458694" y="2766218"/>
+            <a:ext cx="11274612" cy="1325563"/>
+          </a:xfrm>
+        </p:spPr>
+        <p:txBody>
+          <a:bodyPr/>
+          <a:lstStyle/>
+          <a:p>
+            <a:pPr algn="ctr"/>
+            <a:r>
+              <a:rPr kumimoji="1" lang="ja-JP" altLang="en-US" sz="5400" b="1" dirty="0">
+                <a:solidFill>
+                  <a:schemeClr val="tx1">
+                    <a:lumMod val="50000"/>
+                    <a:lumOff val="50000"/>
+                  </a:schemeClr>
+                </a:solidFill>
+              </a:rPr>
+              <a:t>実機説明</a:t>
+            </a:r>
+          </a:p>
+        </p:txBody>
+      </p:sp>
+    </p:spTree>
+    <p:extLst>
+      <p:ext uri="{BB962C8B-B14F-4D97-AF65-F5344CB8AC3E}">
+        <p14:creationId xmlns:p14="http://schemas.microsoft.com/office/powerpoint/2010/main" val="1631385355"/>
+      </p:ext>
+    </p:extLst>
+  </p:cSld>
+  <p:clrMapOvr>
+    <a:masterClrMapping/>
+  </p:clrMapOvr>
+</p:sld>
+</file>
+
+<file path=ppt/slides/slide8.xml><?xml version="1.0" encoding="utf-8"?>
 <p:sld xmlns:a="http://schemas.openxmlformats.org/drawingml/2006/main" xmlns:r="http://schemas.openxmlformats.org/officeDocument/2006/relationships" xmlns:p="http://schemas.openxmlformats.org/presentationml/2006/main">
   <p:cSld>
     <p:bg>
@@ -19466,7 +20329,7 @@
 </p:sld>
 </file>
 
-<file path=ppt/slides/slide8.xml><?xml version="1.0" encoding="utf-8"?>
+<file path=ppt/slides/slide9.xml><?xml version="1.0" encoding="utf-8"?>
 <p:sld xmlns:a="http://schemas.openxmlformats.org/drawingml/2006/main" xmlns:r="http://schemas.openxmlformats.org/officeDocument/2006/relationships" xmlns:p="http://schemas.openxmlformats.org/presentationml/2006/main">
   <p:cSld>
     <p:bg>
@@ -20027,405 +20890,6 @@
 </p:sld>
 </file>
 
-<file path=ppt/slides/slide9.xml><?xml version="1.0" encoding="utf-8"?>
-<p:sld xmlns:a="http://schemas.openxmlformats.org/drawingml/2006/main" xmlns:r="http://schemas.openxmlformats.org/officeDocument/2006/relationships" xmlns:p="http://schemas.openxmlformats.org/presentationml/2006/main">
-  <p:cSld>
-    <p:spTree>
-      <p:nvGrpSpPr>
-        <p:cNvPr id="1" name=""/>
-        <p:cNvGrpSpPr/>
-        <p:nvPr/>
-      </p:nvGrpSpPr>
-      <p:grpSpPr>
-        <a:xfrm>
-          <a:off x="0" y="0"/>
-          <a:ext cx="0" cy="0"/>
-          <a:chOff x="0" y="0"/>
-          <a:chExt cx="0" cy="0"/>
-        </a:xfrm>
-      </p:grpSpPr>
-      <p:sp>
-        <p:nvSpPr>
-          <p:cNvPr id="2" name="タイトル 1">
-            <a:extLst>
-              <a:ext uri="{FF2B5EF4-FFF2-40B4-BE49-F238E27FC236}">
-                <a16:creationId xmlns:a16="http://schemas.microsoft.com/office/drawing/2014/main" id="{7E867325-0DCC-20E6-C182-371858E3F0A5}"/>
-              </a:ext>
-            </a:extLst>
-          </p:cNvPr>
-          <p:cNvSpPr>
-            <a:spLocks noGrp="1"/>
-          </p:cNvSpPr>
-          <p:nvPr>
-            <p:ph type="title"/>
-          </p:nvPr>
-        </p:nvSpPr>
-        <p:spPr>
-          <a:xfrm>
-            <a:off x="1590861" y="2766218"/>
-            <a:ext cx="9010277" cy="1325563"/>
-          </a:xfrm>
-        </p:spPr>
-        <p:txBody>
-          <a:bodyPr/>
-          <a:lstStyle/>
-          <a:p>
-            <a:r>
-              <a:rPr kumimoji="1" lang="ja-JP" altLang="en-US" sz="4800" b="1" dirty="0">
-                <a:solidFill>
-                  <a:schemeClr val="tx1">
-                    <a:lumMod val="50000"/>
-                    <a:lumOff val="50000"/>
-                  </a:schemeClr>
-                </a:solidFill>
-              </a:rPr>
-              <a:t>ご清聴ありがとうございました</a:t>
-            </a:r>
-          </a:p>
-        </p:txBody>
-      </p:sp>
-    </p:spTree>
-    <p:extLst>
-      <p:ext uri="{BB962C8B-B14F-4D97-AF65-F5344CB8AC3E}">
-        <p14:creationId xmlns:p14="http://schemas.microsoft.com/office/powerpoint/2010/main" val="1085724171"/>
-      </p:ext>
-    </p:extLst>
-  </p:cSld>
-  <p:clrMapOvr>
-    <a:masterClrMapping/>
-  </p:clrMapOvr>
-  <p:timing>
-    <p:tnLst>
-      <p:par>
-        <p:cTn id="1" dur="indefinite" restart="never" nodeType="tmRoot">
-          <p:childTnLst>
-            <p:seq concurrent="1" nextAc="seek">
-              <p:cTn id="2" dur="indefinite" nodeType="mainSeq">
-                <p:childTnLst>
-                  <p:par>
-                    <p:cTn id="3" fill="hold">
-                      <p:stCondLst>
-                        <p:cond delay="indefinite"/>
-                      </p:stCondLst>
-                      <p:childTnLst>
-                        <p:par>
-                          <p:cTn id="4" fill="hold">
-                            <p:stCondLst>
-                              <p:cond delay="0"/>
-                            </p:stCondLst>
-                            <p:childTnLst>
-                              <p:par>
-                                <p:cTn id="5" presetID="26" presetClass="entr" presetSubtype="0" fill="hold" grpId="0" nodeType="clickEffect">
-                                  <p:stCondLst>
-                                    <p:cond delay="0"/>
-                                  </p:stCondLst>
-                                  <p:childTnLst>
-                                    <p:set>
-                                      <p:cBhvr>
-                                        <p:cTn id="6" dur="1" fill="hold">
-                                          <p:stCondLst>
-                                            <p:cond delay="0"/>
-                                          </p:stCondLst>
-                                        </p:cTn>
-                                        <p:tgtEl>
-                                          <p:spTgt spid="2"/>
-                                        </p:tgtEl>
-                                        <p:attrNameLst>
-                                          <p:attrName>style.visibility</p:attrName>
-                                        </p:attrNameLst>
-                                      </p:cBhvr>
-                                      <p:to>
-                                        <p:strVal val="visible"/>
-                                      </p:to>
-                                    </p:set>
-                                    <p:animEffect transition="in" filter="wipe(down)">
-                                      <p:cBhvr>
-                                        <p:cTn id="7" dur="580">
-                                          <p:stCondLst>
-                                            <p:cond delay="0"/>
-                                          </p:stCondLst>
-                                        </p:cTn>
-                                        <p:tgtEl>
-                                          <p:spTgt spid="2"/>
-                                        </p:tgtEl>
-                                      </p:cBhvr>
-                                    </p:animEffect>
-                                    <p:anim calcmode="lin" valueType="num">
-                                      <p:cBhvr>
-                                        <p:cTn id="8" dur="1822" tmFilter="0,0; 0.14,0.36; 0.43,0.73; 0.71,0.91; 1.0,1.0">
-                                          <p:stCondLst>
-                                            <p:cond delay="0"/>
-                                          </p:stCondLst>
-                                        </p:cTn>
-                                        <p:tgtEl>
-                                          <p:spTgt spid="2"/>
-                                        </p:tgtEl>
-                                        <p:attrNameLst>
-                                          <p:attrName>ppt_x</p:attrName>
-                                        </p:attrNameLst>
-                                      </p:cBhvr>
-                                      <p:tavLst>
-                                        <p:tav tm="0">
-                                          <p:val>
-                                            <p:strVal val="#ppt_x-0.25"/>
-                                          </p:val>
-                                        </p:tav>
-                                        <p:tav tm="100000">
-                                          <p:val>
-                                            <p:strVal val="#ppt_x"/>
-                                          </p:val>
-                                        </p:tav>
-                                      </p:tavLst>
-                                    </p:anim>
-                                    <p:anim calcmode="lin" valueType="num">
-                                      <p:cBhvr>
-                                        <p:cTn id="9" dur="664" tmFilter="0.0,0.0; 0.25,0.07; 0.50,0.2; 0.75,0.467; 1.0,1.0">
-                                          <p:stCondLst>
-                                            <p:cond delay="0"/>
-                                          </p:stCondLst>
-                                        </p:cTn>
-                                        <p:tgtEl>
-                                          <p:spTgt spid="2"/>
-                                        </p:tgtEl>
-                                        <p:attrNameLst>
-                                          <p:attrName>ppt_y</p:attrName>
-                                        </p:attrNameLst>
-                                      </p:cBhvr>
-                                      <p:tavLst>
-                                        <p:tav tm="0" fmla="#ppt_y-sin(pi*$)/3">
-                                          <p:val>
-                                            <p:fltVal val="0.5"/>
-                                          </p:val>
-                                        </p:tav>
-                                        <p:tav tm="100000">
-                                          <p:val>
-                                            <p:fltVal val="1"/>
-                                          </p:val>
-                                        </p:tav>
-                                      </p:tavLst>
-                                    </p:anim>
-                                    <p:anim calcmode="lin" valueType="num">
-                                      <p:cBhvr>
-                                        <p:cTn id="10" dur="664" tmFilter="0, 0; 0.125,0.2665; 0.25,0.4; 0.375,0.465; 0.5,0.5;  0.625,0.535; 0.75,0.6; 0.875,0.7335; 1,1">
-                                          <p:stCondLst>
-                                            <p:cond delay="664"/>
-                                          </p:stCondLst>
-                                        </p:cTn>
-                                        <p:tgtEl>
-                                          <p:spTgt spid="2"/>
-                                        </p:tgtEl>
-                                        <p:attrNameLst>
-                                          <p:attrName>ppt_y</p:attrName>
-                                        </p:attrNameLst>
-                                      </p:cBhvr>
-                                      <p:tavLst>
-                                        <p:tav tm="0" fmla="#ppt_y-sin(pi*$)/9">
-                                          <p:val>
-                                            <p:fltVal val="0"/>
-                                          </p:val>
-                                        </p:tav>
-                                        <p:tav tm="100000">
-                                          <p:val>
-                                            <p:fltVal val="1"/>
-                                          </p:val>
-                                        </p:tav>
-                                      </p:tavLst>
-                                    </p:anim>
-                                    <p:anim calcmode="lin" valueType="num">
-                                      <p:cBhvr>
-                                        <p:cTn id="11" dur="332" tmFilter="0, 0; 0.125,0.2665; 0.25,0.4; 0.375,0.465; 0.5,0.5;  0.625,0.535; 0.75,0.6; 0.875,0.7335; 1,1">
-                                          <p:stCondLst>
-                                            <p:cond delay="1324"/>
-                                          </p:stCondLst>
-                                        </p:cTn>
-                                        <p:tgtEl>
-                                          <p:spTgt spid="2"/>
-                                        </p:tgtEl>
-                                        <p:attrNameLst>
-                                          <p:attrName>ppt_y</p:attrName>
-                                        </p:attrNameLst>
-                                      </p:cBhvr>
-                                      <p:tavLst>
-                                        <p:tav tm="0" fmla="#ppt_y-sin(pi*$)/27">
-                                          <p:val>
-                                            <p:fltVal val="0"/>
-                                          </p:val>
-                                        </p:tav>
-                                        <p:tav tm="100000">
-                                          <p:val>
-                                            <p:fltVal val="1"/>
-                                          </p:val>
-                                        </p:tav>
-                                      </p:tavLst>
-                                    </p:anim>
-                                    <p:anim calcmode="lin" valueType="num">
-                                      <p:cBhvr>
-                                        <p:cTn id="12" dur="164" tmFilter="0, 0; 0.125,0.2665; 0.25,0.4; 0.375,0.465; 0.5,0.5;  0.625,0.535; 0.75,0.6; 0.875,0.7335; 1,1">
-                                          <p:stCondLst>
-                                            <p:cond delay="1656"/>
-                                          </p:stCondLst>
-                                        </p:cTn>
-                                        <p:tgtEl>
-                                          <p:spTgt spid="2"/>
-                                        </p:tgtEl>
-                                        <p:attrNameLst>
-                                          <p:attrName>ppt_y</p:attrName>
-                                        </p:attrNameLst>
-                                      </p:cBhvr>
-                                      <p:tavLst>
-                                        <p:tav tm="0" fmla="#ppt_y-sin(pi*$)/81">
-                                          <p:val>
-                                            <p:fltVal val="0"/>
-                                          </p:val>
-                                        </p:tav>
-                                        <p:tav tm="100000">
-                                          <p:val>
-                                            <p:fltVal val="1"/>
-                                          </p:val>
-                                        </p:tav>
-                                      </p:tavLst>
-                                    </p:anim>
-                                    <p:animScale>
-                                      <p:cBhvr>
-                                        <p:cTn id="13" dur="26">
-                                          <p:stCondLst>
-                                            <p:cond delay="650"/>
-                                          </p:stCondLst>
-                                        </p:cTn>
-                                        <p:tgtEl>
-                                          <p:spTgt spid="2"/>
-                                        </p:tgtEl>
-                                      </p:cBhvr>
-                                      <p:to x="100000" y="60000"/>
-                                    </p:animScale>
-                                    <p:animScale>
-                                      <p:cBhvr>
-                                        <p:cTn id="14" dur="166" decel="50000">
-                                          <p:stCondLst>
-                                            <p:cond delay="676"/>
-                                          </p:stCondLst>
-                                        </p:cTn>
-                                        <p:tgtEl>
-                                          <p:spTgt spid="2"/>
-                                        </p:tgtEl>
-                                      </p:cBhvr>
-                                      <p:to x="100000" y="100000"/>
-                                    </p:animScale>
-                                    <p:animScale>
-                                      <p:cBhvr>
-                                        <p:cTn id="15" dur="26">
-                                          <p:stCondLst>
-                                            <p:cond delay="1312"/>
-                                          </p:stCondLst>
-                                        </p:cTn>
-                                        <p:tgtEl>
-                                          <p:spTgt spid="2"/>
-                                        </p:tgtEl>
-                                      </p:cBhvr>
-                                      <p:to x="100000" y="80000"/>
-                                    </p:animScale>
-                                    <p:animScale>
-                                      <p:cBhvr>
-                                        <p:cTn id="16" dur="166" decel="50000">
-                                          <p:stCondLst>
-                                            <p:cond delay="1338"/>
-                                          </p:stCondLst>
-                                        </p:cTn>
-                                        <p:tgtEl>
-                                          <p:spTgt spid="2"/>
-                                        </p:tgtEl>
-                                      </p:cBhvr>
-                                      <p:to x="100000" y="100000"/>
-                                    </p:animScale>
-                                    <p:animScale>
-                                      <p:cBhvr>
-                                        <p:cTn id="17" dur="26">
-                                          <p:stCondLst>
-                                            <p:cond delay="1642"/>
-                                          </p:stCondLst>
-                                        </p:cTn>
-                                        <p:tgtEl>
-                                          <p:spTgt spid="2"/>
-                                        </p:tgtEl>
-                                      </p:cBhvr>
-                                      <p:to x="100000" y="90000"/>
-                                    </p:animScale>
-                                    <p:animScale>
-                                      <p:cBhvr>
-                                        <p:cTn id="18" dur="166" decel="50000">
-                                          <p:stCondLst>
-                                            <p:cond delay="1668"/>
-                                          </p:stCondLst>
-                                        </p:cTn>
-                                        <p:tgtEl>
-                                          <p:spTgt spid="2"/>
-                                        </p:tgtEl>
-                                      </p:cBhvr>
-                                      <p:to x="100000" y="100000"/>
-                                    </p:animScale>
-                                    <p:animScale>
-                                      <p:cBhvr>
-                                        <p:cTn id="19" dur="26">
-                                          <p:stCondLst>
-                                            <p:cond delay="1808"/>
-                                          </p:stCondLst>
-                                        </p:cTn>
-                                        <p:tgtEl>
-                                          <p:spTgt spid="2"/>
-                                        </p:tgtEl>
-                                      </p:cBhvr>
-                                      <p:to x="100000" y="95000"/>
-                                    </p:animScale>
-                                    <p:animScale>
-                                      <p:cBhvr>
-                                        <p:cTn id="20" dur="166" decel="50000">
-                                          <p:stCondLst>
-                                            <p:cond delay="1834"/>
-                                          </p:stCondLst>
-                                        </p:cTn>
-                                        <p:tgtEl>
-                                          <p:spTgt spid="2"/>
-                                        </p:tgtEl>
-                                      </p:cBhvr>
-                                      <p:to x="100000" y="100000"/>
-                                    </p:animScale>
-                                  </p:childTnLst>
-                                </p:cTn>
-                              </p:par>
-                            </p:childTnLst>
-                          </p:cTn>
-                        </p:par>
-                      </p:childTnLst>
-                    </p:cTn>
-                  </p:par>
-                </p:childTnLst>
-              </p:cTn>
-              <p:prevCondLst>
-                <p:cond evt="onPrev" delay="0">
-                  <p:tgtEl>
-                    <p:sldTgt/>
-                  </p:tgtEl>
-                </p:cond>
-              </p:prevCondLst>
-              <p:nextCondLst>
-                <p:cond evt="onNext" delay="0">
-                  <p:tgtEl>
-                    <p:sldTgt/>
-                  </p:tgtEl>
-                </p:cond>
-              </p:nextCondLst>
-            </p:seq>
-          </p:childTnLst>
-        </p:cTn>
-      </p:par>
-    </p:tnLst>
-    <p:bldLst>
-      <p:bldP spid="2" grpId="0"/>
-    </p:bldLst>
-  </p:timing>
-</p:sld>
-</file>
-
 <file path=ppt/theme/theme1.xml><?xml version="1.0" encoding="utf-8"?>
 <a:theme xmlns:a="http://schemas.openxmlformats.org/drawingml/2006/main" name="DappledVTI">
   <a:themeElements>
